--- a/Présentation Projet 6.pptx
+++ b/Présentation Projet 6.pptx
@@ -26,13 +26,13 @@
     <p:sldId id="301" r:id="rId17"/>
     <p:sldId id="304" r:id="rId18"/>
     <p:sldId id="313" r:id="rId19"/>
-    <p:sldId id="318" r:id="rId20"/>
-    <p:sldId id="314" r:id="rId21"/>
-    <p:sldId id="302" r:id="rId22"/>
-    <p:sldId id="305" r:id="rId23"/>
-    <p:sldId id="315" r:id="rId24"/>
-    <p:sldId id="316" r:id="rId25"/>
-    <p:sldId id="317" r:id="rId26"/>
+    <p:sldId id="314" r:id="rId20"/>
+    <p:sldId id="302" r:id="rId21"/>
+    <p:sldId id="305" r:id="rId22"/>
+    <p:sldId id="315" r:id="rId23"/>
+    <p:sldId id="316" r:id="rId24"/>
+    <p:sldId id="317" r:id="rId25"/>
+    <p:sldId id="321" r:id="rId26"/>
     <p:sldId id="306" r:id="rId27"/>
   </p:sldIdLst>
   <p:sldSz cx="12192000" cy="6858000"/>
@@ -1358,7 +1358,74 @@
           <a:bodyPr/>
           <a:lstStyle/>
           <a:p>
+            <a:r>
+              <a:rPr lang="fr-FR" dirty="0"/>
+              <a:t>On maintenant appliquer un algorithme de classification sur nos données ; On utilise ici </a:t>
+            </a:r>
+            <a:r>
+              <a:rPr lang="fr-FR" dirty="0" err="1"/>
+              <a:t>Kmeans</a:t>
+            </a:r>
+            <a:r>
+              <a:rPr lang="fr-FR" dirty="0"/>
+              <a:t>, dont voici le code </a:t>
+            </a:r>
+            <a:br>
+              <a:rPr lang="fr-FR" dirty="0"/>
+            </a:br>
+            <a:br>
+              <a:rPr lang="fr-FR" dirty="0"/>
+            </a:br>
+            <a:r>
+              <a:rPr lang="fr-FR" dirty="0"/>
+              <a:t>Ce qui nous donne le </a:t>
+            </a:r>
+            <a:r>
+              <a:rPr lang="fr-FR" dirty="0" err="1"/>
+              <a:t>DataFrame</a:t>
+            </a:r>
+            <a:r>
+              <a:rPr lang="fr-FR" dirty="0"/>
+              <a:t> suivant : </a:t>
+            </a:r>
+          </a:p>
+          <a:p>
+            <a:r>
+              <a:rPr lang="fr-FR" dirty="0"/>
+              <a:t>CLICK</a:t>
+            </a:r>
+          </a:p>
+          <a:p>
             <a:endParaRPr lang="fr-FR" dirty="0"/>
+          </a:p>
+          <a:p>
+            <a:r>
+              <a:rPr lang="fr-FR" dirty="0"/>
+              <a:t>On a ici un </a:t>
+            </a:r>
+            <a:r>
+              <a:rPr lang="fr-FR" dirty="0" err="1"/>
+              <a:t>df</a:t>
+            </a:r>
+            <a:r>
+              <a:rPr lang="fr-FR" dirty="0"/>
+              <a:t> avec nos valeurs d’ACP, ainsi que le Cluster auquel appartient l’individu.</a:t>
+            </a:r>
+          </a:p>
+          <a:p>
+            <a:endParaRPr lang="fr-FR" dirty="0"/>
+          </a:p>
+          <a:p>
+            <a:r>
+              <a:rPr lang="fr-FR" dirty="0"/>
+              <a:t>Ici le choix est de 2. Visualisons les données pour voir si les 2 clusters correspondent bien à Vrai/faux.</a:t>
+            </a:r>
+          </a:p>
+          <a:p>
+            <a:r>
+              <a:rPr lang="fr-FR" dirty="0"/>
+              <a:t>CLICK</a:t>
+            </a:r>
           </a:p>
         </p:txBody>
       </p:sp>
@@ -1456,6 +1523,32 @@
               <a:t>Vérifions avec le graphiques de l’ACP pour nous rendre compte</a:t>
             </a:r>
           </a:p>
+          <a:p>
+            <a:endParaRPr lang="fr-FR" dirty="0"/>
+          </a:p>
+          <a:p>
+            <a:pPr marL="0" marR="0" lvl="0" indent="0" algn="l" defTabSz="914400" rtl="0" eaLnBrk="1" fontAlgn="auto" latinLnBrk="0" hangingPunct="1">
+              <a:lnSpc>
+                <a:spcPct val="100000"/>
+              </a:lnSpc>
+              <a:spcBef>
+                <a:spcPts val="0"/>
+              </a:spcBef>
+              <a:spcAft>
+                <a:spcPts val="0"/>
+              </a:spcAft>
+              <a:buClrTx/>
+              <a:buSzTx/>
+              <a:buFontTx/>
+              <a:buNone/>
+              <a:tabLst/>
+              <a:defRPr/>
+            </a:pPr>
+            <a:r>
+              <a:rPr lang="fr-FR" dirty="0"/>
+              <a:t>Nos deux clusters rejoignent presque intégralement les valeurs vrai/faux que nous avions vu avant</a:t>
+            </a:r>
+          </a:p>
         </p:txBody>
       </p:sp>
       <p:sp>
@@ -1538,10 +1631,7 @@
           <a:bodyPr/>
           <a:lstStyle/>
           <a:p>
-            <a:r>
-              <a:rPr lang="fr-FR" dirty="0"/>
-              <a:t>Nos deux clusters rejoignent presque intégralement les valeurs vrai/faux que nous avions vu avant</a:t>
-            </a:r>
+            <a:endParaRPr lang="fr-FR" dirty="0"/>
           </a:p>
         </p:txBody>
       </p:sp>
@@ -1571,7 +1661,7 @@
     </p:spTree>
     <p:extLst>
       <p:ext uri="{BB962C8B-B14F-4D97-AF65-F5344CB8AC3E}">
-        <p14:creationId xmlns:p14="http://schemas.microsoft.com/office/powerpoint/2010/main" val="235522834"/>
+        <p14:creationId xmlns:p14="http://schemas.microsoft.com/office/powerpoint/2010/main" val="3054681355"/>
       </p:ext>
     </p:extLst>
   </p:cSld>
@@ -1625,7 +1715,10 @@
           <a:bodyPr/>
           <a:lstStyle/>
           <a:p>
-            <a:endParaRPr lang="fr-FR" dirty="0"/>
+            <a:r>
+              <a:rPr lang="fr-FR" dirty="0"/>
+              <a:t>FAIT</a:t>
+            </a:r>
           </a:p>
         </p:txBody>
       </p:sp>
@@ -1644,7 +1737,7 @@
           <a:bodyPr/>
           <a:lstStyle/>
           <a:p>
-            <a:fld id="{F44DFA25-216B-4048-9E14-17772AFFB9C9}" type="slidenum">
+            <a:fld id="{5F05756B-5F5C-4EED-907C-E25857D58D0B}" type="slidenum">
               <a:rPr lang="fr-FR" smtClean="0"/>
               <a:t>20</a:t>
             </a:fld>
@@ -1655,7 +1748,7 @@
     </p:spTree>
     <p:extLst>
       <p:ext uri="{BB962C8B-B14F-4D97-AF65-F5344CB8AC3E}">
-        <p14:creationId xmlns:p14="http://schemas.microsoft.com/office/powerpoint/2010/main" val="3054681355"/>
+        <p14:creationId xmlns:p14="http://schemas.microsoft.com/office/powerpoint/2010/main" val="359202488"/>
       </p:ext>
     </p:extLst>
   </p:cSld>
@@ -1798,8 +1891,78 @@
           <a:p>
             <a:r>
               <a:rPr lang="fr-FR" dirty="0"/>
-              <a:t>FAIT</a:t>
-            </a:r>
+              <a:t>Ici, seules les colonnes </a:t>
+            </a:r>
+            <a:r>
+              <a:rPr lang="fr-FR" dirty="0" err="1"/>
+              <a:t>margin_low</a:t>
+            </a:r>
+            <a:r>
+              <a:rPr lang="fr-FR" dirty="0"/>
+              <a:t> et up sont des paramètres significatifs pour notre régression. En effet ce sont les deux seules variables ayant une </a:t>
+            </a:r>
+            <a:r>
+              <a:rPr lang="fr-FR" dirty="0" err="1"/>
+              <a:t>p_valeur</a:t>
+            </a:r>
+            <a:r>
+              <a:rPr lang="fr-FR" dirty="0"/>
+              <a:t> inférieur à 5%.</a:t>
+            </a:r>
+          </a:p>
+          <a:p>
+            <a:endParaRPr lang="fr-FR" dirty="0"/>
+          </a:p>
+          <a:p>
+            <a:r>
+              <a:rPr lang="fr-FR" dirty="0"/>
+              <a:t>La régression logistique pour notre programme se basera donc sur les variables </a:t>
+            </a:r>
+            <a:r>
+              <a:rPr lang="fr-FR" dirty="0" err="1"/>
+              <a:t>margin_low</a:t>
+            </a:r>
+            <a:r>
+              <a:rPr lang="fr-FR" dirty="0"/>
+              <a:t> et up. </a:t>
+            </a:r>
+          </a:p>
+          <a:p>
+            <a:endParaRPr lang="fr-FR" dirty="0"/>
+          </a:p>
+          <a:p>
+            <a:r>
+              <a:rPr lang="fr-FR" dirty="0"/>
+              <a:t>POINT SUR CE QUI EST DIT PENDANT L’ACP :</a:t>
+            </a:r>
+          </a:p>
+          <a:p>
+            <a:r>
+              <a:rPr lang="fr-FR" dirty="0"/>
+              <a:t>Dans la version écrite du code, vous pourrez trouver un test effectué en utilisant PC1 et PC2 au lieu de </a:t>
+            </a:r>
+            <a:r>
+              <a:rPr lang="fr-FR" dirty="0" err="1"/>
+              <a:t>margin_low</a:t>
+            </a:r>
+            <a:r>
+              <a:rPr lang="fr-FR" dirty="0"/>
+              <a:t> et up, cependant l’</a:t>
+            </a:r>
+            <a:r>
+              <a:rPr lang="fr-FR" dirty="0" err="1"/>
+              <a:t>accuracy</a:t>
+            </a:r>
+            <a:r>
+              <a:rPr lang="fr-FR" dirty="0"/>
+              <a:t> étant inférieur (96% contre 98% pour la régression que je vous présente aujourd’hui), cette méthode n’a pas été retenue.</a:t>
+            </a:r>
+          </a:p>
+          <a:p>
+            <a:endParaRPr lang="fr-FR" dirty="0"/>
+          </a:p>
+          <a:p>
+            <a:endParaRPr lang="fr-FR" dirty="0"/>
           </a:p>
         </p:txBody>
       </p:sp>
@@ -1818,7 +1981,7 @@
           <a:bodyPr/>
           <a:lstStyle/>
           <a:p>
-            <a:fld id="{5F05756B-5F5C-4EED-907C-E25857D58D0B}" type="slidenum">
+            <a:fld id="{F44DFA25-216B-4048-9E14-17772AFFB9C9}" type="slidenum">
               <a:rPr lang="fr-FR" smtClean="0"/>
               <a:t>21</a:t>
             </a:fld>
@@ -1829,7 +1992,7 @@
     </p:spTree>
     <p:extLst>
       <p:ext uri="{BB962C8B-B14F-4D97-AF65-F5344CB8AC3E}">
-        <p14:creationId xmlns:p14="http://schemas.microsoft.com/office/powerpoint/2010/main" val="359202488"/>
+        <p14:creationId xmlns:p14="http://schemas.microsoft.com/office/powerpoint/2010/main" val="2785654452"/>
       </p:ext>
     </p:extLst>
   </p:cSld>
@@ -1885,71 +2048,92 @@
           <a:p>
             <a:r>
               <a:rPr lang="fr-FR" dirty="0"/>
-              <a:t>Ici, seules les colonnes </a:t>
+              <a:t>Le programme se compose de 3 parties : </a:t>
+            </a:r>
+          </a:p>
+          <a:p>
+            <a:endParaRPr lang="fr-FR" dirty="0"/>
+          </a:p>
+          <a:p>
+            <a:r>
+              <a:rPr lang="fr-FR" dirty="0"/>
+              <a:t>D’abord la phase de nettoyage et de vérification </a:t>
+            </a:r>
+          </a:p>
+          <a:p>
+            <a:r>
+              <a:rPr lang="fr-FR" dirty="0"/>
+              <a:t>CLICK</a:t>
+            </a:r>
+          </a:p>
+          <a:p>
+            <a:endParaRPr lang="fr-FR" dirty="0"/>
+          </a:p>
+          <a:p>
+            <a:pPr marL="0" marR="0" lvl="0" indent="0" algn="l" defTabSz="914400" rtl="0" eaLnBrk="1" fontAlgn="auto" latinLnBrk="0" hangingPunct="1">
+              <a:lnSpc>
+                <a:spcPct val="100000"/>
+              </a:lnSpc>
+              <a:spcBef>
+                <a:spcPts val="0"/>
+              </a:spcBef>
+              <a:spcAft>
+                <a:spcPts val="0"/>
+              </a:spcAft>
+              <a:buClrTx/>
+              <a:buSzTx/>
+              <a:buFontTx/>
+              <a:buNone/>
+              <a:tabLst/>
+              <a:defRPr/>
+            </a:pPr>
+            <a:r>
+              <a:rPr lang="fr-FR" dirty="0"/>
+              <a:t>CLICK</a:t>
+            </a:r>
+          </a:p>
+          <a:p>
+            <a:r>
+              <a:rPr lang="fr-FR" dirty="0"/>
+              <a:t>On commence par voir si le fichier comprend une colonne ‘ID’, qui nous sera utile par la suite </a:t>
+            </a:r>
+          </a:p>
+          <a:p>
+            <a:endParaRPr lang="fr-FR" dirty="0"/>
+          </a:p>
+          <a:p>
+            <a:r>
+              <a:rPr lang="fr-FR" dirty="0"/>
+              <a:t>CLICK</a:t>
+            </a:r>
+          </a:p>
+          <a:p>
+            <a:r>
+              <a:rPr lang="fr-FR" dirty="0"/>
+              <a:t>Ensuite, on cherche à savoir si le fichier communiqué contient bien toutes les variables indispensables à la prédiction, si ce n’est pas le cas alors un message d’erreur s’affiche. Le fichier peut contenir </a:t>
             </a:r>
             <a:r>
               <a:rPr lang="fr-FR" dirty="0" err="1"/>
-              <a:t>margin_low</a:t>
+              <a:t>pluss</a:t>
             </a:r>
             <a:r>
               <a:rPr lang="fr-FR" dirty="0"/>
-              <a:t> et up sont des paramètres significatifs pour notre régression. En effet ce sont les deux seules variables ayant une </a:t>
-            </a:r>
-            <a:r>
-              <a:rPr lang="fr-FR" dirty="0" err="1"/>
-              <a:t>p_valeur</a:t>
-            </a:r>
+              <a:t> de variables que prévues, tant que l’on a bien les variables indispensables.</a:t>
+            </a:r>
+          </a:p>
+          <a:p>
+            <a:endParaRPr lang="fr-FR" dirty="0"/>
+          </a:p>
+          <a:p>
             <a:r>
               <a:rPr lang="fr-FR" dirty="0"/>
-              <a:t> inférieur à 5%.</a:t>
-            </a:r>
-          </a:p>
-          <a:p>
-            <a:endParaRPr lang="fr-FR" dirty="0"/>
+              <a:t>CLICK</a:t>
+            </a:r>
           </a:p>
           <a:p>
             <a:r>
               <a:rPr lang="fr-FR" dirty="0"/>
-              <a:t>La régression logistique pour notre programme se basera donc sur les variables </a:t>
-            </a:r>
-            <a:r>
-              <a:rPr lang="fr-FR" dirty="0" err="1"/>
-              <a:t>margin_low</a:t>
-            </a:r>
-            <a:r>
-              <a:rPr lang="fr-FR" dirty="0"/>
-              <a:t> et up. </a:t>
-            </a:r>
-          </a:p>
-          <a:p>
-            <a:endParaRPr lang="fr-FR" dirty="0"/>
-          </a:p>
-          <a:p>
-            <a:r>
-              <a:rPr lang="fr-FR" dirty="0"/>
-              <a:t>POINT SUR CE QUI EST DIT PENDANT L’ACP :</a:t>
-            </a:r>
-          </a:p>
-          <a:p>
-            <a:r>
-              <a:rPr lang="fr-FR" dirty="0"/>
-              <a:t>Dans la version écrite du code, vous pourrez trouver un test effectué en utilisant PC1 et PC2 au lieu de </a:t>
-            </a:r>
-            <a:r>
-              <a:rPr lang="fr-FR" dirty="0" err="1"/>
-              <a:t>margin_low</a:t>
-            </a:r>
-            <a:r>
-              <a:rPr lang="fr-FR" dirty="0"/>
-              <a:t> et up, cependant l’</a:t>
-            </a:r>
-            <a:r>
-              <a:rPr lang="fr-FR" dirty="0" err="1"/>
-              <a:t>accuracy</a:t>
-            </a:r>
-            <a:r>
-              <a:rPr lang="fr-FR" dirty="0"/>
-              <a:t> étant inférieur (96% contre 98% pour la régression que je vous présente aujourd’hui), cette méthode n’a pas été retenue.</a:t>
+              <a:t>Enfin, on remplace les éventuelles valeurs manquantes.</a:t>
             </a:r>
           </a:p>
           <a:p>
@@ -1986,7 +2170,7 @@
     </p:spTree>
     <p:extLst>
       <p:ext uri="{BB962C8B-B14F-4D97-AF65-F5344CB8AC3E}">
-        <p14:creationId xmlns:p14="http://schemas.microsoft.com/office/powerpoint/2010/main" val="2785654452"/>
+        <p14:creationId xmlns:p14="http://schemas.microsoft.com/office/powerpoint/2010/main" val="1682505979"/>
       </p:ext>
     </p:extLst>
   </p:cSld>
@@ -2042,17 +2226,19 @@
           <a:p>
             <a:r>
               <a:rPr lang="fr-FR" dirty="0"/>
-              <a:t>Le programme se compose de 3 parties : </a:t>
+              <a:t>2</a:t>
+            </a:r>
+            <a:r>
+              <a:rPr lang="fr-FR" baseline="30000" dirty="0"/>
+              <a:t>ème</a:t>
+            </a:r>
+            <a:r>
+              <a:rPr lang="fr-FR" dirty="0"/>
+              <a:t> partie : La prédiction</a:t>
             </a:r>
           </a:p>
           <a:p>
             <a:endParaRPr lang="fr-FR" dirty="0"/>
-          </a:p>
-          <a:p>
-            <a:r>
-              <a:rPr lang="fr-FR" dirty="0"/>
-              <a:t>D’abord la phase de nettoyage et de vérification </a:t>
-            </a:r>
           </a:p>
           <a:p>
             <a:r>
@@ -2061,26 +2247,39 @@
             </a:r>
           </a:p>
           <a:p>
+            <a:r>
+              <a:rPr lang="fr-FR" dirty="0"/>
+              <a:t>On commence par appliquer la fonction .</a:t>
+            </a:r>
+            <a:r>
+              <a:rPr lang="fr-FR" dirty="0" err="1"/>
+              <a:t>predict</a:t>
+            </a:r>
+            <a:r>
+              <a:rPr lang="fr-FR" dirty="0"/>
+              <a:t> à notre </a:t>
+            </a:r>
+            <a:r>
+              <a:rPr lang="fr-FR" dirty="0" err="1"/>
+              <a:t>df</a:t>
+            </a:r>
+            <a:r>
+              <a:rPr lang="fr-FR" dirty="0"/>
+              <a:t>, selon la régression logistique que l’on a vu </a:t>
+            </a:r>
+            <a:r>
+              <a:rPr lang="fr-FR" dirty="0" err="1"/>
+              <a:t>précédement</a:t>
+            </a:r>
+            <a:r>
+              <a:rPr lang="fr-FR" dirty="0"/>
+              <a:t>.</a:t>
+            </a:r>
+          </a:p>
+          <a:p>
             <a:endParaRPr lang="fr-FR" dirty="0"/>
           </a:p>
           <a:p>
-            <a:pPr marL="0" marR="0" lvl="0" indent="0" algn="l" defTabSz="914400" rtl="0" eaLnBrk="1" fontAlgn="auto" latinLnBrk="0" hangingPunct="1">
-              <a:lnSpc>
-                <a:spcPct val="100000"/>
-              </a:lnSpc>
-              <a:spcBef>
-                <a:spcPts val="0"/>
-              </a:spcBef>
-              <a:spcAft>
-                <a:spcPts val="0"/>
-              </a:spcAft>
-              <a:buClrTx/>
-              <a:buSzTx/>
-              <a:buFontTx/>
-              <a:buNone/>
-              <a:tabLst/>
-              <a:defRPr/>
-            </a:pPr>
             <a:r>
               <a:rPr lang="fr-FR" dirty="0"/>
               <a:t>CLICK</a:t>
@@ -2089,7 +2288,23 @@
           <a:p>
             <a:r>
               <a:rPr lang="fr-FR" dirty="0"/>
-              <a:t>On commence par voir si le fichier comprend une colonne ‘ID’, qui nous sera utile par la suite </a:t>
+              <a:t>On récupère ensuite les données et on manipule le </a:t>
+            </a:r>
+            <a:r>
+              <a:rPr lang="fr-FR" dirty="0" err="1"/>
+              <a:t>df</a:t>
+            </a:r>
+            <a:r>
+              <a:rPr lang="fr-FR" dirty="0"/>
+              <a:t> afin d’avoir un rendu comprenant : Une colonne ‘ID’, une colonne ‘PROBA’, une colonne ‘</a:t>
+            </a:r>
+            <a:r>
+              <a:rPr lang="fr-FR" dirty="0" err="1"/>
+              <a:t>is_genuine</a:t>
+            </a:r>
+            <a:r>
+              <a:rPr lang="fr-FR" dirty="0"/>
+              <a:t>’ </a:t>
             </a:r>
           </a:p>
           <a:p>
@@ -2104,37 +2319,8 @@
           <a:p>
             <a:r>
               <a:rPr lang="fr-FR" dirty="0"/>
-              <a:t>Ensuite, on cherche à savoir si le fichier communiqué contient bien toutes les variables indispensables à la prédiction, si ce n’est pas le cas alors un message d’erreur s’affiche. Le fichier peut contenir </a:t>
-            </a:r>
-            <a:r>
-              <a:rPr lang="fr-FR" dirty="0" err="1"/>
-              <a:t>pluss</a:t>
-            </a:r>
-            <a:r>
-              <a:rPr lang="fr-FR" dirty="0"/>
-              <a:t> de variables que prévues, tant que l’on a bien les variables indispensables.</a:t>
-            </a:r>
-          </a:p>
-          <a:p>
-            <a:endParaRPr lang="fr-FR" dirty="0"/>
-          </a:p>
-          <a:p>
-            <a:r>
-              <a:rPr lang="fr-FR" dirty="0"/>
-              <a:t>CLICK</a:t>
-            </a:r>
-          </a:p>
-          <a:p>
-            <a:r>
-              <a:rPr lang="fr-FR" dirty="0"/>
-              <a:t>Enfin, on remplace les éventuelles valeurs manquantes.</a:t>
-            </a:r>
-          </a:p>
-          <a:p>
-            <a:endParaRPr lang="fr-FR" dirty="0"/>
-          </a:p>
-          <a:p>
-            <a:endParaRPr lang="fr-FR" dirty="0"/>
+              <a:t>On enregistre ensuite le fichier en .csv</a:t>
+            </a:r>
           </a:p>
         </p:txBody>
       </p:sp>
@@ -2164,7 +2350,7 @@
     </p:spTree>
     <p:extLst>
       <p:ext uri="{BB962C8B-B14F-4D97-AF65-F5344CB8AC3E}">
-        <p14:creationId xmlns:p14="http://schemas.microsoft.com/office/powerpoint/2010/main" val="1682505979"/>
+        <p14:creationId xmlns:p14="http://schemas.microsoft.com/office/powerpoint/2010/main" val="640740844"/>
       </p:ext>
     </p:extLst>
   </p:cSld>
@@ -2220,7 +2406,7 @@
           <a:p>
             <a:r>
               <a:rPr lang="fr-FR" dirty="0"/>
-              <a:t>2</a:t>
+              <a:t>3</a:t>
             </a:r>
             <a:r>
               <a:rPr lang="fr-FR" baseline="30000" dirty="0"/>
@@ -2228,7 +2414,7 @@
             </a:r>
             <a:r>
               <a:rPr lang="fr-FR" dirty="0"/>
-              <a:t> partie : La prédiction</a:t>
+              <a:t> partie : Calcul du nombre de Vrais/Faux</a:t>
             </a:r>
           </a:p>
           <a:p>
@@ -2243,31 +2429,7 @@
           <a:p>
             <a:r>
               <a:rPr lang="fr-FR" dirty="0"/>
-              <a:t>On commence par appliquer la fonction .</a:t>
-            </a:r>
-            <a:r>
-              <a:rPr lang="fr-FR" dirty="0" err="1"/>
-              <a:t>predict</a:t>
-            </a:r>
-            <a:r>
-              <a:rPr lang="fr-FR" dirty="0"/>
-              <a:t> à notre </a:t>
-            </a:r>
-            <a:r>
-              <a:rPr lang="fr-FR" dirty="0" err="1"/>
-              <a:t>df</a:t>
-            </a:r>
-            <a:r>
-              <a:rPr lang="fr-FR" dirty="0"/>
-              <a:t>, selon la régression logistique que l’on a vu </a:t>
-            </a:r>
-            <a:r>
-              <a:rPr lang="fr-FR" dirty="0" err="1"/>
-              <a:t>précédement</a:t>
-            </a:r>
-            <a:r>
-              <a:rPr lang="fr-FR" dirty="0"/>
-              <a:t>.</a:t>
+              <a:t>On commence par calculer le nombre de vrais et de faux </a:t>
             </a:r>
           </a:p>
           <a:p>
@@ -2282,23 +2444,15 @@
           <a:p>
             <a:r>
               <a:rPr lang="fr-FR" dirty="0"/>
-              <a:t>On récupère ensuite les données et on manipule le </a:t>
+              <a:t>On </a:t>
             </a:r>
             <a:r>
               <a:rPr lang="fr-FR" dirty="0" err="1"/>
-              <a:t>df</a:t>
+              <a:t>print</a:t>
             </a:r>
             <a:r>
               <a:rPr lang="fr-FR" dirty="0"/>
-              <a:t> afin d’avoir un rendu comprenant : Une colonne ‘ID’, une colonne ‘PROBA’, une colonne ‘</a:t>
-            </a:r>
-            <a:r>
-              <a:rPr lang="fr-FR" dirty="0" err="1"/>
-              <a:t>is_genuine</a:t>
-            </a:r>
-            <a:r>
-              <a:rPr lang="fr-FR" dirty="0"/>
-              <a:t>’ </a:t>
+              <a:t> le tout pour que l’utilisateur puisse le voir</a:t>
             </a:r>
           </a:p>
           <a:p>
@@ -2313,8 +2467,34 @@
           <a:p>
             <a:r>
               <a:rPr lang="fr-FR" dirty="0"/>
-              <a:t>On enregistre ensuite le fichier en .csv</a:t>
-            </a:r>
+              <a:t>On sauvegarde les fichiers</a:t>
+            </a:r>
+          </a:p>
+          <a:p>
+            <a:endParaRPr lang="fr-FR" dirty="0"/>
+          </a:p>
+          <a:p>
+            <a:r>
+              <a:rPr lang="fr-FR" dirty="0"/>
+              <a:t>CLICK</a:t>
+            </a:r>
+          </a:p>
+          <a:p>
+            <a:r>
+              <a:rPr lang="fr-FR" dirty="0"/>
+              <a:t>Enfin on utilise return pour que le </a:t>
+            </a:r>
+            <a:r>
+              <a:rPr lang="fr-FR" dirty="0" err="1"/>
+              <a:t>Df_predict</a:t>
+            </a:r>
+            <a:r>
+              <a:rPr lang="fr-FR" dirty="0"/>
+              <a:t> s’affiche lorsque le programme est lancé.</a:t>
+            </a:r>
+          </a:p>
+          <a:p>
+            <a:endParaRPr lang="fr-FR" dirty="0"/>
           </a:p>
         </p:txBody>
       </p:sp>
@@ -2344,7 +2524,7 @@
     </p:spTree>
     <p:extLst>
       <p:ext uri="{BB962C8B-B14F-4D97-AF65-F5344CB8AC3E}">
-        <p14:creationId xmlns:p14="http://schemas.microsoft.com/office/powerpoint/2010/main" val="640740844"/>
+        <p14:creationId xmlns:p14="http://schemas.microsoft.com/office/powerpoint/2010/main" val="2861248907"/>
       </p:ext>
     </p:extLst>
   </p:cSld>
@@ -2400,95 +2580,16 @@
           <a:p>
             <a:r>
               <a:rPr lang="fr-FR" dirty="0"/>
-              <a:t>3</a:t>
-            </a:r>
-            <a:r>
-              <a:rPr lang="fr-FR" baseline="30000" dirty="0"/>
-              <a:t>ème</a:t>
+              <a:t>L’</a:t>
+            </a:r>
+            <a:r>
+              <a:rPr lang="fr-FR" dirty="0" err="1"/>
+              <a:t>accuracy</a:t>
             </a:r>
             <a:r>
               <a:rPr lang="fr-FR" dirty="0"/>
-              <a:t> partie : Calcul du nombre de Vrais/Faux</a:t>
-            </a:r>
-          </a:p>
-          <a:p>
-            <a:endParaRPr lang="fr-FR" dirty="0"/>
-          </a:p>
-          <a:p>
-            <a:r>
-              <a:rPr lang="fr-FR" dirty="0"/>
-              <a:t>CLICK</a:t>
-            </a:r>
-          </a:p>
-          <a:p>
-            <a:r>
-              <a:rPr lang="fr-FR" dirty="0"/>
-              <a:t>On commence par calculer le nombre de vrais et de faux </a:t>
-            </a:r>
-          </a:p>
-          <a:p>
-            <a:endParaRPr lang="fr-FR" dirty="0"/>
-          </a:p>
-          <a:p>
-            <a:r>
-              <a:rPr lang="fr-FR" dirty="0"/>
-              <a:t>CLICK</a:t>
-            </a:r>
-          </a:p>
-          <a:p>
-            <a:r>
-              <a:rPr lang="fr-FR" dirty="0"/>
-              <a:t>On </a:t>
-            </a:r>
-            <a:r>
-              <a:rPr lang="fr-FR" dirty="0" err="1"/>
-              <a:t>print</a:t>
-            </a:r>
-            <a:r>
-              <a:rPr lang="fr-FR" dirty="0"/>
-              <a:t> le tout pour que l’utilisateur puisse le voir</a:t>
-            </a:r>
-          </a:p>
-          <a:p>
-            <a:endParaRPr lang="fr-FR" dirty="0"/>
-          </a:p>
-          <a:p>
-            <a:r>
-              <a:rPr lang="fr-FR" dirty="0"/>
-              <a:t>CLICK</a:t>
-            </a:r>
-          </a:p>
-          <a:p>
-            <a:r>
-              <a:rPr lang="fr-FR" dirty="0"/>
-              <a:t>On sauvegarde les fichiers</a:t>
-            </a:r>
-          </a:p>
-          <a:p>
-            <a:endParaRPr lang="fr-FR" dirty="0"/>
-          </a:p>
-          <a:p>
-            <a:r>
-              <a:rPr lang="fr-FR" dirty="0"/>
-              <a:t>CLICK</a:t>
-            </a:r>
-          </a:p>
-          <a:p>
-            <a:r>
-              <a:rPr lang="fr-FR" dirty="0"/>
-              <a:t>Enfin on utilise return pour que le </a:t>
-            </a:r>
-            <a:r>
-              <a:rPr lang="fr-FR" dirty="0" err="1"/>
-              <a:t>Df_predict</a:t>
-            </a:r>
-            <a:r>
-              <a:rPr lang="fr-FR" dirty="0"/>
-              <a:t> s’affiche lorsque le programme est lancé.</a:t>
-            </a:r>
-          </a:p>
-          <a:p>
-            <a:endParaRPr lang="fr-FR" dirty="0"/>
+              <a:t> est de 98%</a:t>
+            </a:r>
           </a:p>
         </p:txBody>
       </p:sp>
@@ -2507,7 +2608,7 @@
           <a:bodyPr/>
           <a:lstStyle/>
           <a:p>
-            <a:fld id="{F44DFA25-216B-4048-9E14-17772AFFB9C9}" type="slidenum">
+            <a:fld id="{B368AEA7-4DA3-4D8F-B17B-89D4A8C69F51}" type="slidenum">
               <a:rPr lang="fr-FR" smtClean="0"/>
               <a:t>25</a:t>
             </a:fld>
@@ -2518,7 +2619,7 @@
     </p:spTree>
     <p:extLst>
       <p:ext uri="{BB962C8B-B14F-4D97-AF65-F5344CB8AC3E}">
-        <p14:creationId xmlns:p14="http://schemas.microsoft.com/office/powerpoint/2010/main" val="2861248907"/>
+        <p14:creationId xmlns:p14="http://schemas.microsoft.com/office/powerpoint/2010/main" val="1756727736"/>
       </p:ext>
     </p:extLst>
   </p:cSld>
@@ -2854,7 +2955,7 @@
             </a:r>
             <a:r>
               <a:rPr lang="fr-FR" dirty="0"/>
-              <a:t>" se démarquent dans leur écart type </a:t>
+              <a:t>" se démarquent dans leur écart type et leur moyenne</a:t>
             </a:r>
           </a:p>
           <a:p>
@@ -7119,6 +7220,41 @@
           </a:prstGeom>
         </p:spPr>
       </p:pic>
+      <p:sp>
+        <p:nvSpPr>
+          <p:cNvPr id="5" name="Titre 1">
+            <a:extLst>
+              <a:ext uri="{FF2B5EF4-FFF2-40B4-BE49-F238E27FC236}">
+                <a16:creationId xmlns:a16="http://schemas.microsoft.com/office/drawing/2014/main" id="{745EC380-8AD4-4F89-B1EE-DD2F41B1864D}"/>
+              </a:ext>
+            </a:extLst>
+          </p:cNvPr>
+          <p:cNvSpPr>
+            <a:spLocks noGrp="1"/>
+          </p:cNvSpPr>
+          <p:nvPr>
+            <p:ph type="ctrTitle"/>
+          </p:nvPr>
+        </p:nvSpPr>
+        <p:spPr>
+          <a:xfrm>
+            <a:off x="1391920" y="396240"/>
+            <a:ext cx="9408160" cy="1046481"/>
+          </a:xfrm>
+        </p:spPr>
+        <p:txBody>
+          <a:bodyPr>
+            <a:normAutofit/>
+          </a:bodyPr>
+          <a:lstStyle/>
+          <a:p>
+            <a:r>
+              <a:rPr lang="fr-FR" dirty="0"/>
+              <a:t>Relations linéaires</a:t>
+            </a:r>
+          </a:p>
+        </p:txBody>
+      </p:sp>
     </p:spTree>
     <p:extLst>
       <p:ext uri="{BB962C8B-B14F-4D97-AF65-F5344CB8AC3E}">
@@ -8876,16 +9012,24 @@
         </p:nvSpPr>
         <p:spPr>
           <a:xfrm>
-            <a:off x="1391920" y="396240"/>
-            <a:ext cx="9408160" cy="1046481"/>
+            <a:off x="762000" y="396240"/>
+            <a:ext cx="10668000" cy="1046481"/>
           </a:xfrm>
         </p:spPr>
         <p:txBody>
           <a:bodyPr>
-            <a:normAutofit/>
+            <a:normAutofit fontScale="90000"/>
           </a:bodyPr>
           <a:lstStyle/>
           <a:p>
+            <a:r>
+              <a:rPr lang="fr-FR" dirty="0"/>
+              <a:t>Algorithme de Classification - </a:t>
+            </a:r>
+            <a:r>
+              <a:rPr lang="fr-FR" dirty="0" err="1"/>
+              <a:t>Kmeans</a:t>
+            </a:r>
             <a:endParaRPr lang="fr-FR" dirty="0"/>
           </a:p>
         </p:txBody>
@@ -8948,7 +9092,7 @@
         </p:blipFill>
         <p:spPr>
           <a:xfrm>
-            <a:off x="762000" y="2971800"/>
+            <a:off x="762000" y="2118360"/>
             <a:ext cx="10668000" cy="914400"/>
           </a:xfrm>
           <a:prstGeom prst="rect">
@@ -8978,7 +9122,7 @@
         </p:blipFill>
         <p:spPr>
           <a:xfrm>
-            <a:off x="2238375" y="4216400"/>
+            <a:off x="2238375" y="3708400"/>
             <a:ext cx="7715250" cy="2438400"/>
           </a:xfrm>
           <a:prstGeom prst="rect">
@@ -8996,6 +9140,81 @@
   <p:clrMapOvr>
     <a:masterClrMapping/>
   </p:clrMapOvr>
+  <p:timing>
+    <p:tnLst>
+      <p:par>
+        <p:cTn id="1" dur="indefinite" restart="never" nodeType="tmRoot">
+          <p:childTnLst>
+            <p:seq concurrent="1" nextAc="seek">
+              <p:cTn id="2" dur="indefinite" nodeType="mainSeq">
+                <p:childTnLst>
+                  <p:par>
+                    <p:cTn id="3" fill="hold">
+                      <p:stCondLst>
+                        <p:cond delay="indefinite"/>
+                      </p:stCondLst>
+                      <p:childTnLst>
+                        <p:par>
+                          <p:cTn id="4" fill="hold">
+                            <p:stCondLst>
+                              <p:cond delay="0"/>
+                            </p:stCondLst>
+                            <p:childTnLst>
+                              <p:par>
+                                <p:cTn id="5" presetID="1" presetClass="entr" presetSubtype="0" fill="hold" nodeType="clickEffect">
+                                  <p:stCondLst>
+                                    <p:cond delay="0"/>
+                                  </p:stCondLst>
+                                  <p:childTnLst>
+                                    <p:set>
+                                      <p:cBhvr>
+                                        <p:cTn id="6" dur="1" fill="hold">
+                                          <p:stCondLst>
+                                            <p:cond delay="0"/>
+                                          </p:stCondLst>
+                                        </p:cTn>
+                                        <p:tgtEl>
+                                          <p:spTgt spid="6"/>
+                                        </p:tgtEl>
+                                        <p:attrNameLst>
+                                          <p:attrName>style.visibility</p:attrName>
+                                        </p:attrNameLst>
+                                      </p:cBhvr>
+                                      <p:to>
+                                        <p:strVal val="visible"/>
+                                      </p:to>
+                                    </p:set>
+                                  </p:childTnLst>
+                                </p:cTn>
+                              </p:par>
+                            </p:childTnLst>
+                          </p:cTn>
+                        </p:par>
+                      </p:childTnLst>
+                    </p:cTn>
+                  </p:par>
+                </p:childTnLst>
+              </p:cTn>
+              <p:prevCondLst>
+                <p:cond evt="onPrev" delay="0">
+                  <p:tgtEl>
+                    <p:sldTgt/>
+                  </p:tgtEl>
+                </p:cond>
+              </p:prevCondLst>
+              <p:nextCondLst>
+                <p:cond evt="onNext" delay="0">
+                  <p:tgtEl>
+                    <p:sldTgt/>
+                  </p:tgtEl>
+                </p:cond>
+              </p:nextCondLst>
+            </p:seq>
+          </p:childTnLst>
+        </p:cTn>
+      </p:par>
+    </p:tnLst>
+  </p:timing>
 </p:sld>
 </file>
 
@@ -9016,6 +9235,41 @@
           <a:chExt cx="0" cy="0"/>
         </a:xfrm>
       </p:grpSpPr>
+      <p:pic>
+        <p:nvPicPr>
+          <p:cNvPr id="6" name="Image 5">
+            <a:extLst>
+              <a:ext uri="{FF2B5EF4-FFF2-40B4-BE49-F238E27FC236}">
+                <a16:creationId xmlns:a16="http://schemas.microsoft.com/office/drawing/2014/main" id="{77F6596F-12B4-4FC6-A0AF-AFEEDE3B7A7D}"/>
+              </a:ext>
+            </a:extLst>
+          </p:cNvPr>
+          <p:cNvPicPr>
+            <a:picLocks noChangeAspect="1"/>
+          </p:cNvPicPr>
+          <p:nvPr/>
+        </p:nvPicPr>
+        <p:blipFill rotWithShape="1">
+          <a:blip r:embed="rId3">
+            <a:extLst>
+              <a:ext uri="{28A0092B-C50C-407E-A947-70E740481C1C}">
+                <a14:useLocalDpi xmlns:a14="http://schemas.microsoft.com/office/drawing/2010/main" val="0"/>
+              </a:ext>
+            </a:extLst>
+          </a:blip>
+          <a:srcRect l="3961" t="6828" r="9046" b="4556"/>
+          <a:stretch/>
+        </p:blipFill>
+        <p:spPr>
+          <a:xfrm>
+            <a:off x="6721841" y="1442721"/>
+            <a:ext cx="4758959" cy="4155209"/>
+          </a:xfrm>
+          <a:prstGeom prst="rect">
+            <a:avLst/>
+          </a:prstGeom>
+        </p:spPr>
+      </p:pic>
       <p:sp>
         <p:nvSpPr>
           <p:cNvPr id="2" name="Titre 1">
@@ -9066,7 +9320,7 @@
           <p:nvPr/>
         </p:nvPicPr>
         <p:blipFill>
-          <a:blip r:embed="rId3">
+          <a:blip r:embed="rId4">
             <a:extLst>
               <a:ext uri="{28A0092B-C50C-407E-A947-70E740481C1C}">
                 <a14:useLocalDpi xmlns:a14="http://schemas.microsoft.com/office/drawing/2010/main" val="0"/>
@@ -9102,7 +9356,7 @@
           <p:nvPr/>
         </p:nvPicPr>
         <p:blipFill rotWithShape="1">
-          <a:blip r:embed="rId4">
+          <a:blip r:embed="rId5">
             <a:extLst>
               <a:ext uri="{28A0092B-C50C-407E-A947-70E740481C1C}">
                 <a14:useLocalDpi xmlns:a14="http://schemas.microsoft.com/office/drawing/2010/main" val="0"/>
@@ -9114,14 +9368,97 @@
         </p:blipFill>
         <p:spPr>
           <a:xfrm>
-            <a:off x="2933203" y="1433943"/>
-            <a:ext cx="5830786" cy="5027817"/>
+            <a:off x="3714173" y="1490289"/>
+            <a:ext cx="4763653" cy="4107641"/>
           </a:xfrm>
           <a:prstGeom prst="rect">
             <a:avLst/>
           </a:prstGeom>
         </p:spPr>
       </p:pic>
+      <p:sp>
+        <p:nvSpPr>
+          <p:cNvPr id="9" name="ZoneTexte 8">
+            <a:extLst>
+              <a:ext uri="{FF2B5EF4-FFF2-40B4-BE49-F238E27FC236}">
+                <a16:creationId xmlns:a16="http://schemas.microsoft.com/office/drawing/2014/main" id="{6C45B59F-8298-4C85-B8D1-3FABEE6CCB94}"/>
+              </a:ext>
+            </a:extLst>
+          </p:cNvPr>
+          <p:cNvSpPr txBox="1"/>
+          <p:nvPr/>
+        </p:nvSpPr>
+        <p:spPr>
+          <a:xfrm>
+            <a:off x="2491876" y="1120957"/>
+            <a:ext cx="1107996" cy="369332"/>
+          </a:xfrm>
+          <a:prstGeom prst="rect">
+            <a:avLst/>
+          </a:prstGeom>
+          <a:noFill/>
+        </p:spPr>
+        <p:txBody>
+          <a:bodyPr wrap="none" rtlCol="0">
+            <a:spAutoFit/>
+          </a:bodyPr>
+          <a:lstStyle/>
+          <a:p>
+            <a:r>
+              <a:rPr lang="fr-FR" altLang="fr-FR" dirty="0">
+                <a:latin typeface="Arial Unicode MS"/>
+              </a:rPr>
+              <a:t>K-</a:t>
+            </a:r>
+            <a:r>
+              <a:rPr lang="fr-FR" altLang="fr-FR" dirty="0" err="1">
+                <a:latin typeface="Arial Unicode MS"/>
+              </a:rPr>
+              <a:t>means</a:t>
+            </a:r>
+            <a:endParaRPr lang="fr-FR" altLang="fr-FR" dirty="0">
+              <a:latin typeface="Arial Unicode MS"/>
+            </a:endParaRPr>
+          </a:p>
+        </p:txBody>
+      </p:sp>
+      <p:sp>
+        <p:nvSpPr>
+          <p:cNvPr id="10" name="ZoneTexte 9">
+            <a:extLst>
+              <a:ext uri="{FF2B5EF4-FFF2-40B4-BE49-F238E27FC236}">
+                <a16:creationId xmlns:a16="http://schemas.microsoft.com/office/drawing/2014/main" id="{67C619D1-9D0A-4E6E-8B64-D3FEE19C9A63}"/>
+              </a:ext>
+            </a:extLst>
+          </p:cNvPr>
+          <p:cNvSpPr txBox="1"/>
+          <p:nvPr/>
+        </p:nvSpPr>
+        <p:spPr>
+          <a:xfrm>
+            <a:off x="8990580" y="1120957"/>
+            <a:ext cx="659155" cy="369332"/>
+          </a:xfrm>
+          <a:prstGeom prst="rect">
+            <a:avLst/>
+          </a:prstGeom>
+          <a:noFill/>
+        </p:spPr>
+        <p:txBody>
+          <a:bodyPr wrap="none" rtlCol="0">
+            <a:spAutoFit/>
+          </a:bodyPr>
+          <a:lstStyle/>
+          <a:p>
+            <a:r>
+              <a:rPr lang="fr-FR" altLang="fr-FR" dirty="0">
+                <a:latin typeface="Arial Unicode MS"/>
+              </a:rPr>
+              <a:t>ACP</a:t>
+            </a:r>
+          </a:p>
+        </p:txBody>
+      </p:sp>
     </p:spTree>
     <p:extLst>
       <p:ext uri="{BB962C8B-B14F-4D97-AF65-F5344CB8AC3E}">
@@ -9132,6 +9469,207 @@
   <p:clrMapOvr>
     <a:masterClrMapping/>
   </p:clrMapOvr>
+  <p:timing>
+    <p:tnLst>
+      <p:par>
+        <p:cTn id="1" dur="indefinite" restart="never" nodeType="tmRoot">
+          <p:childTnLst>
+            <p:seq concurrent="1" nextAc="seek">
+              <p:cTn id="2" dur="indefinite" nodeType="mainSeq">
+                <p:childTnLst>
+                  <p:par>
+                    <p:cTn id="3" fill="hold">
+                      <p:stCondLst>
+                        <p:cond delay="indefinite"/>
+                      </p:stCondLst>
+                      <p:childTnLst>
+                        <p:par>
+                          <p:cTn id="4" fill="hold">
+                            <p:stCondLst>
+                              <p:cond delay="0"/>
+                            </p:stCondLst>
+                            <p:childTnLst>
+                              <p:par>
+                                <p:cTn id="5" presetID="1" presetClass="exit" presetSubtype="0" fill="hold" grpId="0" nodeType="clickEffect">
+                                  <p:stCondLst>
+                                    <p:cond delay="0"/>
+                                  </p:stCondLst>
+                                  <p:childTnLst>
+                                    <p:set>
+                                      <p:cBhvr>
+                                        <p:cTn id="6" dur="1" fill="hold">
+                                          <p:stCondLst>
+                                            <p:cond delay="0"/>
+                                          </p:stCondLst>
+                                        </p:cTn>
+                                        <p:tgtEl>
+                                          <p:spTgt spid="2"/>
+                                        </p:tgtEl>
+                                        <p:attrNameLst>
+                                          <p:attrName>style.visibility</p:attrName>
+                                        </p:attrNameLst>
+                                      </p:cBhvr>
+                                      <p:to>
+                                        <p:strVal val="hidden"/>
+                                      </p:to>
+                                    </p:set>
+                                  </p:childTnLst>
+                                </p:cTn>
+                              </p:par>
+                              <p:par>
+                                <p:cTn id="7" presetID="42" presetClass="path" presetSubtype="0" accel="50000" decel="50000" fill="hold" nodeType="withEffect">
+                                  <p:stCondLst>
+                                    <p:cond delay="0"/>
+                                  </p:stCondLst>
+                                  <p:childTnLst>
+                                    <p:animMotion origin="layout" path="M 4.16667E-7 3.7037E-6 L -0.2724 3.7037E-6 " pathEditMode="relative" rAng="0" ptsTypes="AA">
+                                      <p:cBhvr>
+                                        <p:cTn id="8" dur="2000" fill="hold"/>
+                                        <p:tgtEl>
+                                          <p:spTgt spid="7"/>
+                                        </p:tgtEl>
+                                        <p:attrNameLst>
+                                          <p:attrName>ppt_x</p:attrName>
+                                          <p:attrName>ppt_y</p:attrName>
+                                        </p:attrNameLst>
+                                      </p:cBhvr>
+                                      <p:rCtr x="-13620" y="0"/>
+                                    </p:animMotion>
+                                  </p:childTnLst>
+                                </p:cTn>
+                              </p:par>
+                            </p:childTnLst>
+                          </p:cTn>
+                        </p:par>
+                        <p:par>
+                          <p:cTn id="9" fill="hold">
+                            <p:stCondLst>
+                              <p:cond delay="2000"/>
+                            </p:stCondLst>
+                            <p:childTnLst>
+                              <p:par>
+                                <p:cTn id="10" presetID="1" presetClass="entr" presetSubtype="0" fill="hold" nodeType="afterEffect">
+                                  <p:stCondLst>
+                                    <p:cond delay="0"/>
+                                  </p:stCondLst>
+                                  <p:childTnLst>
+                                    <p:set>
+                                      <p:cBhvr>
+                                        <p:cTn id="11" dur="1" fill="hold">
+                                          <p:stCondLst>
+                                            <p:cond delay="0"/>
+                                          </p:stCondLst>
+                                        </p:cTn>
+                                        <p:tgtEl>
+                                          <p:spTgt spid="6"/>
+                                        </p:tgtEl>
+                                        <p:attrNameLst>
+                                          <p:attrName>style.visibility</p:attrName>
+                                        </p:attrNameLst>
+                                      </p:cBhvr>
+                                      <p:to>
+                                        <p:strVal val="visible"/>
+                                      </p:to>
+                                    </p:set>
+                                  </p:childTnLst>
+                                </p:cTn>
+                              </p:par>
+                            </p:childTnLst>
+                          </p:cTn>
+                        </p:par>
+                        <p:par>
+                          <p:cTn id="12" fill="hold">
+                            <p:stCondLst>
+                              <p:cond delay="2000"/>
+                            </p:stCondLst>
+                            <p:childTnLst>
+                              <p:par>
+                                <p:cTn id="13" presetID="1" presetClass="entr" presetSubtype="0" fill="hold" grpId="0" nodeType="afterEffect">
+                                  <p:stCondLst>
+                                    <p:cond delay="1000"/>
+                                  </p:stCondLst>
+                                  <p:childTnLst>
+                                    <p:set>
+                                      <p:cBhvr>
+                                        <p:cTn id="14" dur="1" fill="hold">
+                                          <p:stCondLst>
+                                            <p:cond delay="0"/>
+                                          </p:stCondLst>
+                                        </p:cTn>
+                                        <p:tgtEl>
+                                          <p:spTgt spid="9"/>
+                                        </p:tgtEl>
+                                        <p:attrNameLst>
+                                          <p:attrName>style.visibility</p:attrName>
+                                        </p:attrNameLst>
+                                      </p:cBhvr>
+                                      <p:to>
+                                        <p:strVal val="visible"/>
+                                      </p:to>
+                                    </p:set>
+                                  </p:childTnLst>
+                                </p:cTn>
+                              </p:par>
+                              <p:par>
+                                <p:cTn id="15" presetID="1" presetClass="entr" presetSubtype="0" fill="hold" grpId="0" nodeType="withEffect">
+                                  <p:stCondLst>
+                                    <p:cond delay="1000"/>
+                                  </p:stCondLst>
+                                  <p:childTnLst>
+                                    <p:set>
+                                      <p:cBhvr>
+                                        <p:cTn id="16" dur="1" fill="hold">
+                                          <p:stCondLst>
+                                            <p:cond delay="0"/>
+                                          </p:stCondLst>
+                                        </p:cTn>
+                                        <p:tgtEl>
+                                          <p:spTgt spid="10"/>
+                                        </p:tgtEl>
+                                        <p:attrNameLst>
+                                          <p:attrName>style.visibility</p:attrName>
+                                        </p:attrNameLst>
+                                      </p:cBhvr>
+                                      <p:to>
+                                        <p:strVal val="visible"/>
+                                      </p:to>
+                                    </p:set>
+                                  </p:childTnLst>
+                                </p:cTn>
+                              </p:par>
+                            </p:childTnLst>
+                          </p:cTn>
+                        </p:par>
+                      </p:childTnLst>
+                    </p:cTn>
+                  </p:par>
+                </p:childTnLst>
+              </p:cTn>
+              <p:prevCondLst>
+                <p:cond evt="onPrev" delay="0">
+                  <p:tgtEl>
+                    <p:sldTgt/>
+                  </p:tgtEl>
+                </p:cond>
+              </p:prevCondLst>
+              <p:nextCondLst>
+                <p:cond evt="onNext" delay="0">
+                  <p:tgtEl>
+                    <p:sldTgt/>
+                  </p:tgtEl>
+                </p:cond>
+              </p:nextCondLst>
+            </p:seq>
+          </p:childTnLst>
+        </p:cTn>
+      </p:par>
+    </p:tnLst>
+    <p:bldLst>
+      <p:bldP spid="2" grpId="0"/>
+      <p:bldP spid="9" grpId="0"/>
+      <p:bldP spid="10" grpId="0"/>
+    </p:bldLst>
+  </p:timing>
 </p:sld>
 </file>
 
@@ -9152,76 +9690,41 @@
           <a:chExt cx="0" cy="0"/>
         </a:xfrm>
       </p:grpSpPr>
-      <p:pic>
-        <p:nvPicPr>
-          <p:cNvPr id="7" name="Image 6">
-            <a:extLst>
-              <a:ext uri="{FF2B5EF4-FFF2-40B4-BE49-F238E27FC236}">
-                <a16:creationId xmlns:a16="http://schemas.microsoft.com/office/drawing/2014/main" id="{9A179E91-6D19-4C15-B175-2A857BDA6B42}"/>
-              </a:ext>
-            </a:extLst>
-          </p:cNvPr>
-          <p:cNvPicPr>
-            <a:picLocks noChangeAspect="1"/>
-          </p:cNvPicPr>
-          <p:nvPr/>
-        </p:nvPicPr>
-        <p:blipFill rotWithShape="1">
-          <a:blip r:embed="rId3">
-            <a:extLst>
-              <a:ext uri="{28A0092B-C50C-407E-A947-70E740481C1C}">
-                <a14:useLocalDpi xmlns:a14="http://schemas.microsoft.com/office/drawing/2010/main" val="0"/>
-              </a:ext>
-            </a:extLst>
-          </a:blip>
-          <a:srcRect l="11572" t="11168" r="8328" b="11250"/>
-          <a:stretch/>
-        </p:blipFill>
+      <p:sp>
+        <p:nvSpPr>
+          <p:cNvPr id="2" name="Titre 1">
+            <a:extLst>
+              <a:ext uri="{FF2B5EF4-FFF2-40B4-BE49-F238E27FC236}">
+                <a16:creationId xmlns:a16="http://schemas.microsoft.com/office/drawing/2014/main" id="{465F4E1D-C2D1-48A3-87E1-EAA86D29F741}"/>
+              </a:ext>
+            </a:extLst>
+          </p:cNvPr>
+          <p:cNvSpPr>
+            <a:spLocks noGrp="1"/>
+          </p:cNvSpPr>
+          <p:nvPr>
+            <p:ph type="ctrTitle"/>
+          </p:nvPr>
+        </p:nvSpPr>
         <p:spPr>
           <a:xfrm>
-            <a:off x="430219" y="989700"/>
-            <a:ext cx="5334730" cy="4428805"/>
+            <a:off x="1391920" y="396240"/>
+            <a:ext cx="9408160" cy="1046481"/>
           </a:xfrm>
-          <a:prstGeom prst="rect">
-            <a:avLst/>
-          </a:prstGeom>
         </p:spPr>
-      </p:pic>
-      <p:pic>
-        <p:nvPicPr>
-          <p:cNvPr id="8" name="Image 7">
-            <a:extLst>
-              <a:ext uri="{FF2B5EF4-FFF2-40B4-BE49-F238E27FC236}">
-                <a16:creationId xmlns:a16="http://schemas.microsoft.com/office/drawing/2014/main" id="{C6DE29A2-8005-4387-954F-8694383DCEC4}"/>
-              </a:ext>
-            </a:extLst>
-          </p:cNvPr>
-          <p:cNvPicPr>
-            <a:picLocks noChangeAspect="1"/>
-          </p:cNvPicPr>
-          <p:nvPr/>
-        </p:nvPicPr>
-        <p:blipFill rotWithShape="1">
-          <a:blip r:embed="rId4">
-            <a:extLst>
-              <a:ext uri="{28A0092B-C50C-407E-A947-70E740481C1C}">
-                <a14:useLocalDpi xmlns:a14="http://schemas.microsoft.com/office/drawing/2010/main" val="0"/>
-              </a:ext>
-            </a:extLst>
-          </a:blip>
-          <a:srcRect l="11976" t="11800" r="8925" b="11390"/>
-          <a:stretch/>
-        </p:blipFill>
-        <p:spPr>
-          <a:xfrm>
-            <a:off x="6427052" y="995293"/>
-            <a:ext cx="5334729" cy="4440307"/>
-          </a:xfrm>
-          <a:prstGeom prst="rect">
-            <a:avLst/>
-          </a:prstGeom>
-        </p:spPr>
-      </p:pic>
+        <p:txBody>
+          <a:bodyPr>
+            <a:normAutofit/>
+          </a:bodyPr>
+          <a:lstStyle/>
+          <a:p>
+            <a:r>
+              <a:rPr lang="fr-FR" dirty="0"/>
+              <a:t>Matrice de confusion</a:t>
+            </a:r>
+          </a:p>
+        </p:txBody>
+      </p:sp>
       <p:pic>
         <p:nvPicPr>
           <p:cNvPr id="4" name="Image 3">
@@ -9237,7 +9740,7 @@
           <p:nvPr/>
         </p:nvPicPr>
         <p:blipFill>
-          <a:blip r:embed="rId5">
+          <a:blip r:embed="rId3">
             <a:extLst>
               <a:ext uri="{28A0092B-C50C-407E-A947-70E740481C1C}">
                 <a14:useLocalDpi xmlns:a14="http://schemas.microsoft.com/office/drawing/2010/main" val="0"/>
@@ -9260,10 +9763,10 @@
       </p:pic>
       <p:sp>
         <p:nvSpPr>
-          <p:cNvPr id="9" name="ZoneTexte 8">
-            <a:extLst>
-              <a:ext uri="{FF2B5EF4-FFF2-40B4-BE49-F238E27FC236}">
-                <a16:creationId xmlns:a16="http://schemas.microsoft.com/office/drawing/2014/main" id="{46B82DD5-9E38-4800-B3CD-C8D7BEFB7172}"/>
+          <p:cNvPr id="7" name="ZoneTexte 6">
+            <a:extLst>
+              <a:ext uri="{FF2B5EF4-FFF2-40B4-BE49-F238E27FC236}">
+                <a16:creationId xmlns:a16="http://schemas.microsoft.com/office/drawing/2014/main" id="{3CACB3D4-FFFC-4B81-9438-E3FBA4E0BDDD}"/>
               </a:ext>
             </a:extLst>
           </p:cNvPr>
@@ -9272,8 +9775,8 @@
         </p:nvSpPr>
         <p:spPr>
           <a:xfrm>
-            <a:off x="2543586" y="460170"/>
-            <a:ext cx="1107996" cy="369332"/>
+            <a:off x="4666761" y="6092428"/>
+            <a:ext cx="2858475" cy="369332"/>
           </a:xfrm>
           <a:prstGeom prst="rect">
             <a:avLst/>
@@ -9290,67 +9793,164 @@
               <a:rPr lang="fr-FR" altLang="fr-FR" dirty="0">
                 <a:latin typeface="Arial Unicode MS"/>
               </a:rPr>
-              <a:t>K-</a:t>
+              <a:t>L'</a:t>
             </a:r>
             <a:r>
               <a:rPr lang="fr-FR" altLang="fr-FR" dirty="0" err="1">
                 <a:latin typeface="Arial Unicode MS"/>
               </a:rPr>
-              <a:t>means</a:t>
-            </a:r>
-            <a:endParaRPr lang="fr-FR" altLang="fr-FR" dirty="0">
-              <a:latin typeface="Arial Unicode MS"/>
-            </a:endParaRPr>
-          </a:p>
-        </p:txBody>
-      </p:sp>
-      <p:sp>
-        <p:nvSpPr>
-          <p:cNvPr id="10" name="ZoneTexte 9">
-            <a:extLst>
-              <a:ext uri="{FF2B5EF4-FFF2-40B4-BE49-F238E27FC236}">
-                <a16:creationId xmlns:a16="http://schemas.microsoft.com/office/drawing/2014/main" id="{6F947EA3-9AA7-4241-9853-38DBAF254C9B}"/>
-              </a:ext>
-            </a:extLst>
-          </p:cNvPr>
-          <p:cNvSpPr txBox="1"/>
+              <a:t>accuracy</a:t>
+            </a:r>
+            <a:r>
+              <a:rPr lang="fr-FR" altLang="fr-FR" dirty="0">
+                <a:latin typeface="Arial Unicode MS"/>
+              </a:rPr>
+              <a:t> est de : 95.0</a:t>
+            </a:r>
+            <a:r>
+              <a:rPr kumimoji="0" lang="fr-FR" altLang="fr-FR" sz="1400" b="0" i="0" u="none" strike="noStrike" cap="none" normalizeH="0" baseline="0" dirty="0">
+                <a:ln>
+                  <a:noFill/>
+                </a:ln>
+                <a:solidFill>
+                  <a:schemeClr val="tx1"/>
+                </a:solidFill>
+                <a:effectLst/>
+              </a:rPr>
+              <a:t> </a:t>
+            </a:r>
+            <a:r>
+              <a:rPr lang="fr-FR" altLang="fr-FR" dirty="0">
+                <a:latin typeface="Arial Unicode MS"/>
+              </a:rPr>
+              <a:t>%</a:t>
+            </a:r>
+          </a:p>
+        </p:txBody>
+      </p:sp>
+      <p:pic>
+        <p:nvPicPr>
+          <p:cNvPr id="6" name="Image 5">
+            <a:extLst>
+              <a:ext uri="{FF2B5EF4-FFF2-40B4-BE49-F238E27FC236}">
+                <a16:creationId xmlns:a16="http://schemas.microsoft.com/office/drawing/2014/main" id="{FF7A83EE-0F44-4876-9C2C-7D8EFA3B9C5A}"/>
+              </a:ext>
+            </a:extLst>
+          </p:cNvPr>
+          <p:cNvPicPr>
+            <a:picLocks noChangeAspect="1"/>
+          </p:cNvPicPr>
           <p:nvPr/>
-        </p:nvSpPr>
+        </p:nvPicPr>
+        <p:blipFill rotWithShape="1">
+          <a:blip r:embed="rId4">
+            <a:extLst>
+              <a:ext uri="{28A0092B-C50C-407E-A947-70E740481C1C}">
+                <a14:useLocalDpi xmlns:a14="http://schemas.microsoft.com/office/drawing/2010/main" val="0"/>
+              </a:ext>
+            </a:extLst>
+          </a:blip>
+          <a:srcRect l="3666" r="11711"/>
+          <a:stretch/>
+        </p:blipFill>
         <p:spPr>
           <a:xfrm>
-            <a:off x="8764838" y="460170"/>
-            <a:ext cx="659155" cy="369332"/>
+            <a:off x="3290453" y="1557358"/>
+            <a:ext cx="5611090" cy="4420433"/>
           </a:xfrm>
           <a:prstGeom prst="rect">
             <a:avLst/>
           </a:prstGeom>
-          <a:noFill/>
         </p:spPr>
-        <p:txBody>
-          <a:bodyPr wrap="none" rtlCol="0">
-            <a:spAutoFit/>
-          </a:bodyPr>
-          <a:lstStyle/>
-          <a:p>
-            <a:r>
-              <a:rPr lang="fr-FR" altLang="fr-FR" dirty="0">
-                <a:latin typeface="Arial Unicode MS"/>
-              </a:rPr>
-              <a:t>ACP</a:t>
-            </a:r>
-          </a:p>
-        </p:txBody>
-      </p:sp>
+      </p:pic>
     </p:spTree>
     <p:extLst>
       <p:ext uri="{BB962C8B-B14F-4D97-AF65-F5344CB8AC3E}">
-        <p14:creationId xmlns:p14="http://schemas.microsoft.com/office/powerpoint/2010/main" val="2966757290"/>
+        <p14:creationId xmlns:p14="http://schemas.microsoft.com/office/powerpoint/2010/main" val="3098862034"/>
       </p:ext>
     </p:extLst>
   </p:cSld>
   <p:clrMapOvr>
     <a:masterClrMapping/>
   </p:clrMapOvr>
+  <p:timing>
+    <p:tnLst>
+      <p:par>
+        <p:cTn id="1" dur="indefinite" restart="never" nodeType="tmRoot">
+          <p:childTnLst>
+            <p:seq concurrent="1" nextAc="seek">
+              <p:cTn id="2" dur="indefinite" nodeType="mainSeq">
+                <p:childTnLst>
+                  <p:par>
+                    <p:cTn id="3" fill="hold">
+                      <p:stCondLst>
+                        <p:cond delay="indefinite"/>
+                      </p:stCondLst>
+                      <p:childTnLst>
+                        <p:par>
+                          <p:cTn id="4" fill="hold">
+                            <p:stCondLst>
+                              <p:cond delay="0"/>
+                            </p:stCondLst>
+                            <p:childTnLst>
+                              <p:par>
+                                <p:cTn id="5" presetID="1" presetClass="entr" presetSubtype="0" fill="hold" grpId="0" nodeType="clickEffect">
+                                  <p:stCondLst>
+                                    <p:cond delay="0"/>
+                                  </p:stCondLst>
+                                  <p:childTnLst>
+                                    <p:set>
+                                      <p:cBhvr>
+                                        <p:cTn id="6" dur="1" fill="hold">
+                                          <p:stCondLst>
+                                            <p:cond delay="0"/>
+                                          </p:stCondLst>
+                                        </p:cTn>
+                                        <p:tgtEl>
+                                          <p:spTgt spid="7"/>
+                                        </p:tgtEl>
+                                        <p:attrNameLst>
+                                          <p:attrName>style.visibility</p:attrName>
+                                        </p:attrNameLst>
+                                      </p:cBhvr>
+                                      <p:to>
+                                        <p:strVal val="visible"/>
+                                      </p:to>
+                                    </p:set>
+                                  </p:childTnLst>
+                                </p:cTn>
+                              </p:par>
+                            </p:childTnLst>
+                          </p:cTn>
+                        </p:par>
+                      </p:childTnLst>
+                    </p:cTn>
+                  </p:par>
+                </p:childTnLst>
+              </p:cTn>
+              <p:prevCondLst>
+                <p:cond evt="onPrev" delay="0">
+                  <p:tgtEl>
+                    <p:sldTgt/>
+                  </p:tgtEl>
+                </p:cond>
+              </p:prevCondLst>
+              <p:nextCondLst>
+                <p:cond evt="onNext" delay="0">
+                  <p:tgtEl>
+                    <p:sldTgt/>
+                  </p:tgtEl>
+                </p:cond>
+              </p:nextCondLst>
+            </p:seq>
+          </p:childTnLst>
+        </p:cTn>
+      </p:par>
+    </p:tnLst>
+    <p:bldLst>
+      <p:bldP spid="7" grpId="0"/>
+    </p:bldLst>
+  </p:timing>
 </p:sld>
 </file>
 
@@ -10113,204 +10713,6 @@
 <file path=ppt/slides/slide20.xml><?xml version="1.0" encoding="utf-8"?>
 <p:sld xmlns:a="http://schemas.openxmlformats.org/drawingml/2006/main" xmlns:r="http://schemas.openxmlformats.org/officeDocument/2006/relationships" xmlns:p="http://schemas.openxmlformats.org/presentationml/2006/main">
   <p:cSld>
-    <p:spTree>
-      <p:nvGrpSpPr>
-        <p:cNvPr id="1" name=""/>
-        <p:cNvGrpSpPr/>
-        <p:nvPr/>
-      </p:nvGrpSpPr>
-      <p:grpSpPr>
-        <a:xfrm>
-          <a:off x="0" y="0"/>
-          <a:ext cx="0" cy="0"/>
-          <a:chOff x="0" y="0"/>
-          <a:chExt cx="0" cy="0"/>
-        </a:xfrm>
-      </p:grpSpPr>
-      <p:sp>
-        <p:nvSpPr>
-          <p:cNvPr id="2" name="Titre 1">
-            <a:extLst>
-              <a:ext uri="{FF2B5EF4-FFF2-40B4-BE49-F238E27FC236}">
-                <a16:creationId xmlns:a16="http://schemas.microsoft.com/office/drawing/2014/main" id="{465F4E1D-C2D1-48A3-87E1-EAA86D29F741}"/>
-              </a:ext>
-            </a:extLst>
-          </p:cNvPr>
-          <p:cNvSpPr>
-            <a:spLocks noGrp="1"/>
-          </p:cNvSpPr>
-          <p:nvPr>
-            <p:ph type="ctrTitle"/>
-          </p:nvPr>
-        </p:nvSpPr>
-        <p:spPr>
-          <a:xfrm>
-            <a:off x="1391920" y="396240"/>
-            <a:ext cx="9408160" cy="1046481"/>
-          </a:xfrm>
-        </p:spPr>
-        <p:txBody>
-          <a:bodyPr>
-            <a:normAutofit/>
-          </a:bodyPr>
-          <a:lstStyle/>
-          <a:p>
-            <a:r>
-              <a:rPr lang="fr-FR" dirty="0"/>
-              <a:t>Matrice de confusion</a:t>
-            </a:r>
-          </a:p>
-        </p:txBody>
-      </p:sp>
-      <p:pic>
-        <p:nvPicPr>
-          <p:cNvPr id="4" name="Image 3">
-            <a:extLst>
-              <a:ext uri="{FF2B5EF4-FFF2-40B4-BE49-F238E27FC236}">
-                <a16:creationId xmlns:a16="http://schemas.microsoft.com/office/drawing/2014/main" id="{6D19BF79-1D71-48C5-80A2-A1D39A8C2714}"/>
-              </a:ext>
-            </a:extLst>
-          </p:cNvPr>
-          <p:cNvPicPr>
-            <a:picLocks noChangeAspect="1"/>
-          </p:cNvPicPr>
-          <p:nvPr/>
-        </p:nvPicPr>
-        <p:blipFill>
-          <a:blip r:embed="rId3">
-            <a:extLst>
-              <a:ext uri="{28A0092B-C50C-407E-A947-70E740481C1C}">
-                <a14:useLocalDpi xmlns:a14="http://schemas.microsoft.com/office/drawing/2010/main" val="0"/>
-              </a:ext>
-            </a:extLst>
-          </a:blip>
-          <a:stretch>
-            <a:fillRect/>
-          </a:stretch>
-        </p:blipFill>
-        <p:spPr>
-          <a:xfrm>
-            <a:off x="10769600" y="5435600"/>
-            <a:ext cx="1422400" cy="1422400"/>
-          </a:xfrm>
-          <a:prstGeom prst="rect">
-            <a:avLst/>
-          </a:prstGeom>
-        </p:spPr>
-      </p:pic>
-      <p:pic>
-        <p:nvPicPr>
-          <p:cNvPr id="3" name="Image 2">
-            <a:extLst>
-              <a:ext uri="{FF2B5EF4-FFF2-40B4-BE49-F238E27FC236}">
-                <a16:creationId xmlns:a16="http://schemas.microsoft.com/office/drawing/2014/main" id="{EBB6C5F3-6928-4779-BACA-AC6B0B368A3C}"/>
-              </a:ext>
-            </a:extLst>
-          </p:cNvPr>
-          <p:cNvPicPr>
-            <a:picLocks noChangeAspect="1"/>
-          </p:cNvPicPr>
-          <p:nvPr/>
-        </p:nvPicPr>
-        <p:blipFill>
-          <a:blip r:embed="rId4"/>
-          <a:stretch>
-            <a:fillRect/>
-          </a:stretch>
-        </p:blipFill>
-        <p:spPr>
-          <a:xfrm>
-            <a:off x="4365264" y="2374988"/>
-            <a:ext cx="3461471" cy="1054012"/>
-          </a:xfrm>
-          <a:prstGeom prst="rect">
-            <a:avLst/>
-          </a:prstGeom>
-        </p:spPr>
-      </p:pic>
-      <p:sp>
-        <p:nvSpPr>
-          <p:cNvPr id="7" name="ZoneTexte 6">
-            <a:extLst>
-              <a:ext uri="{FF2B5EF4-FFF2-40B4-BE49-F238E27FC236}">
-                <a16:creationId xmlns:a16="http://schemas.microsoft.com/office/drawing/2014/main" id="{3CACB3D4-FFFC-4B81-9438-E3FBA4E0BDDD}"/>
-              </a:ext>
-            </a:extLst>
-          </p:cNvPr>
-          <p:cNvSpPr txBox="1"/>
-          <p:nvPr/>
-        </p:nvSpPr>
-        <p:spPr>
-          <a:xfrm>
-            <a:off x="4666761" y="4509655"/>
-            <a:ext cx="2858475" cy="369332"/>
-          </a:xfrm>
-          <a:prstGeom prst="rect">
-            <a:avLst/>
-          </a:prstGeom>
-          <a:noFill/>
-        </p:spPr>
-        <p:txBody>
-          <a:bodyPr wrap="none" rtlCol="0">
-            <a:spAutoFit/>
-          </a:bodyPr>
-          <a:lstStyle/>
-          <a:p>
-            <a:r>
-              <a:rPr lang="fr-FR" altLang="fr-FR" dirty="0">
-                <a:latin typeface="Arial Unicode MS"/>
-              </a:rPr>
-              <a:t>L'</a:t>
-            </a:r>
-            <a:r>
-              <a:rPr lang="fr-FR" altLang="fr-FR" dirty="0" err="1">
-                <a:latin typeface="Arial Unicode MS"/>
-              </a:rPr>
-              <a:t>accuracy</a:t>
-            </a:r>
-            <a:r>
-              <a:rPr lang="fr-FR" altLang="fr-FR" dirty="0">
-                <a:latin typeface="Arial Unicode MS"/>
-              </a:rPr>
-              <a:t> est de : 95.0</a:t>
-            </a:r>
-            <a:r>
-              <a:rPr kumimoji="0" lang="fr-FR" altLang="fr-FR" sz="1400" b="0" i="0" u="none" strike="noStrike" cap="none" normalizeH="0" baseline="0" dirty="0">
-                <a:ln>
-                  <a:noFill/>
-                </a:ln>
-                <a:solidFill>
-                  <a:schemeClr val="tx1"/>
-                </a:solidFill>
-                <a:effectLst/>
-              </a:rPr>
-              <a:t> </a:t>
-            </a:r>
-            <a:r>
-              <a:rPr lang="fr-FR" altLang="fr-FR" dirty="0">
-                <a:latin typeface="Arial Unicode MS"/>
-              </a:rPr>
-              <a:t>%</a:t>
-            </a:r>
-          </a:p>
-        </p:txBody>
-      </p:sp>
-    </p:spTree>
-    <p:extLst>
-      <p:ext uri="{BB962C8B-B14F-4D97-AF65-F5344CB8AC3E}">
-        <p14:creationId xmlns:p14="http://schemas.microsoft.com/office/powerpoint/2010/main" val="3098862034"/>
-      </p:ext>
-    </p:extLst>
-  </p:cSld>
-  <p:clrMapOvr>
-    <a:masterClrMapping/>
-  </p:clrMapOvr>
-</p:sld>
-</file>
-
-<file path=ppt/slides/slide21.xml><?xml version="1.0" encoding="utf-8"?>
-<p:sld xmlns:a="http://schemas.openxmlformats.org/drawingml/2006/main" xmlns:r="http://schemas.openxmlformats.org/officeDocument/2006/relationships" xmlns:p="http://schemas.openxmlformats.org/presentationml/2006/main">
-  <p:cSld>
     <p:bg>
       <p:bgPr>
         <a:solidFill>
@@ -10830,7 +11232,7 @@
 </p:sld>
 </file>
 
-<file path=ppt/slides/slide22.xml><?xml version="1.0" encoding="utf-8"?>
+<file path=ppt/slides/slide21.xml><?xml version="1.0" encoding="utf-8"?>
 <p:sld xmlns:a="http://schemas.openxmlformats.org/drawingml/2006/main" xmlns:r="http://schemas.openxmlformats.org/officeDocument/2006/relationships" xmlns:p="http://schemas.openxmlformats.org/presentationml/2006/main">
   <p:cSld>
     <p:spTree>
@@ -10961,7 +11363,7 @@
 </p:sld>
 </file>
 
-<file path=ppt/slides/slide23.xml><?xml version="1.0" encoding="utf-8"?>
+<file path=ppt/slides/slide22.xml><?xml version="1.0" encoding="utf-8"?>
 <p:sld xmlns:a="http://schemas.openxmlformats.org/drawingml/2006/main" xmlns:r="http://schemas.openxmlformats.org/officeDocument/2006/relationships" xmlns:p="http://schemas.openxmlformats.org/presentationml/2006/main">
   <p:cSld>
     <p:spTree>
@@ -11418,7 +11820,7 @@
 </p:sld>
 </file>
 
-<file path=ppt/slides/slide24.xml><?xml version="1.0" encoding="utf-8"?>
+<file path=ppt/slides/slide23.xml><?xml version="1.0" encoding="utf-8"?>
 <p:sld xmlns:a="http://schemas.openxmlformats.org/drawingml/2006/main" xmlns:r="http://schemas.openxmlformats.org/officeDocument/2006/relationships" xmlns:p="http://schemas.openxmlformats.org/presentationml/2006/main">
   <p:cSld>
     <p:spTree>
@@ -11875,7 +12277,7 @@
 </p:sld>
 </file>
 
-<file path=ppt/slides/slide25.xml><?xml version="1.0" encoding="utf-8"?>
+<file path=ppt/slides/slide24.xml><?xml version="1.0" encoding="utf-8"?>
 <p:sld xmlns:a="http://schemas.openxmlformats.org/drawingml/2006/main" xmlns:r="http://schemas.openxmlformats.org/officeDocument/2006/relationships" xmlns:p="http://schemas.openxmlformats.org/presentationml/2006/main">
   <p:cSld>
     <p:spTree>
@@ -12425,6 +12827,254 @@
       <p:bldP spid="12" grpId="0" animBg="1"/>
       <p:bldP spid="13" grpId="0" animBg="1"/>
       <p:bldP spid="14" grpId="0" animBg="1"/>
+    </p:bldLst>
+  </p:timing>
+</p:sld>
+</file>
+
+<file path=ppt/slides/slide25.xml><?xml version="1.0" encoding="utf-8"?>
+<p:sld xmlns:a="http://schemas.openxmlformats.org/drawingml/2006/main" xmlns:r="http://schemas.openxmlformats.org/officeDocument/2006/relationships" xmlns:p="http://schemas.openxmlformats.org/presentationml/2006/main">
+  <p:cSld>
+    <p:spTree>
+      <p:nvGrpSpPr>
+        <p:cNvPr id="1" name=""/>
+        <p:cNvGrpSpPr/>
+        <p:nvPr/>
+      </p:nvGrpSpPr>
+      <p:grpSpPr>
+        <a:xfrm>
+          <a:off x="0" y="0"/>
+          <a:ext cx="0" cy="0"/>
+          <a:chOff x="0" y="0"/>
+          <a:chExt cx="0" cy="0"/>
+        </a:xfrm>
+      </p:grpSpPr>
+      <p:sp>
+        <p:nvSpPr>
+          <p:cNvPr id="2" name="Titre 1">
+            <a:extLst>
+              <a:ext uri="{FF2B5EF4-FFF2-40B4-BE49-F238E27FC236}">
+                <a16:creationId xmlns:a16="http://schemas.microsoft.com/office/drawing/2014/main" id="{3830829D-F9D0-4CF2-B5A7-441B5DA96EE2}"/>
+              </a:ext>
+            </a:extLst>
+          </p:cNvPr>
+          <p:cNvSpPr>
+            <a:spLocks noGrp="1"/>
+          </p:cNvSpPr>
+          <p:nvPr>
+            <p:ph type="title"/>
+          </p:nvPr>
+        </p:nvSpPr>
+        <p:spPr/>
+        <p:txBody>
+          <a:bodyPr/>
+          <a:lstStyle/>
+          <a:p>
+            <a:pPr algn="ctr"/>
+            <a:r>
+              <a:rPr lang="fr-FR" sz="6000" dirty="0"/>
+              <a:t>Matrice</a:t>
+            </a:r>
+            <a:r>
+              <a:rPr lang="fr-FR" dirty="0"/>
+              <a:t> </a:t>
+            </a:r>
+            <a:r>
+              <a:rPr lang="fr-FR" sz="6000" dirty="0"/>
+              <a:t>de confusion</a:t>
+            </a:r>
+            <a:endParaRPr lang="fr-FR" dirty="0"/>
+          </a:p>
+        </p:txBody>
+      </p:sp>
+      <p:pic>
+        <p:nvPicPr>
+          <p:cNvPr id="5" name="Image 4">
+            <a:extLst>
+              <a:ext uri="{FF2B5EF4-FFF2-40B4-BE49-F238E27FC236}">
+                <a16:creationId xmlns:a16="http://schemas.microsoft.com/office/drawing/2014/main" id="{999CA5C9-FCC6-4C67-AE5E-476BB716ADDC}"/>
+              </a:ext>
+            </a:extLst>
+          </p:cNvPr>
+          <p:cNvPicPr>
+            <a:picLocks noChangeAspect="1"/>
+          </p:cNvPicPr>
+          <p:nvPr/>
+        </p:nvPicPr>
+        <p:blipFill rotWithShape="1">
+          <a:blip r:embed="rId3">
+            <a:extLst>
+              <a:ext uri="{28A0092B-C50C-407E-A947-70E740481C1C}">
+                <a14:useLocalDpi xmlns:a14="http://schemas.microsoft.com/office/drawing/2010/main" val="0"/>
+              </a:ext>
+            </a:extLst>
+          </a:blip>
+          <a:srcRect l="3861" r="13203"/>
+          <a:stretch/>
+        </p:blipFill>
+        <p:spPr>
+          <a:xfrm>
+            <a:off x="3243695" y="1381574"/>
+            <a:ext cx="5704609" cy="4585570"/>
+          </a:xfrm>
+          <a:prstGeom prst="rect">
+            <a:avLst/>
+          </a:prstGeom>
+        </p:spPr>
+      </p:pic>
+      <p:sp>
+        <p:nvSpPr>
+          <p:cNvPr id="6" name="ZoneTexte 5">
+            <a:extLst>
+              <a:ext uri="{FF2B5EF4-FFF2-40B4-BE49-F238E27FC236}">
+                <a16:creationId xmlns:a16="http://schemas.microsoft.com/office/drawing/2014/main" id="{F517869C-89B4-4120-B8A7-13DB5042B071}"/>
+              </a:ext>
+            </a:extLst>
+          </p:cNvPr>
+          <p:cNvSpPr txBox="1"/>
+          <p:nvPr/>
+        </p:nvSpPr>
+        <p:spPr>
+          <a:xfrm>
+            <a:off x="4666761" y="6092428"/>
+            <a:ext cx="2858475" cy="369332"/>
+          </a:xfrm>
+          <a:prstGeom prst="rect">
+            <a:avLst/>
+          </a:prstGeom>
+          <a:noFill/>
+        </p:spPr>
+        <p:txBody>
+          <a:bodyPr wrap="none" rtlCol="0">
+            <a:spAutoFit/>
+          </a:bodyPr>
+          <a:lstStyle/>
+          <a:p>
+            <a:r>
+              <a:rPr lang="fr-FR" altLang="fr-FR" dirty="0">
+                <a:latin typeface="Arial Unicode MS"/>
+              </a:rPr>
+              <a:t>L'</a:t>
+            </a:r>
+            <a:r>
+              <a:rPr lang="fr-FR" altLang="fr-FR" dirty="0" err="1">
+                <a:latin typeface="Arial Unicode MS"/>
+              </a:rPr>
+              <a:t>accuracy</a:t>
+            </a:r>
+            <a:r>
+              <a:rPr lang="fr-FR" altLang="fr-FR" dirty="0">
+                <a:latin typeface="Arial Unicode MS"/>
+              </a:rPr>
+              <a:t> est de : 98.0</a:t>
+            </a:r>
+            <a:r>
+              <a:rPr kumimoji="0" lang="fr-FR" altLang="fr-FR" sz="1400" b="0" i="0" u="none" strike="noStrike" cap="none" normalizeH="0" baseline="0" dirty="0">
+                <a:ln>
+                  <a:noFill/>
+                </a:ln>
+                <a:solidFill>
+                  <a:schemeClr val="tx1"/>
+                </a:solidFill>
+                <a:effectLst/>
+              </a:rPr>
+              <a:t> </a:t>
+            </a:r>
+            <a:r>
+              <a:rPr lang="fr-FR" altLang="fr-FR" dirty="0">
+                <a:latin typeface="Arial Unicode MS"/>
+              </a:rPr>
+              <a:t>%</a:t>
+            </a:r>
+          </a:p>
+        </p:txBody>
+      </p:sp>
+    </p:spTree>
+    <p:extLst>
+      <p:ext uri="{BB962C8B-B14F-4D97-AF65-F5344CB8AC3E}">
+        <p14:creationId xmlns:p14="http://schemas.microsoft.com/office/powerpoint/2010/main" val="2002164569"/>
+      </p:ext>
+    </p:extLst>
+  </p:cSld>
+  <p:clrMapOvr>
+    <a:masterClrMapping/>
+  </p:clrMapOvr>
+  <p:timing>
+    <p:tnLst>
+      <p:par>
+        <p:cTn id="1" dur="indefinite" restart="never" nodeType="tmRoot">
+          <p:childTnLst>
+            <p:seq concurrent="1" nextAc="seek">
+              <p:cTn id="2" dur="indefinite" nodeType="mainSeq">
+                <p:childTnLst>
+                  <p:par>
+                    <p:cTn id="3" fill="hold">
+                      <p:stCondLst>
+                        <p:cond delay="indefinite"/>
+                      </p:stCondLst>
+                      <p:childTnLst>
+                        <p:par>
+                          <p:cTn id="4" fill="hold">
+                            <p:stCondLst>
+                              <p:cond delay="0"/>
+                            </p:stCondLst>
+                            <p:childTnLst>
+                              <p:par>
+                                <p:cTn id="5" presetID="1" presetClass="entr" presetSubtype="0" fill="hold" grpId="0" nodeType="clickEffect">
+                                  <p:stCondLst>
+                                    <p:cond delay="0"/>
+                                  </p:stCondLst>
+                                  <p:childTnLst>
+                                    <p:set>
+                                      <p:cBhvr>
+                                        <p:cTn id="6" dur="1" fill="hold">
+                                          <p:stCondLst>
+                                            <p:cond delay="0"/>
+                                          </p:stCondLst>
+                                        </p:cTn>
+                                        <p:tgtEl>
+                                          <p:spTgt spid="6"/>
+                                        </p:tgtEl>
+                                        <p:attrNameLst>
+                                          <p:attrName>style.visibility</p:attrName>
+                                        </p:attrNameLst>
+                                      </p:cBhvr>
+                                      <p:to>
+                                        <p:strVal val="visible"/>
+                                      </p:to>
+                                    </p:set>
+                                  </p:childTnLst>
+                                </p:cTn>
+                              </p:par>
+                            </p:childTnLst>
+                          </p:cTn>
+                        </p:par>
+                      </p:childTnLst>
+                    </p:cTn>
+                  </p:par>
+                </p:childTnLst>
+              </p:cTn>
+              <p:prevCondLst>
+                <p:cond evt="onPrev" delay="0">
+                  <p:tgtEl>
+                    <p:sldTgt/>
+                  </p:tgtEl>
+                </p:cond>
+              </p:prevCondLst>
+              <p:nextCondLst>
+                <p:cond evt="onNext" delay="0">
+                  <p:tgtEl>
+                    <p:sldTgt/>
+                  </p:tgtEl>
+                </p:cond>
+              </p:nextCondLst>
+            </p:seq>
+          </p:childTnLst>
+        </p:cTn>
+      </p:par>
+    </p:tnLst>
+    <p:bldLst>
+      <p:bldP spid="6" grpId="0"/>
     </p:bldLst>
   </p:timing>
 </p:sld>
@@ -15376,6 +16026,214 @@
           </a:p>
         </p:txBody>
       </p:sp>
+      <p:sp>
+        <p:nvSpPr>
+          <p:cNvPr id="5" name="Rectangle 4">
+            <a:extLst>
+              <a:ext uri="{FF2B5EF4-FFF2-40B4-BE49-F238E27FC236}">
+                <a16:creationId xmlns:a16="http://schemas.microsoft.com/office/drawing/2014/main" id="{6F98BF06-D878-4879-9CAD-2EFA81550DF5}"/>
+              </a:ext>
+            </a:extLst>
+          </p:cNvPr>
+          <p:cNvSpPr/>
+          <p:nvPr/>
+        </p:nvSpPr>
+        <p:spPr>
+          <a:xfrm>
+            <a:off x="6452755" y="1963881"/>
+            <a:ext cx="800100" cy="504647"/>
+          </a:xfrm>
+          <a:prstGeom prst="rect">
+            <a:avLst/>
+          </a:prstGeom>
+          <a:noFill/>
+          <a:ln>
+            <a:solidFill>
+              <a:srgbClr val="FF0000"/>
+            </a:solidFill>
+          </a:ln>
+        </p:spPr>
+        <p:style>
+          <a:lnRef idx="2">
+            <a:schemeClr val="accent1">
+              <a:shade val="50000"/>
+            </a:schemeClr>
+          </a:lnRef>
+          <a:fillRef idx="1">
+            <a:schemeClr val="accent1"/>
+          </a:fillRef>
+          <a:effectRef idx="0">
+            <a:schemeClr val="accent1"/>
+          </a:effectRef>
+          <a:fontRef idx="minor">
+            <a:schemeClr val="lt1"/>
+          </a:fontRef>
+        </p:style>
+        <p:txBody>
+          <a:bodyPr rtlCol="0" anchor="ctr"/>
+          <a:lstStyle/>
+          <a:p>
+            <a:pPr algn="ctr"/>
+            <a:endParaRPr lang="fr-FR"/>
+          </a:p>
+        </p:txBody>
+      </p:sp>
+      <p:sp>
+        <p:nvSpPr>
+          <p:cNvPr id="10" name="Rectangle 9">
+            <a:extLst>
+              <a:ext uri="{FF2B5EF4-FFF2-40B4-BE49-F238E27FC236}">
+                <a16:creationId xmlns:a16="http://schemas.microsoft.com/office/drawing/2014/main" id="{68C3CBF1-C4FF-4F36-A6CD-AFD832199518}"/>
+              </a:ext>
+            </a:extLst>
+          </p:cNvPr>
+          <p:cNvSpPr/>
+          <p:nvPr/>
+        </p:nvSpPr>
+        <p:spPr>
+          <a:xfrm>
+            <a:off x="6452755" y="4578402"/>
+            <a:ext cx="800100" cy="500813"/>
+          </a:xfrm>
+          <a:prstGeom prst="rect">
+            <a:avLst/>
+          </a:prstGeom>
+          <a:noFill/>
+          <a:ln>
+            <a:solidFill>
+              <a:srgbClr val="FF0000"/>
+            </a:solidFill>
+          </a:ln>
+        </p:spPr>
+        <p:style>
+          <a:lnRef idx="2">
+            <a:schemeClr val="accent1">
+              <a:shade val="50000"/>
+            </a:schemeClr>
+          </a:lnRef>
+          <a:fillRef idx="1">
+            <a:schemeClr val="accent1"/>
+          </a:fillRef>
+          <a:effectRef idx="0">
+            <a:schemeClr val="accent1"/>
+          </a:effectRef>
+          <a:fontRef idx="minor">
+            <a:schemeClr val="lt1"/>
+          </a:fontRef>
+        </p:style>
+        <p:txBody>
+          <a:bodyPr rtlCol="0" anchor="ctr"/>
+          <a:lstStyle/>
+          <a:p>
+            <a:pPr algn="ctr"/>
+            <a:endParaRPr lang="fr-FR"/>
+          </a:p>
+        </p:txBody>
+      </p:sp>
+      <p:sp>
+        <p:nvSpPr>
+          <p:cNvPr id="13" name="Rectangle 12">
+            <a:extLst>
+              <a:ext uri="{FF2B5EF4-FFF2-40B4-BE49-F238E27FC236}">
+                <a16:creationId xmlns:a16="http://schemas.microsoft.com/office/drawing/2014/main" id="{BF60D4F6-01F2-4E5A-8058-C95D62700CF3}"/>
+              </a:ext>
+            </a:extLst>
+          </p:cNvPr>
+          <p:cNvSpPr/>
+          <p:nvPr/>
+        </p:nvSpPr>
+        <p:spPr>
+          <a:xfrm>
+            <a:off x="8047027" y="1963882"/>
+            <a:ext cx="722900" cy="504646"/>
+          </a:xfrm>
+          <a:prstGeom prst="rect">
+            <a:avLst/>
+          </a:prstGeom>
+          <a:noFill/>
+          <a:ln>
+            <a:solidFill>
+              <a:srgbClr val="FF0000"/>
+            </a:solidFill>
+          </a:ln>
+        </p:spPr>
+        <p:style>
+          <a:lnRef idx="2">
+            <a:schemeClr val="accent1">
+              <a:shade val="50000"/>
+            </a:schemeClr>
+          </a:lnRef>
+          <a:fillRef idx="1">
+            <a:schemeClr val="accent1"/>
+          </a:fillRef>
+          <a:effectRef idx="0">
+            <a:schemeClr val="accent1"/>
+          </a:effectRef>
+          <a:fontRef idx="minor">
+            <a:schemeClr val="lt1"/>
+          </a:fontRef>
+        </p:style>
+        <p:txBody>
+          <a:bodyPr rtlCol="0" anchor="ctr"/>
+          <a:lstStyle/>
+          <a:p>
+            <a:pPr algn="ctr"/>
+            <a:endParaRPr lang="fr-FR"/>
+          </a:p>
+        </p:txBody>
+      </p:sp>
+      <p:sp>
+        <p:nvSpPr>
+          <p:cNvPr id="14" name="Rectangle 13">
+            <a:extLst>
+              <a:ext uri="{FF2B5EF4-FFF2-40B4-BE49-F238E27FC236}">
+                <a16:creationId xmlns:a16="http://schemas.microsoft.com/office/drawing/2014/main" id="{07C50A22-B1BB-49D5-87BE-CDB9C8D6AD46}"/>
+              </a:ext>
+            </a:extLst>
+          </p:cNvPr>
+          <p:cNvSpPr/>
+          <p:nvPr/>
+        </p:nvSpPr>
+        <p:spPr>
+          <a:xfrm>
+            <a:off x="8047027" y="4578403"/>
+            <a:ext cx="722900" cy="500812"/>
+          </a:xfrm>
+          <a:prstGeom prst="rect">
+            <a:avLst/>
+          </a:prstGeom>
+          <a:noFill/>
+          <a:ln>
+            <a:solidFill>
+              <a:srgbClr val="FF0000"/>
+            </a:solidFill>
+          </a:ln>
+        </p:spPr>
+        <p:style>
+          <a:lnRef idx="2">
+            <a:schemeClr val="accent1">
+              <a:shade val="50000"/>
+            </a:schemeClr>
+          </a:lnRef>
+          <a:fillRef idx="1">
+            <a:schemeClr val="accent1"/>
+          </a:fillRef>
+          <a:effectRef idx="0">
+            <a:schemeClr val="accent1"/>
+          </a:effectRef>
+          <a:fontRef idx="minor">
+            <a:schemeClr val="lt1"/>
+          </a:fontRef>
+        </p:style>
+        <p:txBody>
+          <a:bodyPr rtlCol="0" anchor="ctr"/>
+          <a:lstStyle/>
+          <a:p>
+            <a:pPr algn="ctr"/>
+            <a:endParaRPr lang="fr-FR"/>
+          </a:p>
+        </p:txBody>
+      </p:sp>
     </p:spTree>
     <p:extLst>
       <p:ext uri="{BB962C8B-B14F-4D97-AF65-F5344CB8AC3E}">
@@ -15386,6 +16244,186 @@
   <p:clrMapOvr>
     <a:masterClrMapping/>
   </p:clrMapOvr>
+  <p:timing>
+    <p:tnLst>
+      <p:par>
+        <p:cTn id="1" dur="indefinite" restart="never" nodeType="tmRoot">
+          <p:childTnLst>
+            <p:seq concurrent="1" nextAc="seek">
+              <p:cTn id="2" dur="indefinite" nodeType="mainSeq">
+                <p:childTnLst>
+                  <p:par>
+                    <p:cTn id="3" fill="hold">
+                      <p:stCondLst>
+                        <p:cond delay="indefinite"/>
+                      </p:stCondLst>
+                      <p:childTnLst>
+                        <p:par>
+                          <p:cTn id="4" fill="hold">
+                            <p:stCondLst>
+                              <p:cond delay="0"/>
+                            </p:stCondLst>
+                            <p:childTnLst>
+                              <p:par>
+                                <p:cTn id="5" presetID="1" presetClass="entr" presetSubtype="0" fill="hold" grpId="0" nodeType="clickEffect">
+                                  <p:stCondLst>
+                                    <p:cond delay="0"/>
+                                  </p:stCondLst>
+                                  <p:childTnLst>
+                                    <p:set>
+                                      <p:cBhvr>
+                                        <p:cTn id="6" dur="1" fill="hold">
+                                          <p:stCondLst>
+                                            <p:cond delay="0"/>
+                                          </p:stCondLst>
+                                        </p:cTn>
+                                        <p:tgtEl>
+                                          <p:spTgt spid="5"/>
+                                        </p:tgtEl>
+                                        <p:attrNameLst>
+                                          <p:attrName>style.visibility</p:attrName>
+                                        </p:attrNameLst>
+                                      </p:cBhvr>
+                                      <p:to>
+                                        <p:strVal val="visible"/>
+                                      </p:to>
+                                    </p:set>
+                                  </p:childTnLst>
+                                </p:cTn>
+                              </p:par>
+                              <p:par>
+                                <p:cTn id="7" presetID="1" presetClass="entr" presetSubtype="0" fill="hold" grpId="0" nodeType="withEffect">
+                                  <p:stCondLst>
+                                    <p:cond delay="0"/>
+                                  </p:stCondLst>
+                                  <p:childTnLst>
+                                    <p:set>
+                                      <p:cBhvr>
+                                        <p:cTn id="8" dur="1" fill="hold">
+                                          <p:stCondLst>
+                                            <p:cond delay="0"/>
+                                          </p:stCondLst>
+                                        </p:cTn>
+                                        <p:tgtEl>
+                                          <p:spTgt spid="10"/>
+                                        </p:tgtEl>
+                                        <p:attrNameLst>
+                                          <p:attrName>style.visibility</p:attrName>
+                                        </p:attrNameLst>
+                                      </p:cBhvr>
+                                      <p:to>
+                                        <p:strVal val="visible"/>
+                                      </p:to>
+                                    </p:set>
+                                  </p:childTnLst>
+                                </p:cTn>
+                              </p:par>
+                            </p:childTnLst>
+                          </p:cTn>
+                        </p:par>
+                      </p:childTnLst>
+                    </p:cTn>
+                  </p:par>
+                  <p:par>
+                    <p:cTn id="9" fill="hold">
+                      <p:stCondLst>
+                        <p:cond delay="indefinite"/>
+                      </p:stCondLst>
+                      <p:childTnLst>
+                        <p:par>
+                          <p:cTn id="10" fill="hold">
+                            <p:stCondLst>
+                              <p:cond delay="0"/>
+                            </p:stCondLst>
+                            <p:childTnLst>
+                              <p:par>
+                                <p:cTn id="11" presetID="1" presetClass="entr" presetSubtype="0" fill="hold" grpId="0" nodeType="clickEffect">
+                                  <p:stCondLst>
+                                    <p:cond delay="0"/>
+                                  </p:stCondLst>
+                                  <p:childTnLst>
+                                    <p:set>
+                                      <p:cBhvr>
+                                        <p:cTn id="12" dur="1" fill="hold">
+                                          <p:stCondLst>
+                                            <p:cond delay="0"/>
+                                          </p:stCondLst>
+                                        </p:cTn>
+                                        <p:tgtEl>
+                                          <p:spTgt spid="13"/>
+                                        </p:tgtEl>
+                                        <p:attrNameLst>
+                                          <p:attrName>style.visibility</p:attrName>
+                                        </p:attrNameLst>
+                                      </p:cBhvr>
+                                      <p:to>
+                                        <p:strVal val="visible"/>
+                                      </p:to>
+                                    </p:set>
+                                  </p:childTnLst>
+                                </p:cTn>
+                              </p:par>
+                              <p:par>
+                                <p:cTn id="13" presetID="1" presetClass="entr" presetSubtype="0" fill="hold" grpId="0" nodeType="withEffect">
+                                  <p:stCondLst>
+                                    <p:cond delay="0"/>
+                                  </p:stCondLst>
+                                  <p:childTnLst>
+                                    <p:set>
+                                      <p:cBhvr>
+                                        <p:cTn id="14" dur="1" fill="hold">
+                                          <p:stCondLst>
+                                            <p:cond delay="0"/>
+                                          </p:stCondLst>
+                                        </p:cTn>
+                                        <p:tgtEl>
+                                          <p:spTgt spid="14"/>
+                                        </p:tgtEl>
+                                        <p:attrNameLst>
+                                          <p:attrName>style.visibility</p:attrName>
+                                        </p:attrNameLst>
+                                      </p:cBhvr>
+                                      <p:to>
+                                        <p:strVal val="visible"/>
+                                      </p:to>
+                                    </p:set>
+                                  </p:childTnLst>
+                                </p:cTn>
+                              </p:par>
+                            </p:childTnLst>
+                          </p:cTn>
+                        </p:par>
+                      </p:childTnLst>
+                    </p:cTn>
+                  </p:par>
+                </p:childTnLst>
+              </p:cTn>
+              <p:prevCondLst>
+                <p:cond evt="onPrev" delay="0">
+                  <p:tgtEl>
+                    <p:sldTgt/>
+                  </p:tgtEl>
+                </p:cond>
+              </p:prevCondLst>
+              <p:nextCondLst>
+                <p:cond evt="onNext" delay="0">
+                  <p:tgtEl>
+                    <p:sldTgt/>
+                  </p:tgtEl>
+                </p:cond>
+              </p:nextCondLst>
+            </p:seq>
+          </p:childTnLst>
+        </p:cTn>
+      </p:par>
+    </p:tnLst>
+    <p:bldLst>
+      <p:bldP spid="5" grpId="0" animBg="1"/>
+      <p:bldP spid="10" grpId="0" animBg="1"/>
+      <p:bldP spid="13" grpId="0" animBg="1"/>
+      <p:bldP spid="14" grpId="0" animBg="1"/>
+    </p:bldLst>
+  </p:timing>
 </p:sld>
 </file>
 

--- a/Présentation Projet 6.pptx
+++ b/Présentation Projet 6.pptx
@@ -5,7 +5,7 @@
     <p:sldMasterId id="2147483648" r:id="rId1"/>
   </p:sldMasterIdLst>
   <p:notesMasterIdLst>
-    <p:notesMasterId r:id="rId28"/>
+    <p:notesMasterId r:id="rId30"/>
   </p:notesMasterIdLst>
   <p:sldIdLst>
     <p:sldId id="257" r:id="rId2"/>
@@ -23,17 +23,19 @@
     <p:sldId id="311" r:id="rId14"/>
     <p:sldId id="312" r:id="rId15"/>
     <p:sldId id="320" r:id="rId16"/>
-    <p:sldId id="301" r:id="rId17"/>
-    <p:sldId id="304" r:id="rId18"/>
-    <p:sldId id="313" r:id="rId19"/>
-    <p:sldId id="314" r:id="rId20"/>
-    <p:sldId id="302" r:id="rId21"/>
-    <p:sldId id="305" r:id="rId22"/>
-    <p:sldId id="315" r:id="rId23"/>
-    <p:sldId id="316" r:id="rId24"/>
-    <p:sldId id="317" r:id="rId25"/>
-    <p:sldId id="321" r:id="rId26"/>
-    <p:sldId id="306" r:id="rId27"/>
+    <p:sldId id="323" r:id="rId17"/>
+    <p:sldId id="301" r:id="rId18"/>
+    <p:sldId id="304" r:id="rId19"/>
+    <p:sldId id="313" r:id="rId20"/>
+    <p:sldId id="314" r:id="rId21"/>
+    <p:sldId id="302" r:id="rId22"/>
+    <p:sldId id="305" r:id="rId23"/>
+    <p:sldId id="315" r:id="rId24"/>
+    <p:sldId id="316" r:id="rId25"/>
+    <p:sldId id="317" r:id="rId26"/>
+    <p:sldId id="321" r:id="rId27"/>
+    <p:sldId id="306" r:id="rId28"/>
+    <p:sldId id="322" r:id="rId29"/>
   </p:sldIdLst>
   <p:sldSz cx="12192000" cy="6858000"/>
   <p:notesSz cx="6858000" cy="9144000"/>
@@ -222,7 +224,7 @@
           <a:p>
             <a:fld id="{39BB0F32-E959-4E83-B45E-3BDF6B82496F}" type="datetimeFigureOut">
               <a:rPr lang="fr-FR" smtClean="0"/>
-              <a:t>27/05/2019</a:t>
+              <a:t>04/06/2019</a:t>
             </a:fld>
             <a:endParaRPr lang="fr-FR"/>
           </a:p>
@@ -1030,15 +1032,6 @@
           <a:p>
             <a:r>
               <a:rPr lang="fr-FR" dirty="0"/>
-              <a:t>Avec qualité de représentation des individus</a:t>
-            </a:r>
-          </a:p>
-          <a:p>
-            <a:endParaRPr lang="fr-FR" dirty="0"/>
-          </a:p>
-          <a:p>
-            <a:r>
-              <a:rPr lang="fr-FR" dirty="0"/>
               <a:t>La projection des individus sur F1 et F2 nous indique deux clusters, les vrais billets, ainsi que les faux. Il semble donc que nous allons pouvoir nous servir de F1 et F2 pour notre programme. (Attention toutefois certains points du Cluster 'Faux' se démarque peu ou pas du cluster 'Vrai', et inversement - Il faudra donc retravailler ce point pour une plus grande précision du programme).</a:t>
             </a:r>
           </a:p>
@@ -1148,45 +1141,66 @@
           <a:bodyPr/>
           <a:lstStyle/>
           <a:p>
-            <a:pPr marL="0" marR="0" lvl="0" indent="0" algn="l" defTabSz="914400" rtl="0" eaLnBrk="1" fontAlgn="auto" latinLnBrk="0" hangingPunct="1">
-              <a:lnSpc>
-                <a:spcPct val="100000"/>
-              </a:lnSpc>
-              <a:spcBef>
-                <a:spcPts val="0"/>
-              </a:spcBef>
-              <a:spcAft>
-                <a:spcPts val="0"/>
-              </a:spcAft>
-              <a:buClrTx/>
-              <a:buSzTx/>
-              <a:buFontTx/>
-              <a:buNone/>
-              <a:tabLst/>
-              <a:defRPr/>
-            </a:pPr>
             <a:r>
               <a:rPr lang="fr-FR" dirty="0"/>
-              <a:t>La moyenne de l'inertie de chaque point sur l'axe F1 est d'environ 47%. </a:t>
+              <a:t>Le calcul de la contribution est le suivant. </a:t>
             </a:r>
             <a:br>
               <a:rPr lang="fr-FR" dirty="0"/>
             </a:br>
             <a:r>
               <a:rPr lang="fr-FR" dirty="0"/>
-              <a:t>Cela veut dire qu'en moyenne les individus sont bien représentés. </a:t>
+              <a:t>Ici </a:t>
+            </a:r>
+            <a:r>
+              <a:rPr lang="fr-FR" dirty="0" err="1"/>
+              <a:t>Lamba</a:t>
+            </a:r>
+            <a:r>
+              <a:rPr lang="fr-FR" dirty="0"/>
+              <a:t>(s) = inertie projetée du nuage Ni sur l’axe de rang S (on s’intéresse ici à F1 et F2 donc s=1 et s=2)</a:t>
+            </a:r>
+          </a:p>
+          <a:p>
+            <a:r>
+              <a:rPr lang="fr-FR" dirty="0"/>
+              <a:t>Pi = Le poids associé au point i</a:t>
+            </a:r>
+          </a:p>
+          <a:p>
+            <a:r>
+              <a:rPr lang="fr-FR" dirty="0"/>
+              <a:t>OH(i, s) = Distance entre l’origine et l’image du point i par projection sur l’axe de rang s </a:t>
             </a:r>
           </a:p>
           <a:p>
             <a:endParaRPr lang="fr-FR" dirty="0"/>
           </a:p>
           <a:p>
+            <a:r>
+              <a:rPr lang="fr-FR" dirty="0"/>
+              <a:t>Ce qui nous donne cette distribution pour F1 : </a:t>
+            </a:r>
+          </a:p>
+          <a:p>
+            <a:r>
+              <a:rPr lang="fr-FR" dirty="0"/>
+              <a:t>CLICK</a:t>
+            </a:r>
+          </a:p>
+          <a:p>
             <a:endParaRPr lang="fr-FR" dirty="0"/>
           </a:p>
           <a:p>
             <a:r>
               <a:rPr lang="fr-FR" dirty="0"/>
-              <a:t>A creuser</a:t>
+              <a:t>Aucun individu ne se distingue particulièrement dans la contribution, en moyenne la contribution est de 0,01 pour 170 individus.</a:t>
+            </a:r>
+          </a:p>
+          <a:p>
+            <a:r>
+              <a:rPr lang="fr-FR" dirty="0"/>
+              <a:t>On a donc pas d’individus qui va tirer à lui seul l’axe</a:t>
             </a:r>
           </a:p>
         </p:txBody>
@@ -1271,9 +1285,158 @@
           <a:bodyPr/>
           <a:lstStyle/>
           <a:p>
+            <a:pPr marL="0" marR="0" lvl="0" indent="0" algn="l" defTabSz="914400" rtl="0" eaLnBrk="1" fontAlgn="auto" latinLnBrk="0" hangingPunct="1">
+              <a:lnSpc>
+                <a:spcPct val="100000"/>
+              </a:lnSpc>
+              <a:spcBef>
+                <a:spcPts val="0"/>
+              </a:spcBef>
+              <a:spcAft>
+                <a:spcPts val="0"/>
+              </a:spcAft>
+              <a:buClrTx/>
+              <a:buSzTx/>
+              <a:buFontTx/>
+              <a:buNone/>
+              <a:tabLst/>
+              <a:defRPr/>
+            </a:pPr>
             <a:r>
               <a:rPr lang="fr-FR" dirty="0"/>
-              <a:t>REVOIR LES NOTES</a:t>
+              <a:t>La qualité de représentation des individus se calcule par l’inertie du point Hi -&gt; OHi² divisée par l’inertie du point Mi -&gt; OMi² ; Soit le cosinus² de l’angle entre </a:t>
+            </a:r>
+            <a:r>
+              <a:rPr lang="fr-FR" dirty="0" err="1"/>
+              <a:t>OMi</a:t>
+            </a:r>
+            <a:r>
+              <a:rPr lang="fr-FR" dirty="0"/>
+              <a:t> et l’axe Us</a:t>
+            </a:r>
+          </a:p>
+          <a:p>
+            <a:pPr marL="0" marR="0" lvl="0" indent="0" algn="l" defTabSz="914400" rtl="0" eaLnBrk="1" fontAlgn="auto" latinLnBrk="0" hangingPunct="1">
+              <a:lnSpc>
+                <a:spcPct val="100000"/>
+              </a:lnSpc>
+              <a:spcBef>
+                <a:spcPts val="0"/>
+              </a:spcBef>
+              <a:spcAft>
+                <a:spcPts val="0"/>
+              </a:spcAft>
+              <a:buClrTx/>
+              <a:buSzTx/>
+              <a:buFontTx/>
+              <a:buNone/>
+              <a:tabLst/>
+              <a:defRPr/>
+            </a:pPr>
+            <a:r>
+              <a:rPr lang="fr-FR" dirty="0"/>
+              <a:t>Ici M est notre point et Hi la projection de ce point sur l’axe F </a:t>
+            </a:r>
+            <a:br>
+              <a:rPr lang="fr-FR" dirty="0"/>
+            </a:br>
+            <a:br>
+              <a:rPr lang="fr-FR" dirty="0"/>
+            </a:br>
+            <a:r>
+              <a:rPr lang="fr-FR" dirty="0"/>
+              <a:t>Ce qui nous donne cette distribution pour F1 :</a:t>
+            </a:r>
+          </a:p>
+          <a:p>
+            <a:pPr marL="0" marR="0" lvl="0" indent="0" algn="l" defTabSz="914400" rtl="0" eaLnBrk="1" fontAlgn="auto" latinLnBrk="0" hangingPunct="1">
+              <a:lnSpc>
+                <a:spcPct val="100000"/>
+              </a:lnSpc>
+              <a:spcBef>
+                <a:spcPts val="0"/>
+              </a:spcBef>
+              <a:spcAft>
+                <a:spcPts val="0"/>
+              </a:spcAft>
+              <a:buClrTx/>
+              <a:buSzTx/>
+              <a:buFontTx/>
+              <a:buNone/>
+              <a:tabLst/>
+              <a:defRPr/>
+            </a:pPr>
+            <a:r>
+              <a:rPr lang="fr-FR" dirty="0"/>
+              <a:t>CLICK</a:t>
+            </a:r>
+          </a:p>
+          <a:p>
+            <a:pPr marL="0" marR="0" lvl="0" indent="0" algn="l" defTabSz="914400" rtl="0" eaLnBrk="1" fontAlgn="auto" latinLnBrk="0" hangingPunct="1">
+              <a:lnSpc>
+                <a:spcPct val="100000"/>
+              </a:lnSpc>
+              <a:spcBef>
+                <a:spcPts val="0"/>
+              </a:spcBef>
+              <a:spcAft>
+                <a:spcPts val="0"/>
+              </a:spcAft>
+              <a:buClrTx/>
+              <a:buSzTx/>
+              <a:buFontTx/>
+              <a:buNone/>
+              <a:tabLst/>
+              <a:defRPr/>
+            </a:pPr>
+            <a:endParaRPr lang="fr-FR" dirty="0"/>
+          </a:p>
+          <a:p>
+            <a:pPr marL="0" marR="0" lvl="0" indent="0" algn="l" defTabSz="914400" rtl="0" eaLnBrk="1" fontAlgn="auto" latinLnBrk="0" hangingPunct="1">
+              <a:lnSpc>
+                <a:spcPct val="100000"/>
+              </a:lnSpc>
+              <a:spcBef>
+                <a:spcPts val="0"/>
+              </a:spcBef>
+              <a:spcAft>
+                <a:spcPts val="0"/>
+              </a:spcAft>
+              <a:buClrTx/>
+              <a:buSzTx/>
+              <a:buFontTx/>
+              <a:buNone/>
+              <a:tabLst/>
+              <a:defRPr/>
+            </a:pPr>
+            <a:r>
+              <a:rPr lang="fr-FR" dirty="0"/>
+              <a:t>La moyenne de l'inertie de chaque point sur l'axe F1 est d'environ 47%. </a:t>
+            </a:r>
+            <a:br>
+              <a:rPr lang="fr-FR" dirty="0"/>
+            </a:br>
+            <a:r>
+              <a:rPr lang="fr-FR" dirty="0"/>
+              <a:t>Cela veut dire qu'en moyenne les individus sont bien représentés. </a:t>
+            </a:r>
+          </a:p>
+          <a:p>
+            <a:endParaRPr lang="fr-FR" dirty="0"/>
+          </a:p>
+          <a:p>
+            <a:endParaRPr lang="fr-FR" dirty="0"/>
+          </a:p>
+          <a:p>
+            <a:r>
+              <a:rPr lang="fr-FR" dirty="0"/>
+              <a:t>Aucun individu ne se distingue particulièrement dans la contribution, en moyenne la contribution est de 0,01 pour 170 individus.</a:t>
+            </a:r>
+          </a:p>
+          <a:p>
+            <a:r>
+              <a:rPr lang="fr-FR" dirty="0"/>
+              <a:t>On a donc pas d’individus qui va tirer à lui seul l’axe</a:t>
             </a:r>
           </a:p>
         </p:txBody>
@@ -1293,7 +1456,7 @@
           <a:bodyPr/>
           <a:lstStyle/>
           <a:p>
-            <a:fld id="{5F05756B-5F5C-4EED-907C-E25857D58D0B}" type="slidenum">
+            <a:fld id="{F44DFA25-216B-4048-9E14-17772AFFB9C9}" type="slidenum">
               <a:rPr lang="fr-FR" smtClean="0"/>
               <a:t>16</a:t>
             </a:fld>
@@ -1304,7 +1467,7 @@
     </p:spTree>
     <p:extLst>
       <p:ext uri="{BB962C8B-B14F-4D97-AF65-F5344CB8AC3E}">
-        <p14:creationId xmlns:p14="http://schemas.microsoft.com/office/powerpoint/2010/main" val="464358268"/>
+        <p14:creationId xmlns:p14="http://schemas.microsoft.com/office/powerpoint/2010/main" val="3897683913"/>
       </p:ext>
     </p:extLst>
   </p:cSld>
@@ -1360,71 +1523,7 @@
           <a:p>
             <a:r>
               <a:rPr lang="fr-FR" dirty="0"/>
-              <a:t>On maintenant appliquer un algorithme de classification sur nos données ; On utilise ici </a:t>
-            </a:r>
-            <a:r>
-              <a:rPr lang="fr-FR" dirty="0" err="1"/>
-              <a:t>Kmeans</a:t>
-            </a:r>
-            <a:r>
-              <a:rPr lang="fr-FR" dirty="0"/>
-              <a:t>, dont voici le code </a:t>
-            </a:r>
-            <a:br>
-              <a:rPr lang="fr-FR" dirty="0"/>
-            </a:br>
-            <a:br>
-              <a:rPr lang="fr-FR" dirty="0"/>
-            </a:br>
-            <a:r>
-              <a:rPr lang="fr-FR" dirty="0"/>
-              <a:t>Ce qui nous donne le </a:t>
-            </a:r>
-            <a:r>
-              <a:rPr lang="fr-FR" dirty="0" err="1"/>
-              <a:t>DataFrame</a:t>
-            </a:r>
-            <a:r>
-              <a:rPr lang="fr-FR" dirty="0"/>
-              <a:t> suivant : </a:t>
-            </a:r>
-          </a:p>
-          <a:p>
-            <a:r>
-              <a:rPr lang="fr-FR" dirty="0"/>
-              <a:t>CLICK</a:t>
-            </a:r>
-          </a:p>
-          <a:p>
-            <a:endParaRPr lang="fr-FR" dirty="0"/>
-          </a:p>
-          <a:p>
-            <a:r>
-              <a:rPr lang="fr-FR" dirty="0"/>
-              <a:t>On a ici un </a:t>
-            </a:r>
-            <a:r>
-              <a:rPr lang="fr-FR" dirty="0" err="1"/>
-              <a:t>df</a:t>
-            </a:r>
-            <a:r>
-              <a:rPr lang="fr-FR" dirty="0"/>
-              <a:t> avec nos valeurs d’ACP, ainsi que le Cluster auquel appartient l’individu.</a:t>
-            </a:r>
-          </a:p>
-          <a:p>
-            <a:endParaRPr lang="fr-FR" dirty="0"/>
-          </a:p>
-          <a:p>
-            <a:r>
-              <a:rPr lang="fr-FR" dirty="0"/>
-              <a:t>Ici le choix est de 2. Visualisons les données pour voir si les 2 clusters correspondent bien à Vrai/faux.</a:t>
-            </a:r>
-          </a:p>
-          <a:p>
-            <a:r>
-              <a:rPr lang="fr-FR" dirty="0"/>
-              <a:t>CLICK</a:t>
+              <a:t>REVOIR LES NOTES</a:t>
             </a:r>
           </a:p>
         </p:txBody>
@@ -1444,7 +1543,7 @@
           <a:bodyPr/>
           <a:lstStyle/>
           <a:p>
-            <a:fld id="{F44DFA25-216B-4048-9E14-17772AFFB9C9}" type="slidenum">
+            <a:fld id="{5F05756B-5F5C-4EED-907C-E25857D58D0B}" type="slidenum">
               <a:rPr lang="fr-FR" smtClean="0"/>
               <a:t>17</a:t>
             </a:fld>
@@ -1455,7 +1554,7 @@
     </p:spTree>
     <p:extLst>
       <p:ext uri="{BB962C8B-B14F-4D97-AF65-F5344CB8AC3E}">
-        <p14:creationId xmlns:p14="http://schemas.microsoft.com/office/powerpoint/2010/main" val="380047972"/>
+        <p14:creationId xmlns:p14="http://schemas.microsoft.com/office/powerpoint/2010/main" val="464358268"/>
       </p:ext>
     </p:extLst>
   </p:cSld>
@@ -1511,7 +1610,39 @@
           <a:p>
             <a:r>
               <a:rPr lang="fr-FR" dirty="0"/>
-              <a:t>Nos deux Clusters semblent suivre ce que l’on a vu précédemment dans l’ACP</a:t>
+              <a:t>On maintenant appliquer un algorithme de classification sur nos données ; On utilise ici </a:t>
+            </a:r>
+            <a:r>
+              <a:rPr lang="fr-FR" dirty="0" err="1"/>
+              <a:t>Kmeans</a:t>
+            </a:r>
+            <a:r>
+              <a:rPr lang="fr-FR" dirty="0"/>
+              <a:t>, dont voici le code </a:t>
+            </a:r>
+            <a:br>
+              <a:rPr lang="fr-FR" dirty="0"/>
+            </a:br>
+            <a:br>
+              <a:rPr lang="fr-FR" dirty="0"/>
+            </a:br>
+            <a:r>
+              <a:rPr lang="fr-FR" dirty="0"/>
+              <a:t>Ce qui nous donne le </a:t>
+            </a:r>
+            <a:r>
+              <a:rPr lang="fr-FR" dirty="0" err="1"/>
+              <a:t>DataFrame</a:t>
+            </a:r>
+            <a:r>
+              <a:rPr lang="fr-FR" dirty="0"/>
+              <a:t> suivant : </a:t>
+            </a:r>
+          </a:p>
+          <a:p>
+            <a:r>
+              <a:rPr lang="fr-FR" dirty="0"/>
+              <a:t>CLICK</a:t>
             </a:r>
           </a:p>
           <a:p>
@@ -1520,33 +1651,30 @@
           <a:p>
             <a:r>
               <a:rPr lang="fr-FR" dirty="0"/>
-              <a:t>Vérifions avec le graphiques de l’ACP pour nous rendre compte</a:t>
+              <a:t>On a ici un </a:t>
+            </a:r>
+            <a:r>
+              <a:rPr lang="fr-FR" dirty="0" err="1"/>
+              <a:t>df</a:t>
+            </a:r>
+            <a:r>
+              <a:rPr lang="fr-FR" dirty="0"/>
+              <a:t> avec nos valeurs d’ACP, ainsi que le Cluster auquel appartient l’individu.</a:t>
             </a:r>
           </a:p>
           <a:p>
             <a:endParaRPr lang="fr-FR" dirty="0"/>
           </a:p>
           <a:p>
-            <a:pPr marL="0" marR="0" lvl="0" indent="0" algn="l" defTabSz="914400" rtl="0" eaLnBrk="1" fontAlgn="auto" latinLnBrk="0" hangingPunct="1">
-              <a:lnSpc>
-                <a:spcPct val="100000"/>
-              </a:lnSpc>
-              <a:spcBef>
-                <a:spcPts val="0"/>
-              </a:spcBef>
-              <a:spcAft>
-                <a:spcPts val="0"/>
-              </a:spcAft>
-              <a:buClrTx/>
-              <a:buSzTx/>
-              <a:buFontTx/>
-              <a:buNone/>
-              <a:tabLst/>
-              <a:defRPr/>
-            </a:pPr>
             <a:r>
               <a:rPr lang="fr-FR" dirty="0"/>
-              <a:t>Nos deux clusters rejoignent presque intégralement les valeurs vrai/faux que nous avions vu avant</a:t>
+              <a:t>Ici le choix est de 2. Visualisons les données pour voir si les 2 clusters correspondent bien à Vrai/faux.</a:t>
+            </a:r>
+          </a:p>
+          <a:p>
+            <a:r>
+              <a:rPr lang="fr-FR" dirty="0"/>
+              <a:t>CLICK</a:t>
             </a:r>
           </a:p>
         </p:txBody>
@@ -1577,7 +1705,7 @@
     </p:spTree>
     <p:extLst>
       <p:ext uri="{BB962C8B-B14F-4D97-AF65-F5344CB8AC3E}">
-        <p14:creationId xmlns:p14="http://schemas.microsoft.com/office/powerpoint/2010/main" val="285356989"/>
+        <p14:creationId xmlns:p14="http://schemas.microsoft.com/office/powerpoint/2010/main" val="380047972"/>
       </p:ext>
     </p:extLst>
   </p:cSld>
@@ -1631,7 +1759,45 @@
           <a:bodyPr/>
           <a:lstStyle/>
           <a:p>
+            <a:r>
+              <a:rPr lang="fr-FR" dirty="0"/>
+              <a:t>Nos deux Clusters semblent suivre ce que l’on a vu précédemment dans l’ACP</a:t>
+            </a:r>
+          </a:p>
+          <a:p>
             <a:endParaRPr lang="fr-FR" dirty="0"/>
+          </a:p>
+          <a:p>
+            <a:r>
+              <a:rPr lang="fr-FR" dirty="0"/>
+              <a:t>Vérifions avec le graphiques de l’ACP pour nous rendre compte</a:t>
+            </a:r>
+          </a:p>
+          <a:p>
+            <a:endParaRPr lang="fr-FR" dirty="0"/>
+          </a:p>
+          <a:p>
+            <a:pPr marL="0" marR="0" lvl="0" indent="0" algn="l" defTabSz="914400" rtl="0" eaLnBrk="1" fontAlgn="auto" latinLnBrk="0" hangingPunct="1">
+              <a:lnSpc>
+                <a:spcPct val="100000"/>
+              </a:lnSpc>
+              <a:spcBef>
+                <a:spcPts val="0"/>
+              </a:spcBef>
+              <a:spcAft>
+                <a:spcPts val="0"/>
+              </a:spcAft>
+              <a:buClrTx/>
+              <a:buSzTx/>
+              <a:buFontTx/>
+              <a:buNone/>
+              <a:tabLst/>
+              <a:defRPr/>
+            </a:pPr>
+            <a:r>
+              <a:rPr lang="fr-FR" dirty="0"/>
+              <a:t>Nos deux clusters rejoignent presque intégralement les valeurs vrai/faux que nous avions vu avant</a:t>
+            </a:r>
           </a:p>
         </p:txBody>
       </p:sp>
@@ -1661,7 +1827,7 @@
     </p:spTree>
     <p:extLst>
       <p:ext uri="{BB962C8B-B14F-4D97-AF65-F5344CB8AC3E}">
-        <p14:creationId xmlns:p14="http://schemas.microsoft.com/office/powerpoint/2010/main" val="3054681355"/>
+        <p14:creationId xmlns:p14="http://schemas.microsoft.com/office/powerpoint/2010/main" val="285356989"/>
       </p:ext>
     </p:extLst>
   </p:cSld>
@@ -1715,10 +1881,7 @@
           <a:bodyPr/>
           <a:lstStyle/>
           <a:p>
-            <a:r>
-              <a:rPr lang="fr-FR" dirty="0"/>
-              <a:t>FAIT</a:t>
-            </a:r>
+            <a:endParaRPr lang="fr-FR" dirty="0"/>
           </a:p>
         </p:txBody>
       </p:sp>
@@ -1737,7 +1900,7 @@
           <a:bodyPr/>
           <a:lstStyle/>
           <a:p>
-            <a:fld id="{5F05756B-5F5C-4EED-907C-E25857D58D0B}" type="slidenum">
+            <a:fld id="{F44DFA25-216B-4048-9E14-17772AFFB9C9}" type="slidenum">
               <a:rPr lang="fr-FR" smtClean="0"/>
               <a:t>20</a:t>
             </a:fld>
@@ -1748,7 +1911,7 @@
     </p:spTree>
     <p:extLst>
       <p:ext uri="{BB962C8B-B14F-4D97-AF65-F5344CB8AC3E}">
-        <p14:creationId xmlns:p14="http://schemas.microsoft.com/office/powerpoint/2010/main" val="359202488"/>
+        <p14:creationId xmlns:p14="http://schemas.microsoft.com/office/powerpoint/2010/main" val="3054681355"/>
       </p:ext>
     </p:extLst>
   </p:cSld>
@@ -1891,78 +2054,8 @@
           <a:p>
             <a:r>
               <a:rPr lang="fr-FR" dirty="0"/>
-              <a:t>Ici, seules les colonnes </a:t>
-            </a:r>
-            <a:r>
-              <a:rPr lang="fr-FR" dirty="0" err="1"/>
-              <a:t>margin_low</a:t>
-            </a:r>
-            <a:r>
-              <a:rPr lang="fr-FR" dirty="0"/>
-              <a:t> et up sont des paramètres significatifs pour notre régression. En effet ce sont les deux seules variables ayant une </a:t>
-            </a:r>
-            <a:r>
-              <a:rPr lang="fr-FR" dirty="0" err="1"/>
-              <a:t>p_valeur</a:t>
-            </a:r>
-            <a:r>
-              <a:rPr lang="fr-FR" dirty="0"/>
-              <a:t> inférieur à 5%.</a:t>
-            </a:r>
-          </a:p>
-          <a:p>
-            <a:endParaRPr lang="fr-FR" dirty="0"/>
-          </a:p>
-          <a:p>
-            <a:r>
-              <a:rPr lang="fr-FR" dirty="0"/>
-              <a:t>La régression logistique pour notre programme se basera donc sur les variables </a:t>
-            </a:r>
-            <a:r>
-              <a:rPr lang="fr-FR" dirty="0" err="1"/>
-              <a:t>margin_low</a:t>
-            </a:r>
-            <a:r>
-              <a:rPr lang="fr-FR" dirty="0"/>
-              <a:t> et up. </a:t>
-            </a:r>
-          </a:p>
-          <a:p>
-            <a:endParaRPr lang="fr-FR" dirty="0"/>
-          </a:p>
-          <a:p>
-            <a:r>
-              <a:rPr lang="fr-FR" dirty="0"/>
-              <a:t>POINT SUR CE QUI EST DIT PENDANT L’ACP :</a:t>
-            </a:r>
-          </a:p>
-          <a:p>
-            <a:r>
-              <a:rPr lang="fr-FR" dirty="0"/>
-              <a:t>Dans la version écrite du code, vous pourrez trouver un test effectué en utilisant PC1 et PC2 au lieu de </a:t>
-            </a:r>
-            <a:r>
-              <a:rPr lang="fr-FR" dirty="0" err="1"/>
-              <a:t>margin_low</a:t>
-            </a:r>
-            <a:r>
-              <a:rPr lang="fr-FR" dirty="0"/>
-              <a:t> et up, cependant l’</a:t>
-            </a:r>
-            <a:r>
-              <a:rPr lang="fr-FR" dirty="0" err="1"/>
-              <a:t>accuracy</a:t>
-            </a:r>
-            <a:r>
-              <a:rPr lang="fr-FR" dirty="0"/>
-              <a:t> étant inférieur (96% contre 98% pour la régression que je vous présente aujourd’hui), cette méthode n’a pas été retenue.</a:t>
-            </a:r>
-          </a:p>
-          <a:p>
-            <a:endParaRPr lang="fr-FR" dirty="0"/>
-          </a:p>
-          <a:p>
-            <a:endParaRPr lang="fr-FR" dirty="0"/>
+              <a:t>FAIT</a:t>
+            </a:r>
           </a:p>
         </p:txBody>
       </p:sp>
@@ -1981,7 +2074,7 @@
           <a:bodyPr/>
           <a:lstStyle/>
           <a:p>
-            <a:fld id="{F44DFA25-216B-4048-9E14-17772AFFB9C9}" type="slidenum">
+            <a:fld id="{5F05756B-5F5C-4EED-907C-E25857D58D0B}" type="slidenum">
               <a:rPr lang="fr-FR" smtClean="0"/>
               <a:t>21</a:t>
             </a:fld>
@@ -1992,7 +2085,7 @@
     </p:spTree>
     <p:extLst>
       <p:ext uri="{BB962C8B-B14F-4D97-AF65-F5344CB8AC3E}">
-        <p14:creationId xmlns:p14="http://schemas.microsoft.com/office/powerpoint/2010/main" val="2785654452"/>
+        <p14:creationId xmlns:p14="http://schemas.microsoft.com/office/powerpoint/2010/main" val="359202488"/>
       </p:ext>
     </p:extLst>
   </p:cSld>
@@ -2048,7 +2141,23 @@
           <a:p>
             <a:r>
               <a:rPr lang="fr-FR" dirty="0"/>
-              <a:t>Le programme se compose de 3 parties : </a:t>
+              <a:t>Ici, seules les colonnes </a:t>
+            </a:r>
+            <a:r>
+              <a:rPr lang="fr-FR" dirty="0" err="1"/>
+              <a:t>margin_low</a:t>
+            </a:r>
+            <a:r>
+              <a:rPr lang="fr-FR" dirty="0"/>
+              <a:t> et up sont des paramètres significatifs pour notre régression. En effet ce sont les deux seules variables ayant une </a:t>
+            </a:r>
+            <a:r>
+              <a:rPr lang="fr-FR" dirty="0" err="1"/>
+              <a:t>p_valeur</a:t>
+            </a:r>
+            <a:r>
+              <a:rPr lang="fr-FR" dirty="0"/>
+              <a:t> inférieur à 5%.</a:t>
             </a:r>
           </a:p>
           <a:p>
@@ -2057,83 +2166,46 @@
           <a:p>
             <a:r>
               <a:rPr lang="fr-FR" dirty="0"/>
-              <a:t>D’abord la phase de nettoyage et de vérification </a:t>
-            </a:r>
-          </a:p>
-          <a:p>
+              <a:t>La régression logistique pour notre programme se basera donc sur les variables </a:t>
+            </a:r>
+            <a:r>
+              <a:rPr lang="fr-FR" dirty="0" err="1"/>
+              <a:t>margin_low</a:t>
+            </a:r>
             <a:r>
               <a:rPr lang="fr-FR" dirty="0"/>
-              <a:t>CLICK</a:t>
+              <a:t> et up. </a:t>
             </a:r>
           </a:p>
           <a:p>
             <a:endParaRPr lang="fr-FR" dirty="0"/>
           </a:p>
           <a:p>
-            <a:pPr marL="0" marR="0" lvl="0" indent="0" algn="l" defTabSz="914400" rtl="0" eaLnBrk="1" fontAlgn="auto" latinLnBrk="0" hangingPunct="1">
-              <a:lnSpc>
-                <a:spcPct val="100000"/>
-              </a:lnSpc>
-              <a:spcBef>
-                <a:spcPts val="0"/>
-              </a:spcBef>
-              <a:spcAft>
-                <a:spcPts val="0"/>
-              </a:spcAft>
-              <a:buClrTx/>
-              <a:buSzTx/>
-              <a:buFontTx/>
-              <a:buNone/>
-              <a:tabLst/>
-              <a:defRPr/>
-            </a:pPr>
             <a:r>
               <a:rPr lang="fr-FR" dirty="0"/>
-              <a:t>CLICK</a:t>
+              <a:t>POINT SUR CE QUI EST DIT PENDANT L’ACP :</a:t>
             </a:r>
           </a:p>
           <a:p>
             <a:r>
               <a:rPr lang="fr-FR" dirty="0"/>
-              <a:t>On commence par voir si le fichier comprend une colonne ‘ID’, qui nous sera utile par la suite </a:t>
-            </a:r>
-          </a:p>
-          <a:p>
-            <a:endParaRPr lang="fr-FR" dirty="0"/>
-          </a:p>
-          <a:p>
+              <a:t>Dans la version écrite du code, vous pourrez trouver un test effectué en utilisant PC1 et PC2 au lieu de </a:t>
+            </a:r>
+            <a:r>
+              <a:rPr lang="fr-FR" dirty="0" err="1"/>
+              <a:t>margin_low</a:t>
+            </a:r>
             <a:r>
               <a:rPr lang="fr-FR" dirty="0"/>
-              <a:t>CLICK</a:t>
-            </a:r>
-          </a:p>
-          <a:p>
+              <a:t> et up, cependant l’</a:t>
+            </a:r>
+            <a:r>
+              <a:rPr lang="fr-FR" dirty="0" err="1"/>
+              <a:t>accuracy</a:t>
+            </a:r>
             <a:r>
               <a:rPr lang="fr-FR" dirty="0"/>
-              <a:t>Ensuite, on cherche à savoir si le fichier communiqué contient bien toutes les variables indispensables à la prédiction, si ce n’est pas le cas alors un message d’erreur s’affiche. Le fichier peut contenir </a:t>
-            </a:r>
-            <a:r>
-              <a:rPr lang="fr-FR" dirty="0" err="1"/>
-              <a:t>pluss</a:t>
-            </a:r>
-            <a:r>
-              <a:rPr lang="fr-FR" dirty="0"/>
-              <a:t> de variables que prévues, tant que l’on a bien les variables indispensables.</a:t>
-            </a:r>
-          </a:p>
-          <a:p>
-            <a:endParaRPr lang="fr-FR" dirty="0"/>
-          </a:p>
-          <a:p>
-            <a:r>
-              <a:rPr lang="fr-FR" dirty="0"/>
-              <a:t>CLICK</a:t>
-            </a:r>
-          </a:p>
-          <a:p>
-            <a:r>
-              <a:rPr lang="fr-FR" dirty="0"/>
-              <a:t>Enfin, on remplace les éventuelles valeurs manquantes.</a:t>
+              <a:t> étant inférieur (96% contre 98% pour la régression que je vous présente aujourd’hui), cette méthode n’a pas été retenue.</a:t>
             </a:r>
           </a:p>
           <a:p>
@@ -2170,7 +2242,7 @@
     </p:spTree>
     <p:extLst>
       <p:ext uri="{BB962C8B-B14F-4D97-AF65-F5344CB8AC3E}">
-        <p14:creationId xmlns:p14="http://schemas.microsoft.com/office/powerpoint/2010/main" val="1682505979"/>
+        <p14:creationId xmlns:p14="http://schemas.microsoft.com/office/powerpoint/2010/main" val="2785654452"/>
       </p:ext>
     </p:extLst>
   </p:cSld>
@@ -2226,19 +2298,17 @@
           <a:p>
             <a:r>
               <a:rPr lang="fr-FR" dirty="0"/>
-              <a:t>2</a:t>
-            </a:r>
-            <a:r>
-              <a:rPr lang="fr-FR" baseline="30000" dirty="0"/>
-              <a:t>ème</a:t>
-            </a:r>
+              <a:t>Le programme se compose de 3 parties : </a:t>
+            </a:r>
+          </a:p>
+          <a:p>
+            <a:endParaRPr lang="fr-FR" dirty="0"/>
+          </a:p>
+          <a:p>
             <a:r>
               <a:rPr lang="fr-FR" dirty="0"/>
-              <a:t> partie : La prédiction</a:t>
-            </a:r>
-          </a:p>
-          <a:p>
-            <a:endParaRPr lang="fr-FR" dirty="0"/>
+              <a:t>D’abord la phase de nettoyage et de vérification </a:t>
+            </a:r>
           </a:p>
           <a:p>
             <a:r>
@@ -2247,39 +2317,26 @@
             </a:r>
           </a:p>
           <a:p>
-            <a:r>
-              <a:rPr lang="fr-FR" dirty="0"/>
-              <a:t>On commence par appliquer la fonction .</a:t>
-            </a:r>
-            <a:r>
-              <a:rPr lang="fr-FR" dirty="0" err="1"/>
-              <a:t>predict</a:t>
-            </a:r>
-            <a:r>
-              <a:rPr lang="fr-FR" dirty="0"/>
-              <a:t> à notre </a:t>
-            </a:r>
-            <a:r>
-              <a:rPr lang="fr-FR" dirty="0" err="1"/>
-              <a:t>df</a:t>
-            </a:r>
-            <a:r>
-              <a:rPr lang="fr-FR" dirty="0"/>
-              <a:t>, selon la régression logistique que l’on a vu </a:t>
-            </a:r>
-            <a:r>
-              <a:rPr lang="fr-FR" dirty="0" err="1"/>
-              <a:t>précédement</a:t>
-            </a:r>
-            <a:r>
-              <a:rPr lang="fr-FR" dirty="0"/>
-              <a:t>.</a:t>
-            </a:r>
-          </a:p>
-          <a:p>
             <a:endParaRPr lang="fr-FR" dirty="0"/>
           </a:p>
           <a:p>
+            <a:pPr marL="0" marR="0" lvl="0" indent="0" algn="l" defTabSz="914400" rtl="0" eaLnBrk="1" fontAlgn="auto" latinLnBrk="0" hangingPunct="1">
+              <a:lnSpc>
+                <a:spcPct val="100000"/>
+              </a:lnSpc>
+              <a:spcBef>
+                <a:spcPts val="0"/>
+              </a:spcBef>
+              <a:spcAft>
+                <a:spcPts val="0"/>
+              </a:spcAft>
+              <a:buClrTx/>
+              <a:buSzTx/>
+              <a:buFontTx/>
+              <a:buNone/>
+              <a:tabLst/>
+              <a:defRPr/>
+            </a:pPr>
             <a:r>
               <a:rPr lang="fr-FR" dirty="0"/>
               <a:t>CLICK</a:t>
@@ -2288,23 +2345,7 @@
           <a:p>
             <a:r>
               <a:rPr lang="fr-FR" dirty="0"/>
-              <a:t>On récupère ensuite les données et on manipule le </a:t>
-            </a:r>
-            <a:r>
-              <a:rPr lang="fr-FR" dirty="0" err="1"/>
-              <a:t>df</a:t>
-            </a:r>
-            <a:r>
-              <a:rPr lang="fr-FR" dirty="0"/>
-              <a:t> afin d’avoir un rendu comprenant : Une colonne ‘ID’, une colonne ‘PROBA’, une colonne ‘</a:t>
-            </a:r>
-            <a:r>
-              <a:rPr lang="fr-FR" dirty="0" err="1"/>
-              <a:t>is_genuine</a:t>
-            </a:r>
-            <a:r>
-              <a:rPr lang="fr-FR" dirty="0"/>
-              <a:t>’ </a:t>
+              <a:t>On commence par voir si le fichier comprend une colonne ‘ID’, qui nous sera utile par la suite </a:t>
             </a:r>
           </a:p>
           <a:p>
@@ -2319,8 +2360,29 @@
           <a:p>
             <a:r>
               <a:rPr lang="fr-FR" dirty="0"/>
-              <a:t>On enregistre ensuite le fichier en .csv</a:t>
-            </a:r>
+              <a:t>Ensuite, on cherche à savoir si le fichier communiqué contient bien toutes les variables indispensables à la prédiction, si ce n’est pas le cas alors un message d’erreur s’affiche. Le fichier peut contenir plus de variables que prévues, tant que l’on a bien les variables indispensables.</a:t>
+            </a:r>
+          </a:p>
+          <a:p>
+            <a:endParaRPr lang="fr-FR" dirty="0"/>
+          </a:p>
+          <a:p>
+            <a:r>
+              <a:rPr lang="fr-FR" dirty="0"/>
+              <a:t>CLICK</a:t>
+            </a:r>
+          </a:p>
+          <a:p>
+            <a:r>
+              <a:rPr lang="fr-FR" dirty="0"/>
+              <a:t>Enfin, on remplace les éventuelles valeurs manquantes.</a:t>
+            </a:r>
+          </a:p>
+          <a:p>
+            <a:endParaRPr lang="fr-FR" dirty="0"/>
+          </a:p>
+          <a:p>
+            <a:endParaRPr lang="fr-FR" dirty="0"/>
           </a:p>
         </p:txBody>
       </p:sp>
@@ -2350,7 +2412,7 @@
     </p:spTree>
     <p:extLst>
       <p:ext uri="{BB962C8B-B14F-4D97-AF65-F5344CB8AC3E}">
-        <p14:creationId xmlns:p14="http://schemas.microsoft.com/office/powerpoint/2010/main" val="640740844"/>
+        <p14:creationId xmlns:p14="http://schemas.microsoft.com/office/powerpoint/2010/main" val="1682505979"/>
       </p:ext>
     </p:extLst>
   </p:cSld>
@@ -2406,7 +2468,7 @@
           <a:p>
             <a:r>
               <a:rPr lang="fr-FR" dirty="0"/>
-              <a:t>3</a:t>
+              <a:t>2</a:t>
             </a:r>
             <a:r>
               <a:rPr lang="fr-FR" baseline="30000" dirty="0"/>
@@ -2414,7 +2476,7 @@
             </a:r>
             <a:r>
               <a:rPr lang="fr-FR" dirty="0"/>
-              <a:t> partie : Calcul du nombre de Vrais/Faux</a:t>
+              <a:t> partie : La prédiction</a:t>
             </a:r>
           </a:p>
           <a:p>
@@ -2429,7 +2491,31 @@
           <a:p>
             <a:r>
               <a:rPr lang="fr-FR" dirty="0"/>
-              <a:t>On commence par calculer le nombre de vrais et de faux </a:t>
+              <a:t>On commence par appliquer la fonction .</a:t>
+            </a:r>
+            <a:r>
+              <a:rPr lang="fr-FR" dirty="0" err="1"/>
+              <a:t>predict</a:t>
+            </a:r>
+            <a:r>
+              <a:rPr lang="fr-FR" dirty="0"/>
+              <a:t> à notre </a:t>
+            </a:r>
+            <a:r>
+              <a:rPr lang="fr-FR" dirty="0" err="1"/>
+              <a:t>df</a:t>
+            </a:r>
+            <a:r>
+              <a:rPr lang="fr-FR" dirty="0"/>
+              <a:t>, selon la régression logistique que l’on a vu </a:t>
+            </a:r>
+            <a:r>
+              <a:rPr lang="fr-FR" dirty="0" err="1"/>
+              <a:t>précédement</a:t>
+            </a:r>
+            <a:r>
+              <a:rPr lang="fr-FR" dirty="0"/>
+              <a:t>.</a:t>
             </a:r>
           </a:p>
           <a:p>
@@ -2444,15 +2530,23 @@
           <a:p>
             <a:r>
               <a:rPr lang="fr-FR" dirty="0"/>
-              <a:t>On </a:t>
+              <a:t>On récupère ensuite les données et on manipule le </a:t>
             </a:r>
             <a:r>
               <a:rPr lang="fr-FR" dirty="0" err="1"/>
-              <a:t>print</a:t>
+              <a:t>df</a:t>
             </a:r>
             <a:r>
               <a:rPr lang="fr-FR" dirty="0"/>
-              <a:t> le tout pour que l’utilisateur puisse le voir</a:t>
+              <a:t> afin d’avoir un rendu comprenant : Une colonne ‘ID’, une colonne ‘PROBA’, une colonne ‘</a:t>
+            </a:r>
+            <a:r>
+              <a:rPr lang="fr-FR" dirty="0" err="1"/>
+              <a:t>is_genuine</a:t>
+            </a:r>
+            <a:r>
+              <a:rPr lang="fr-FR" dirty="0"/>
+              <a:t>’ </a:t>
             </a:r>
           </a:p>
           <a:p>
@@ -2467,34 +2561,8 @@
           <a:p>
             <a:r>
               <a:rPr lang="fr-FR" dirty="0"/>
-              <a:t>On sauvegarde les fichiers</a:t>
-            </a:r>
-          </a:p>
-          <a:p>
-            <a:endParaRPr lang="fr-FR" dirty="0"/>
-          </a:p>
-          <a:p>
-            <a:r>
-              <a:rPr lang="fr-FR" dirty="0"/>
-              <a:t>CLICK</a:t>
-            </a:r>
-          </a:p>
-          <a:p>
-            <a:r>
-              <a:rPr lang="fr-FR" dirty="0"/>
-              <a:t>Enfin on utilise return pour que le </a:t>
-            </a:r>
-            <a:r>
-              <a:rPr lang="fr-FR" dirty="0" err="1"/>
-              <a:t>Df_predict</a:t>
-            </a:r>
-            <a:r>
-              <a:rPr lang="fr-FR" dirty="0"/>
-              <a:t> s’affiche lorsque le programme est lancé.</a:t>
-            </a:r>
-          </a:p>
-          <a:p>
-            <a:endParaRPr lang="fr-FR" dirty="0"/>
+              <a:t>On enregistre ensuite le fichier en .csv</a:t>
+            </a:r>
           </a:p>
         </p:txBody>
       </p:sp>
@@ -2524,7 +2592,7 @@
     </p:spTree>
     <p:extLst>
       <p:ext uri="{BB962C8B-B14F-4D97-AF65-F5344CB8AC3E}">
-        <p14:creationId xmlns:p14="http://schemas.microsoft.com/office/powerpoint/2010/main" val="2861248907"/>
+        <p14:creationId xmlns:p14="http://schemas.microsoft.com/office/powerpoint/2010/main" val="640740844"/>
       </p:ext>
     </p:extLst>
   </p:cSld>
@@ -2580,16 +2648,95 @@
           <a:p>
             <a:r>
               <a:rPr lang="fr-FR" dirty="0"/>
-              <a:t>L’</a:t>
+              <a:t>3</a:t>
+            </a:r>
+            <a:r>
+              <a:rPr lang="fr-FR" baseline="30000" dirty="0"/>
+              <a:t>ème</a:t>
+            </a:r>
+            <a:r>
+              <a:rPr lang="fr-FR" dirty="0"/>
+              <a:t> partie : Calcul du nombre de Vrais/Faux</a:t>
+            </a:r>
+          </a:p>
+          <a:p>
+            <a:endParaRPr lang="fr-FR" dirty="0"/>
+          </a:p>
+          <a:p>
+            <a:r>
+              <a:rPr lang="fr-FR" dirty="0"/>
+              <a:t>CLICK</a:t>
+            </a:r>
+          </a:p>
+          <a:p>
+            <a:r>
+              <a:rPr lang="fr-FR" dirty="0"/>
+              <a:t>On commence par calculer le nombre de vrais et de faux </a:t>
+            </a:r>
+          </a:p>
+          <a:p>
+            <a:endParaRPr lang="fr-FR" dirty="0"/>
+          </a:p>
+          <a:p>
+            <a:r>
+              <a:rPr lang="fr-FR" dirty="0"/>
+              <a:t>CLICK</a:t>
+            </a:r>
+          </a:p>
+          <a:p>
+            <a:r>
+              <a:rPr lang="fr-FR" dirty="0"/>
+              <a:t>On </a:t>
             </a:r>
             <a:r>
               <a:rPr lang="fr-FR" dirty="0" err="1"/>
-              <a:t>accuracy</a:t>
+              <a:t>print</a:t>
             </a:r>
             <a:r>
               <a:rPr lang="fr-FR" dirty="0"/>
-              <a:t> est de 98%</a:t>
-            </a:r>
+              <a:t> le tout pour que l’utilisateur puisse le voir</a:t>
+            </a:r>
+          </a:p>
+          <a:p>
+            <a:endParaRPr lang="fr-FR" dirty="0"/>
+          </a:p>
+          <a:p>
+            <a:r>
+              <a:rPr lang="fr-FR" dirty="0"/>
+              <a:t>CLICK</a:t>
+            </a:r>
+          </a:p>
+          <a:p>
+            <a:r>
+              <a:rPr lang="fr-FR" dirty="0"/>
+              <a:t>On sauvegarde les fichiers</a:t>
+            </a:r>
+          </a:p>
+          <a:p>
+            <a:endParaRPr lang="fr-FR" dirty="0"/>
+          </a:p>
+          <a:p>
+            <a:r>
+              <a:rPr lang="fr-FR" dirty="0"/>
+              <a:t>CLICK</a:t>
+            </a:r>
+          </a:p>
+          <a:p>
+            <a:r>
+              <a:rPr lang="fr-FR" dirty="0"/>
+              <a:t>Enfin on utilise return pour que le </a:t>
+            </a:r>
+            <a:r>
+              <a:rPr lang="fr-FR" dirty="0" err="1"/>
+              <a:t>Df_predict</a:t>
+            </a:r>
+            <a:r>
+              <a:rPr lang="fr-FR" dirty="0"/>
+              <a:t> s’affiche lorsque le programme est lancé.</a:t>
+            </a:r>
+          </a:p>
+          <a:p>
+            <a:endParaRPr lang="fr-FR" dirty="0"/>
           </a:p>
         </p:txBody>
       </p:sp>
@@ -2608,7 +2755,7 @@
           <a:bodyPr/>
           <a:lstStyle/>
           <a:p>
-            <a:fld id="{B368AEA7-4DA3-4D8F-B17B-89D4A8C69F51}" type="slidenum">
+            <a:fld id="{F44DFA25-216B-4048-9E14-17772AFFB9C9}" type="slidenum">
               <a:rPr lang="fr-FR" smtClean="0"/>
               <a:t>25</a:t>
             </a:fld>
@@ -2619,7 +2766,186 @@
     </p:spTree>
     <p:extLst>
       <p:ext uri="{BB962C8B-B14F-4D97-AF65-F5344CB8AC3E}">
+        <p14:creationId xmlns:p14="http://schemas.microsoft.com/office/powerpoint/2010/main" val="2861248907"/>
+      </p:ext>
+    </p:extLst>
+  </p:cSld>
+  <p:clrMapOvr>
+    <a:masterClrMapping/>
+  </p:clrMapOvr>
+</p:notes>
+</file>
+
+<file path=ppt/notesSlides/notesSlide25.xml><?xml version="1.0" encoding="utf-8"?>
+<p:notes xmlns:a="http://schemas.openxmlformats.org/drawingml/2006/main" xmlns:r="http://schemas.openxmlformats.org/officeDocument/2006/relationships" xmlns:p="http://schemas.openxmlformats.org/presentationml/2006/main">
+  <p:cSld>
+    <p:spTree>
+      <p:nvGrpSpPr>
+        <p:cNvPr id="1" name=""/>
+        <p:cNvGrpSpPr/>
+        <p:nvPr/>
+      </p:nvGrpSpPr>
+      <p:grpSpPr>
+        <a:xfrm>
+          <a:off x="0" y="0"/>
+          <a:ext cx="0" cy="0"/>
+          <a:chOff x="0" y="0"/>
+          <a:chExt cx="0" cy="0"/>
+        </a:xfrm>
+      </p:grpSpPr>
+      <p:sp>
+        <p:nvSpPr>
+          <p:cNvPr id="2" name="Espace réservé de l'image des diapositives 1"/>
+          <p:cNvSpPr>
+            <a:spLocks noGrp="1" noRot="1" noChangeAspect="1"/>
+          </p:cNvSpPr>
+          <p:nvPr>
+            <p:ph type="sldImg"/>
+          </p:nvPr>
+        </p:nvSpPr>
+        <p:spPr/>
+      </p:sp>
+      <p:sp>
+        <p:nvSpPr>
+          <p:cNvPr id="3" name="Espace réservé des notes 2"/>
+          <p:cNvSpPr>
+            <a:spLocks noGrp="1"/>
+          </p:cNvSpPr>
+          <p:nvPr>
+            <p:ph type="body" idx="1"/>
+          </p:nvPr>
+        </p:nvSpPr>
+        <p:spPr/>
+        <p:txBody>
+          <a:bodyPr/>
+          <a:lstStyle/>
+          <a:p>
+            <a:r>
+              <a:rPr lang="fr-FR" dirty="0"/>
+              <a:t>L’</a:t>
+            </a:r>
+            <a:r>
+              <a:rPr lang="fr-FR" dirty="0" err="1"/>
+              <a:t>accuracy</a:t>
+            </a:r>
+            <a:r>
+              <a:rPr lang="fr-FR" dirty="0"/>
+              <a:t> est de 98%</a:t>
+            </a:r>
+          </a:p>
+        </p:txBody>
+      </p:sp>
+      <p:sp>
+        <p:nvSpPr>
+          <p:cNvPr id="4" name="Espace réservé du numéro de diapositive 3"/>
+          <p:cNvSpPr>
+            <a:spLocks noGrp="1"/>
+          </p:cNvSpPr>
+          <p:nvPr>
+            <p:ph type="sldNum" sz="quarter" idx="5"/>
+          </p:nvPr>
+        </p:nvSpPr>
+        <p:spPr/>
+        <p:txBody>
+          <a:bodyPr/>
+          <a:lstStyle/>
+          <a:p>
+            <a:fld id="{B368AEA7-4DA3-4D8F-B17B-89D4A8C69F51}" type="slidenum">
+              <a:rPr lang="fr-FR" smtClean="0"/>
+              <a:t>26</a:t>
+            </a:fld>
+            <a:endParaRPr lang="fr-FR"/>
+          </a:p>
+        </p:txBody>
+      </p:sp>
+    </p:spTree>
+    <p:extLst>
+      <p:ext uri="{BB962C8B-B14F-4D97-AF65-F5344CB8AC3E}">
         <p14:creationId xmlns:p14="http://schemas.microsoft.com/office/powerpoint/2010/main" val="1756727736"/>
+      </p:ext>
+    </p:extLst>
+  </p:cSld>
+  <p:clrMapOvr>
+    <a:masterClrMapping/>
+  </p:clrMapOvr>
+</p:notes>
+</file>
+
+<file path=ppt/notesSlides/notesSlide26.xml><?xml version="1.0" encoding="utf-8"?>
+<p:notes xmlns:a="http://schemas.openxmlformats.org/drawingml/2006/main" xmlns:r="http://schemas.openxmlformats.org/officeDocument/2006/relationships" xmlns:p="http://schemas.openxmlformats.org/presentationml/2006/main">
+  <p:cSld>
+    <p:spTree>
+      <p:nvGrpSpPr>
+        <p:cNvPr id="1" name=""/>
+        <p:cNvGrpSpPr/>
+        <p:nvPr/>
+      </p:nvGrpSpPr>
+      <p:grpSpPr>
+        <a:xfrm>
+          <a:off x="0" y="0"/>
+          <a:ext cx="0" cy="0"/>
+          <a:chOff x="0" y="0"/>
+          <a:chExt cx="0" cy="0"/>
+        </a:xfrm>
+      </p:grpSpPr>
+      <p:sp>
+        <p:nvSpPr>
+          <p:cNvPr id="2" name="Espace réservé de l'image des diapositives 1"/>
+          <p:cNvSpPr>
+            <a:spLocks noGrp="1" noRot="1" noChangeAspect="1"/>
+          </p:cNvSpPr>
+          <p:nvPr>
+            <p:ph type="sldImg"/>
+          </p:nvPr>
+        </p:nvSpPr>
+        <p:spPr/>
+      </p:sp>
+      <p:sp>
+        <p:nvSpPr>
+          <p:cNvPr id="3" name="Espace réservé des notes 2"/>
+          <p:cNvSpPr>
+            <a:spLocks noGrp="1"/>
+          </p:cNvSpPr>
+          <p:nvPr>
+            <p:ph type="body" idx="1"/>
+          </p:nvPr>
+        </p:nvSpPr>
+        <p:spPr/>
+        <p:txBody>
+          <a:bodyPr/>
+          <a:lstStyle/>
+          <a:p>
+            <a:endParaRPr lang="fr-FR" dirty="0"/>
+          </a:p>
+        </p:txBody>
+      </p:sp>
+      <p:sp>
+        <p:nvSpPr>
+          <p:cNvPr id="4" name="Espace réservé du numéro de diapositive 3"/>
+          <p:cNvSpPr>
+            <a:spLocks noGrp="1"/>
+          </p:cNvSpPr>
+          <p:nvPr>
+            <p:ph type="sldNum" sz="quarter" idx="5"/>
+          </p:nvPr>
+        </p:nvSpPr>
+        <p:spPr/>
+        <p:txBody>
+          <a:bodyPr/>
+          <a:lstStyle/>
+          <a:p>
+            <a:fld id="{B368AEA7-4DA3-4D8F-B17B-89D4A8C69F51}" type="slidenum">
+              <a:rPr lang="fr-FR" smtClean="0"/>
+              <a:t>27</a:t>
+            </a:fld>
+            <a:endParaRPr lang="fr-FR"/>
+          </a:p>
+        </p:txBody>
+      </p:sp>
+    </p:spTree>
+    <p:extLst>
+      <p:ext uri="{BB962C8B-B14F-4D97-AF65-F5344CB8AC3E}">
+        <p14:creationId xmlns:p14="http://schemas.microsoft.com/office/powerpoint/2010/main" val="3132065274"/>
       </p:ext>
     </p:extLst>
   </p:cSld>
@@ -2957,23 +3283,6 @@
               <a:rPr lang="fr-FR" dirty="0"/>
               <a:t>" se démarquent dans leur écart type et leur moyenne</a:t>
             </a:r>
-          </a:p>
-          <a:p>
-            <a:endParaRPr lang="fr-FR" dirty="0"/>
-          </a:p>
-          <a:p>
-            <a:r>
-              <a:rPr lang="fr-FR" dirty="0"/>
-              <a:t>Les minimums et maximums des valeurs </a:t>
-            </a:r>
-            <a:r>
-              <a:rPr lang="fr-FR" dirty="0" err="1"/>
-              <a:t>True</a:t>
-            </a:r>
-            <a:r>
-              <a:rPr lang="fr-FR" dirty="0"/>
-              <a:t> et False correspondent bien, nous ne pouvons rien déduire directement </a:t>
-            </a:r>
             <a:br>
               <a:rPr lang="fr-FR" dirty="0"/>
             </a:br>
@@ -3380,7 +3689,7 @@
           <a:p>
             <a:r>
               <a:rPr lang="fr-FR" dirty="0"/>
-              <a:t>Dans le </a:t>
+              <a:t>On avait pu voir des relations linéaires dans le </a:t>
             </a:r>
             <a:r>
               <a:rPr lang="fr-FR" dirty="0" err="1"/>
@@ -3388,23 +3697,7 @@
             </a:r>
             <a:r>
               <a:rPr lang="fr-FR" dirty="0"/>
-              <a:t> que nous avons vu juste avant, nous pouvions remarquer des relations linéaires entre les variables </a:t>
-            </a:r>
-            <a:r>
-              <a:rPr lang="fr-FR" dirty="0" err="1"/>
-              <a:t>Margin_low</a:t>
-            </a:r>
-            <a:r>
-              <a:rPr lang="fr-FR" dirty="0"/>
-              <a:t> et </a:t>
-            </a:r>
-            <a:r>
-              <a:rPr lang="fr-FR" dirty="0" err="1"/>
-              <a:t>margin_up</a:t>
-            </a:r>
-            <a:r>
-              <a:rPr lang="fr-FR" dirty="0"/>
-              <a:t>, voyons cela de plus près</a:t>
+              <a:t>, voyons tout de suite cela plus en détails</a:t>
             </a:r>
           </a:p>
         </p:txBody>
@@ -3702,7 +3995,7 @@
           <a:p>
             <a:fld id="{4E31B266-ED0C-4F2D-AC80-74DD3C5AADA0}" type="datetimeFigureOut">
               <a:rPr lang="fr-FR" smtClean="0"/>
-              <a:t>27/05/2019</a:t>
+              <a:t>04/06/2019</a:t>
             </a:fld>
             <a:endParaRPr lang="fr-FR"/>
           </a:p>
@@ -3900,7 +4193,7 @@
           <a:p>
             <a:fld id="{4E31B266-ED0C-4F2D-AC80-74DD3C5AADA0}" type="datetimeFigureOut">
               <a:rPr lang="fr-FR" smtClean="0"/>
-              <a:t>27/05/2019</a:t>
+              <a:t>04/06/2019</a:t>
             </a:fld>
             <a:endParaRPr lang="fr-FR"/>
           </a:p>
@@ -4108,7 +4401,7 @@
           <a:p>
             <a:fld id="{4E31B266-ED0C-4F2D-AC80-74DD3C5AADA0}" type="datetimeFigureOut">
               <a:rPr lang="fr-FR" smtClean="0"/>
-              <a:t>27/05/2019</a:t>
+              <a:t>04/06/2019</a:t>
             </a:fld>
             <a:endParaRPr lang="fr-FR"/>
           </a:p>
@@ -4306,7 +4599,7 @@
           <a:p>
             <a:fld id="{4E31B266-ED0C-4F2D-AC80-74DD3C5AADA0}" type="datetimeFigureOut">
               <a:rPr lang="fr-FR" smtClean="0"/>
-              <a:t>27/05/2019</a:t>
+              <a:t>04/06/2019</a:t>
             </a:fld>
             <a:endParaRPr lang="fr-FR"/>
           </a:p>
@@ -4581,7 +4874,7 @@
           <a:p>
             <a:fld id="{4E31B266-ED0C-4F2D-AC80-74DD3C5AADA0}" type="datetimeFigureOut">
               <a:rPr lang="fr-FR" smtClean="0"/>
-              <a:t>27/05/2019</a:t>
+              <a:t>04/06/2019</a:t>
             </a:fld>
             <a:endParaRPr lang="fr-FR"/>
           </a:p>
@@ -4846,7 +5139,7 @@
           <a:p>
             <a:fld id="{4E31B266-ED0C-4F2D-AC80-74DD3C5AADA0}" type="datetimeFigureOut">
               <a:rPr lang="fr-FR" smtClean="0"/>
-              <a:t>27/05/2019</a:t>
+              <a:t>04/06/2019</a:t>
             </a:fld>
             <a:endParaRPr lang="fr-FR"/>
           </a:p>
@@ -5258,7 +5551,7 @@
           <a:p>
             <a:fld id="{4E31B266-ED0C-4F2D-AC80-74DD3C5AADA0}" type="datetimeFigureOut">
               <a:rPr lang="fr-FR" smtClean="0"/>
-              <a:t>27/05/2019</a:t>
+              <a:t>04/06/2019</a:t>
             </a:fld>
             <a:endParaRPr lang="fr-FR"/>
           </a:p>
@@ -5399,7 +5692,7 @@
           <a:p>
             <a:fld id="{4E31B266-ED0C-4F2D-AC80-74DD3C5AADA0}" type="datetimeFigureOut">
               <a:rPr lang="fr-FR" smtClean="0"/>
-              <a:t>27/05/2019</a:t>
+              <a:t>04/06/2019</a:t>
             </a:fld>
             <a:endParaRPr lang="fr-FR"/>
           </a:p>
@@ -5512,7 +5805,7 @@
           <a:p>
             <a:fld id="{4E31B266-ED0C-4F2D-AC80-74DD3C5AADA0}" type="datetimeFigureOut">
               <a:rPr lang="fr-FR" smtClean="0"/>
-              <a:t>27/05/2019</a:t>
+              <a:t>04/06/2019</a:t>
             </a:fld>
             <a:endParaRPr lang="fr-FR"/>
           </a:p>
@@ -5823,7 +6116,7 @@
           <a:p>
             <a:fld id="{4E31B266-ED0C-4F2D-AC80-74DD3C5AADA0}" type="datetimeFigureOut">
               <a:rPr lang="fr-FR" smtClean="0"/>
-              <a:t>27/05/2019</a:t>
+              <a:t>04/06/2019</a:t>
             </a:fld>
             <a:endParaRPr lang="fr-FR"/>
           </a:p>
@@ -6111,7 +6404,7 @@
           <a:p>
             <a:fld id="{4E31B266-ED0C-4F2D-AC80-74DD3C5AADA0}" type="datetimeFigureOut">
               <a:rPr lang="fr-FR" smtClean="0"/>
-              <a:t>27/05/2019</a:t>
+              <a:t>04/06/2019</a:t>
             </a:fld>
             <a:endParaRPr lang="fr-FR"/>
           </a:p>
@@ -6352,7 +6645,7 @@
           <a:p>
             <a:fld id="{4E31B266-ED0C-4F2D-AC80-74DD3C5AADA0}" type="datetimeFigureOut">
               <a:rPr lang="fr-FR" smtClean="0"/>
-              <a:t>27/05/2019</a:t>
+              <a:t>04/06/2019</a:t>
             </a:fld>
             <a:endParaRPr lang="fr-FR"/>
           </a:p>
@@ -8343,25 +8636,266 @@
           <a:chExt cx="0" cy="0"/>
         </a:xfrm>
       </p:grpSpPr>
-      <p:sp>
-        <p:nvSpPr>
-          <p:cNvPr id="2" name="Titre 1">
-            <a:extLst>
-              <a:ext uri="{FF2B5EF4-FFF2-40B4-BE49-F238E27FC236}">
-                <a16:creationId xmlns:a16="http://schemas.microsoft.com/office/drawing/2014/main" id="{465F4E1D-C2D1-48A3-87E1-EAA86D29F741}"/>
-              </a:ext>
-            </a:extLst>
-          </p:cNvPr>
-          <p:cNvSpPr>
-            <a:spLocks noGrp="1"/>
-          </p:cNvSpPr>
-          <p:nvPr>
-            <p:ph type="ctrTitle"/>
-          </p:nvPr>
-        </p:nvSpPr>
+      <p:pic>
+        <p:nvPicPr>
+          <p:cNvPr id="6" name="Image 5">
+            <a:extLst>
+              <a:ext uri="{FF2B5EF4-FFF2-40B4-BE49-F238E27FC236}">
+                <a16:creationId xmlns:a16="http://schemas.microsoft.com/office/drawing/2014/main" id="{232CAE0F-12CB-42E0-9FD8-5783337E024A}"/>
+              </a:ext>
+            </a:extLst>
+          </p:cNvPr>
+          <p:cNvPicPr>
+            <a:picLocks noChangeAspect="1"/>
+          </p:cNvPicPr>
+          <p:nvPr/>
+        </p:nvPicPr>
+        <p:blipFill rotWithShape="1">
+          <a:blip r:embed="rId3">
+            <a:extLst>
+              <a:ext uri="{28A0092B-C50C-407E-A947-70E740481C1C}">
+                <a14:useLocalDpi xmlns:a14="http://schemas.microsoft.com/office/drawing/2010/main" val="0"/>
+              </a:ext>
+            </a:extLst>
+          </a:blip>
+          <a:srcRect l="7297" r="7874"/>
+          <a:stretch/>
+        </p:blipFill>
         <p:spPr>
           <a:xfrm>
-            <a:off x="1391920" y="604059"/>
+            <a:off x="3735967" y="2746689"/>
+            <a:ext cx="4720061" cy="3709464"/>
+          </a:xfrm>
+          <a:prstGeom prst="rect">
+            <a:avLst/>
+          </a:prstGeom>
+        </p:spPr>
+      </p:pic>
+      <p:sp>
+        <p:nvSpPr>
+          <p:cNvPr id="2" name="Titre 1">
+            <a:extLst>
+              <a:ext uri="{FF2B5EF4-FFF2-40B4-BE49-F238E27FC236}">
+                <a16:creationId xmlns:a16="http://schemas.microsoft.com/office/drawing/2014/main" id="{465F4E1D-C2D1-48A3-87E1-EAA86D29F741}"/>
+              </a:ext>
+            </a:extLst>
+          </p:cNvPr>
+          <p:cNvSpPr>
+            <a:spLocks noGrp="1"/>
+          </p:cNvSpPr>
+          <p:nvPr>
+            <p:ph type="ctrTitle"/>
+          </p:nvPr>
+        </p:nvSpPr>
+        <p:spPr>
+          <a:xfrm>
+            <a:off x="1391919" y="471108"/>
+            <a:ext cx="9408160" cy="971550"/>
+          </a:xfrm>
+        </p:spPr>
+        <p:txBody>
+          <a:bodyPr>
+            <a:noAutofit/>
+          </a:bodyPr>
+          <a:lstStyle/>
+          <a:p>
+            <a:r>
+              <a:rPr lang="fr-FR" dirty="0"/>
+              <a:t>Contribution des individus</a:t>
+            </a:r>
+          </a:p>
+        </p:txBody>
+      </p:sp>
+      <p:pic>
+        <p:nvPicPr>
+          <p:cNvPr id="4" name="Image 3">
+            <a:extLst>
+              <a:ext uri="{FF2B5EF4-FFF2-40B4-BE49-F238E27FC236}">
+                <a16:creationId xmlns:a16="http://schemas.microsoft.com/office/drawing/2014/main" id="{6D19BF79-1D71-48C5-80A2-A1D39A8C2714}"/>
+              </a:ext>
+            </a:extLst>
+          </p:cNvPr>
+          <p:cNvPicPr>
+            <a:picLocks noChangeAspect="1"/>
+          </p:cNvPicPr>
+          <p:nvPr/>
+        </p:nvPicPr>
+        <p:blipFill>
+          <a:blip r:embed="rId4">
+            <a:extLst>
+              <a:ext uri="{28A0092B-C50C-407E-A947-70E740481C1C}">
+                <a14:useLocalDpi xmlns:a14="http://schemas.microsoft.com/office/drawing/2010/main" val="0"/>
+              </a:ext>
+            </a:extLst>
+          </a:blip>
+          <a:stretch>
+            <a:fillRect/>
+          </a:stretch>
+        </p:blipFill>
+        <p:spPr>
+          <a:xfrm>
+            <a:off x="10769600" y="5435600"/>
+            <a:ext cx="1422400" cy="1422400"/>
+          </a:xfrm>
+          <a:prstGeom prst="rect">
+            <a:avLst/>
+          </a:prstGeom>
+        </p:spPr>
+      </p:pic>
+      <p:pic>
+        <p:nvPicPr>
+          <p:cNvPr id="9" name="Image 8">
+            <a:extLst>
+              <a:ext uri="{FF2B5EF4-FFF2-40B4-BE49-F238E27FC236}">
+                <a16:creationId xmlns:a16="http://schemas.microsoft.com/office/drawing/2014/main" id="{D27429B4-D389-45DA-AE1A-8CAC722A015E}"/>
+              </a:ext>
+            </a:extLst>
+          </p:cNvPr>
+          <p:cNvPicPr>
+            <a:picLocks noChangeAspect="1"/>
+          </p:cNvPicPr>
+          <p:nvPr/>
+        </p:nvPicPr>
+        <p:blipFill>
+          <a:blip r:embed="rId5"/>
+          <a:stretch>
+            <a:fillRect/>
+          </a:stretch>
+        </p:blipFill>
+        <p:spPr>
+          <a:xfrm>
+            <a:off x="1804986" y="1674159"/>
+            <a:ext cx="8582025" cy="971550"/>
+          </a:xfrm>
+          <a:prstGeom prst="rect">
+            <a:avLst/>
+          </a:prstGeom>
+        </p:spPr>
+      </p:pic>
+    </p:spTree>
+    <p:extLst>
+      <p:ext uri="{BB962C8B-B14F-4D97-AF65-F5344CB8AC3E}">
+        <p14:creationId xmlns:p14="http://schemas.microsoft.com/office/powerpoint/2010/main" val="4149765654"/>
+      </p:ext>
+    </p:extLst>
+  </p:cSld>
+  <p:clrMapOvr>
+    <a:masterClrMapping/>
+  </p:clrMapOvr>
+  <p:timing>
+    <p:tnLst>
+      <p:par>
+        <p:cTn id="1" dur="indefinite" restart="never" nodeType="tmRoot">
+          <p:childTnLst>
+            <p:seq concurrent="1" nextAc="seek">
+              <p:cTn id="2" dur="indefinite" nodeType="mainSeq">
+                <p:childTnLst>
+                  <p:par>
+                    <p:cTn id="3" fill="hold">
+                      <p:stCondLst>
+                        <p:cond delay="indefinite"/>
+                      </p:stCondLst>
+                      <p:childTnLst>
+                        <p:par>
+                          <p:cTn id="4" fill="hold">
+                            <p:stCondLst>
+                              <p:cond delay="0"/>
+                            </p:stCondLst>
+                            <p:childTnLst>
+                              <p:par>
+                                <p:cTn id="5" presetID="1" presetClass="entr" presetSubtype="0" fill="hold" nodeType="clickEffect">
+                                  <p:stCondLst>
+                                    <p:cond delay="0"/>
+                                  </p:stCondLst>
+                                  <p:childTnLst>
+                                    <p:set>
+                                      <p:cBhvr>
+                                        <p:cTn id="6" dur="1" fill="hold">
+                                          <p:stCondLst>
+                                            <p:cond delay="0"/>
+                                          </p:stCondLst>
+                                        </p:cTn>
+                                        <p:tgtEl>
+                                          <p:spTgt spid="6"/>
+                                        </p:tgtEl>
+                                        <p:attrNameLst>
+                                          <p:attrName>style.visibility</p:attrName>
+                                        </p:attrNameLst>
+                                      </p:cBhvr>
+                                      <p:to>
+                                        <p:strVal val="visible"/>
+                                      </p:to>
+                                    </p:set>
+                                  </p:childTnLst>
+                                </p:cTn>
+                              </p:par>
+                            </p:childTnLst>
+                          </p:cTn>
+                        </p:par>
+                      </p:childTnLst>
+                    </p:cTn>
+                  </p:par>
+                </p:childTnLst>
+              </p:cTn>
+              <p:prevCondLst>
+                <p:cond evt="onPrev" delay="0">
+                  <p:tgtEl>
+                    <p:sldTgt/>
+                  </p:tgtEl>
+                </p:cond>
+              </p:prevCondLst>
+              <p:nextCondLst>
+                <p:cond evt="onNext" delay="0">
+                  <p:tgtEl>
+                    <p:sldTgt/>
+                  </p:tgtEl>
+                </p:cond>
+              </p:nextCondLst>
+            </p:seq>
+          </p:childTnLst>
+        </p:cTn>
+      </p:par>
+    </p:tnLst>
+  </p:timing>
+</p:sld>
+</file>
+
+<file path=ppt/slides/slide16.xml><?xml version="1.0" encoding="utf-8"?>
+<p:sld xmlns:a="http://schemas.openxmlformats.org/drawingml/2006/main" xmlns:r="http://schemas.openxmlformats.org/officeDocument/2006/relationships" xmlns:p="http://schemas.openxmlformats.org/presentationml/2006/main">
+  <p:cSld>
+    <p:spTree>
+      <p:nvGrpSpPr>
+        <p:cNvPr id="1" name=""/>
+        <p:cNvGrpSpPr/>
+        <p:nvPr/>
+      </p:nvGrpSpPr>
+      <p:grpSpPr>
+        <a:xfrm>
+          <a:off x="0" y="0"/>
+          <a:ext cx="0" cy="0"/>
+          <a:chOff x="0" y="0"/>
+          <a:chExt cx="0" cy="0"/>
+        </a:xfrm>
+      </p:grpSpPr>
+      <p:sp>
+        <p:nvSpPr>
+          <p:cNvPr id="2" name="Titre 1">
+            <a:extLst>
+              <a:ext uri="{FF2B5EF4-FFF2-40B4-BE49-F238E27FC236}">
+                <a16:creationId xmlns:a16="http://schemas.microsoft.com/office/drawing/2014/main" id="{465F4E1D-C2D1-48A3-87E1-EAA86D29F741}"/>
+              </a:ext>
+            </a:extLst>
+          </p:cNvPr>
+          <p:cNvSpPr>
+            <a:spLocks noGrp="1"/>
+          </p:cNvSpPr>
+          <p:nvPr>
+            <p:ph type="ctrTitle"/>
+          </p:nvPr>
+        </p:nvSpPr>
+        <p:spPr>
+          <a:xfrm>
+            <a:off x="1391920" y="271552"/>
             <a:ext cx="9408160" cy="1681941"/>
           </a:xfrm>
         </p:spPr>
@@ -8428,7 +8962,7 @@
           </p:cNvPicPr>
           <p:nvPr/>
         </p:nvPicPr>
-        <p:blipFill>
+        <p:blipFill rotWithShape="1">
           <a:blip r:embed="rId4">
             <a:extLst>
               <a:ext uri="{28A0092B-C50C-407E-A947-70E740481C1C}">
@@ -8436,14 +8970,43 @@
               </a:ext>
             </a:extLst>
           </a:blip>
+          <a:srcRect l="6737" r="7788"/>
+          <a:stretch/>
+        </p:blipFill>
+        <p:spPr>
+          <a:xfrm>
+            <a:off x="3685310" y="2701636"/>
+            <a:ext cx="4821380" cy="3760497"/>
+          </a:xfrm>
+          <a:prstGeom prst="rect">
+            <a:avLst/>
+          </a:prstGeom>
+        </p:spPr>
+      </p:pic>
+      <p:pic>
+        <p:nvPicPr>
+          <p:cNvPr id="3" name="Image 2">
+            <a:extLst>
+              <a:ext uri="{FF2B5EF4-FFF2-40B4-BE49-F238E27FC236}">
+                <a16:creationId xmlns:a16="http://schemas.microsoft.com/office/drawing/2014/main" id="{56DC3357-C5EC-4046-BA88-ED29F4525981}"/>
+              </a:ext>
+            </a:extLst>
+          </p:cNvPr>
+          <p:cNvPicPr>
+            <a:picLocks noChangeAspect="1"/>
+          </p:cNvPicPr>
+          <p:nvPr/>
+        </p:nvPicPr>
+        <p:blipFill>
+          <a:blip r:embed="rId5"/>
           <a:stretch>
             <a:fillRect/>
           </a:stretch>
         </p:blipFill>
         <p:spPr>
           <a:xfrm>
-            <a:off x="2893555" y="2286000"/>
-            <a:ext cx="6404889" cy="4269926"/>
+            <a:off x="3819337" y="1953493"/>
+            <a:ext cx="4695825" cy="933450"/>
           </a:xfrm>
           <a:prstGeom prst="rect">
             <a:avLst/>
@@ -8453,17 +9016,92 @@
     </p:spTree>
     <p:extLst>
       <p:ext uri="{BB962C8B-B14F-4D97-AF65-F5344CB8AC3E}">
-        <p14:creationId xmlns:p14="http://schemas.microsoft.com/office/powerpoint/2010/main" val="4149765654"/>
+        <p14:creationId xmlns:p14="http://schemas.microsoft.com/office/powerpoint/2010/main" val="1423665317"/>
       </p:ext>
     </p:extLst>
   </p:cSld>
   <p:clrMapOvr>
     <a:masterClrMapping/>
   </p:clrMapOvr>
+  <p:timing>
+    <p:tnLst>
+      <p:par>
+        <p:cTn id="1" dur="indefinite" restart="never" nodeType="tmRoot">
+          <p:childTnLst>
+            <p:seq concurrent="1" nextAc="seek">
+              <p:cTn id="2" dur="indefinite" nodeType="mainSeq">
+                <p:childTnLst>
+                  <p:par>
+                    <p:cTn id="3" fill="hold">
+                      <p:stCondLst>
+                        <p:cond delay="indefinite"/>
+                      </p:stCondLst>
+                      <p:childTnLst>
+                        <p:par>
+                          <p:cTn id="4" fill="hold">
+                            <p:stCondLst>
+                              <p:cond delay="0"/>
+                            </p:stCondLst>
+                            <p:childTnLst>
+                              <p:par>
+                                <p:cTn id="5" presetID="1" presetClass="entr" presetSubtype="0" fill="hold" nodeType="clickEffect">
+                                  <p:stCondLst>
+                                    <p:cond delay="0"/>
+                                  </p:stCondLst>
+                                  <p:childTnLst>
+                                    <p:set>
+                                      <p:cBhvr>
+                                        <p:cTn id="6" dur="1" fill="hold">
+                                          <p:stCondLst>
+                                            <p:cond delay="0"/>
+                                          </p:stCondLst>
+                                        </p:cTn>
+                                        <p:tgtEl>
+                                          <p:spTgt spid="5"/>
+                                        </p:tgtEl>
+                                        <p:attrNameLst>
+                                          <p:attrName>style.visibility</p:attrName>
+                                        </p:attrNameLst>
+                                      </p:cBhvr>
+                                      <p:to>
+                                        <p:strVal val="visible"/>
+                                      </p:to>
+                                    </p:set>
+                                  </p:childTnLst>
+                                </p:cTn>
+                              </p:par>
+                            </p:childTnLst>
+                          </p:cTn>
+                        </p:par>
+                      </p:childTnLst>
+                    </p:cTn>
+                  </p:par>
+                </p:childTnLst>
+              </p:cTn>
+              <p:prevCondLst>
+                <p:cond evt="onPrev" delay="0">
+                  <p:tgtEl>
+                    <p:sldTgt/>
+                  </p:tgtEl>
+                </p:cond>
+              </p:prevCondLst>
+              <p:nextCondLst>
+                <p:cond evt="onNext" delay="0">
+                  <p:tgtEl>
+                    <p:sldTgt/>
+                  </p:tgtEl>
+                </p:cond>
+              </p:nextCondLst>
+            </p:seq>
+          </p:childTnLst>
+        </p:cTn>
+      </p:par>
+    </p:tnLst>
+  </p:timing>
 </p:sld>
 </file>
 
-<file path=ppt/slides/slide16.xml><?xml version="1.0" encoding="utf-8"?>
+<file path=ppt/slides/slide17.xml><?xml version="1.0" encoding="utf-8"?>
 <p:sld xmlns:a="http://schemas.openxmlformats.org/drawingml/2006/main" xmlns:r="http://schemas.openxmlformats.org/officeDocument/2006/relationships" xmlns:p="http://schemas.openxmlformats.org/presentationml/2006/main">
   <p:cSld>
     <p:bg>
@@ -8977,7 +9615,7 @@
 </p:sld>
 </file>
 
-<file path=ppt/slides/slide17.xml><?xml version="1.0" encoding="utf-8"?>
+<file path=ppt/slides/slide18.xml><?xml version="1.0" encoding="utf-8"?>
 <p:sld xmlns:a="http://schemas.openxmlformats.org/drawingml/2006/main" xmlns:r="http://schemas.openxmlformats.org/officeDocument/2006/relationships" xmlns:p="http://schemas.openxmlformats.org/presentationml/2006/main">
   <p:cSld>
     <p:spTree>
@@ -9218,7 +9856,7 @@
 </p:sld>
 </file>
 
-<file path=ppt/slides/slide18.xml><?xml version="1.0" encoding="utf-8"?>
+<file path=ppt/slides/slide19.xml><?xml version="1.0" encoding="utf-8"?>
 <p:sld xmlns:a="http://schemas.openxmlformats.org/drawingml/2006/main" xmlns:r="http://schemas.openxmlformats.org/officeDocument/2006/relationships" xmlns:p="http://schemas.openxmlformats.org/presentationml/2006/main">
   <p:cSld>
     <p:spTree>
@@ -9668,287 +10306,6 @@
       <p:bldP spid="2" grpId="0"/>
       <p:bldP spid="9" grpId="0"/>
       <p:bldP spid="10" grpId="0"/>
-    </p:bldLst>
-  </p:timing>
-</p:sld>
-</file>
-
-<file path=ppt/slides/slide19.xml><?xml version="1.0" encoding="utf-8"?>
-<p:sld xmlns:a="http://schemas.openxmlformats.org/drawingml/2006/main" xmlns:r="http://schemas.openxmlformats.org/officeDocument/2006/relationships" xmlns:p="http://schemas.openxmlformats.org/presentationml/2006/main">
-  <p:cSld>
-    <p:spTree>
-      <p:nvGrpSpPr>
-        <p:cNvPr id="1" name=""/>
-        <p:cNvGrpSpPr/>
-        <p:nvPr/>
-      </p:nvGrpSpPr>
-      <p:grpSpPr>
-        <a:xfrm>
-          <a:off x="0" y="0"/>
-          <a:ext cx="0" cy="0"/>
-          <a:chOff x="0" y="0"/>
-          <a:chExt cx="0" cy="0"/>
-        </a:xfrm>
-      </p:grpSpPr>
-      <p:sp>
-        <p:nvSpPr>
-          <p:cNvPr id="2" name="Titre 1">
-            <a:extLst>
-              <a:ext uri="{FF2B5EF4-FFF2-40B4-BE49-F238E27FC236}">
-                <a16:creationId xmlns:a16="http://schemas.microsoft.com/office/drawing/2014/main" id="{465F4E1D-C2D1-48A3-87E1-EAA86D29F741}"/>
-              </a:ext>
-            </a:extLst>
-          </p:cNvPr>
-          <p:cNvSpPr>
-            <a:spLocks noGrp="1"/>
-          </p:cNvSpPr>
-          <p:nvPr>
-            <p:ph type="ctrTitle"/>
-          </p:nvPr>
-        </p:nvSpPr>
-        <p:spPr>
-          <a:xfrm>
-            <a:off x="1391920" y="396240"/>
-            <a:ext cx="9408160" cy="1046481"/>
-          </a:xfrm>
-        </p:spPr>
-        <p:txBody>
-          <a:bodyPr>
-            <a:normAutofit/>
-          </a:bodyPr>
-          <a:lstStyle/>
-          <a:p>
-            <a:r>
-              <a:rPr lang="fr-FR" dirty="0"/>
-              <a:t>Matrice de confusion</a:t>
-            </a:r>
-          </a:p>
-        </p:txBody>
-      </p:sp>
-      <p:pic>
-        <p:nvPicPr>
-          <p:cNvPr id="4" name="Image 3">
-            <a:extLst>
-              <a:ext uri="{FF2B5EF4-FFF2-40B4-BE49-F238E27FC236}">
-                <a16:creationId xmlns:a16="http://schemas.microsoft.com/office/drawing/2014/main" id="{6D19BF79-1D71-48C5-80A2-A1D39A8C2714}"/>
-              </a:ext>
-            </a:extLst>
-          </p:cNvPr>
-          <p:cNvPicPr>
-            <a:picLocks noChangeAspect="1"/>
-          </p:cNvPicPr>
-          <p:nvPr/>
-        </p:nvPicPr>
-        <p:blipFill>
-          <a:blip r:embed="rId3">
-            <a:extLst>
-              <a:ext uri="{28A0092B-C50C-407E-A947-70E740481C1C}">
-                <a14:useLocalDpi xmlns:a14="http://schemas.microsoft.com/office/drawing/2010/main" val="0"/>
-              </a:ext>
-            </a:extLst>
-          </a:blip>
-          <a:stretch>
-            <a:fillRect/>
-          </a:stretch>
-        </p:blipFill>
-        <p:spPr>
-          <a:xfrm>
-            <a:off x="10769600" y="5435600"/>
-            <a:ext cx="1422400" cy="1422400"/>
-          </a:xfrm>
-          <a:prstGeom prst="rect">
-            <a:avLst/>
-          </a:prstGeom>
-        </p:spPr>
-      </p:pic>
-      <p:sp>
-        <p:nvSpPr>
-          <p:cNvPr id="7" name="ZoneTexte 6">
-            <a:extLst>
-              <a:ext uri="{FF2B5EF4-FFF2-40B4-BE49-F238E27FC236}">
-                <a16:creationId xmlns:a16="http://schemas.microsoft.com/office/drawing/2014/main" id="{3CACB3D4-FFFC-4B81-9438-E3FBA4E0BDDD}"/>
-              </a:ext>
-            </a:extLst>
-          </p:cNvPr>
-          <p:cNvSpPr txBox="1"/>
-          <p:nvPr/>
-        </p:nvSpPr>
-        <p:spPr>
-          <a:xfrm>
-            <a:off x="4666761" y="6092428"/>
-            <a:ext cx="2858475" cy="369332"/>
-          </a:xfrm>
-          <a:prstGeom prst="rect">
-            <a:avLst/>
-          </a:prstGeom>
-          <a:noFill/>
-        </p:spPr>
-        <p:txBody>
-          <a:bodyPr wrap="none" rtlCol="0">
-            <a:spAutoFit/>
-          </a:bodyPr>
-          <a:lstStyle/>
-          <a:p>
-            <a:r>
-              <a:rPr lang="fr-FR" altLang="fr-FR" dirty="0">
-                <a:latin typeface="Arial Unicode MS"/>
-              </a:rPr>
-              <a:t>L'</a:t>
-            </a:r>
-            <a:r>
-              <a:rPr lang="fr-FR" altLang="fr-FR" dirty="0" err="1">
-                <a:latin typeface="Arial Unicode MS"/>
-              </a:rPr>
-              <a:t>accuracy</a:t>
-            </a:r>
-            <a:r>
-              <a:rPr lang="fr-FR" altLang="fr-FR" dirty="0">
-                <a:latin typeface="Arial Unicode MS"/>
-              </a:rPr>
-              <a:t> est de : 95.0</a:t>
-            </a:r>
-            <a:r>
-              <a:rPr kumimoji="0" lang="fr-FR" altLang="fr-FR" sz="1400" b="0" i="0" u="none" strike="noStrike" cap="none" normalizeH="0" baseline="0" dirty="0">
-                <a:ln>
-                  <a:noFill/>
-                </a:ln>
-                <a:solidFill>
-                  <a:schemeClr val="tx1"/>
-                </a:solidFill>
-                <a:effectLst/>
-              </a:rPr>
-              <a:t> </a:t>
-            </a:r>
-            <a:r>
-              <a:rPr lang="fr-FR" altLang="fr-FR" dirty="0">
-                <a:latin typeface="Arial Unicode MS"/>
-              </a:rPr>
-              <a:t>%</a:t>
-            </a:r>
-          </a:p>
-        </p:txBody>
-      </p:sp>
-      <p:pic>
-        <p:nvPicPr>
-          <p:cNvPr id="6" name="Image 5">
-            <a:extLst>
-              <a:ext uri="{FF2B5EF4-FFF2-40B4-BE49-F238E27FC236}">
-                <a16:creationId xmlns:a16="http://schemas.microsoft.com/office/drawing/2014/main" id="{FF7A83EE-0F44-4876-9C2C-7D8EFA3B9C5A}"/>
-              </a:ext>
-            </a:extLst>
-          </p:cNvPr>
-          <p:cNvPicPr>
-            <a:picLocks noChangeAspect="1"/>
-          </p:cNvPicPr>
-          <p:nvPr/>
-        </p:nvPicPr>
-        <p:blipFill rotWithShape="1">
-          <a:blip r:embed="rId4">
-            <a:extLst>
-              <a:ext uri="{28A0092B-C50C-407E-A947-70E740481C1C}">
-                <a14:useLocalDpi xmlns:a14="http://schemas.microsoft.com/office/drawing/2010/main" val="0"/>
-              </a:ext>
-            </a:extLst>
-          </a:blip>
-          <a:srcRect l="3666" r="11711"/>
-          <a:stretch/>
-        </p:blipFill>
-        <p:spPr>
-          <a:xfrm>
-            <a:off x="3290453" y="1557358"/>
-            <a:ext cx="5611090" cy="4420433"/>
-          </a:xfrm>
-          <a:prstGeom prst="rect">
-            <a:avLst/>
-          </a:prstGeom>
-        </p:spPr>
-      </p:pic>
-    </p:spTree>
-    <p:extLst>
-      <p:ext uri="{BB962C8B-B14F-4D97-AF65-F5344CB8AC3E}">
-        <p14:creationId xmlns:p14="http://schemas.microsoft.com/office/powerpoint/2010/main" val="3098862034"/>
-      </p:ext>
-    </p:extLst>
-  </p:cSld>
-  <p:clrMapOvr>
-    <a:masterClrMapping/>
-  </p:clrMapOvr>
-  <p:timing>
-    <p:tnLst>
-      <p:par>
-        <p:cTn id="1" dur="indefinite" restart="never" nodeType="tmRoot">
-          <p:childTnLst>
-            <p:seq concurrent="1" nextAc="seek">
-              <p:cTn id="2" dur="indefinite" nodeType="mainSeq">
-                <p:childTnLst>
-                  <p:par>
-                    <p:cTn id="3" fill="hold">
-                      <p:stCondLst>
-                        <p:cond delay="indefinite"/>
-                      </p:stCondLst>
-                      <p:childTnLst>
-                        <p:par>
-                          <p:cTn id="4" fill="hold">
-                            <p:stCondLst>
-                              <p:cond delay="0"/>
-                            </p:stCondLst>
-                            <p:childTnLst>
-                              <p:par>
-                                <p:cTn id="5" presetID="1" presetClass="entr" presetSubtype="0" fill="hold" grpId="0" nodeType="clickEffect">
-                                  <p:stCondLst>
-                                    <p:cond delay="0"/>
-                                  </p:stCondLst>
-                                  <p:childTnLst>
-                                    <p:set>
-                                      <p:cBhvr>
-                                        <p:cTn id="6" dur="1" fill="hold">
-                                          <p:stCondLst>
-                                            <p:cond delay="0"/>
-                                          </p:stCondLst>
-                                        </p:cTn>
-                                        <p:tgtEl>
-                                          <p:spTgt spid="7"/>
-                                        </p:tgtEl>
-                                        <p:attrNameLst>
-                                          <p:attrName>style.visibility</p:attrName>
-                                        </p:attrNameLst>
-                                      </p:cBhvr>
-                                      <p:to>
-                                        <p:strVal val="visible"/>
-                                      </p:to>
-                                    </p:set>
-                                  </p:childTnLst>
-                                </p:cTn>
-                              </p:par>
-                            </p:childTnLst>
-                          </p:cTn>
-                        </p:par>
-                      </p:childTnLst>
-                    </p:cTn>
-                  </p:par>
-                </p:childTnLst>
-              </p:cTn>
-              <p:prevCondLst>
-                <p:cond evt="onPrev" delay="0">
-                  <p:tgtEl>
-                    <p:sldTgt/>
-                  </p:tgtEl>
-                </p:cond>
-              </p:prevCondLst>
-              <p:nextCondLst>
-                <p:cond evt="onNext" delay="0">
-                  <p:tgtEl>
-                    <p:sldTgt/>
-                  </p:tgtEl>
-                </p:cond>
-              </p:nextCondLst>
-            </p:seq>
-          </p:childTnLst>
-        </p:cTn>
-      </p:par>
-    </p:tnLst>
-    <p:bldLst>
-      <p:bldP spid="7" grpId="0"/>
     </p:bldLst>
   </p:timing>
 </p:sld>
@@ -10713,6 +11070,287 @@
 <file path=ppt/slides/slide20.xml><?xml version="1.0" encoding="utf-8"?>
 <p:sld xmlns:a="http://schemas.openxmlformats.org/drawingml/2006/main" xmlns:r="http://schemas.openxmlformats.org/officeDocument/2006/relationships" xmlns:p="http://schemas.openxmlformats.org/presentationml/2006/main">
   <p:cSld>
+    <p:spTree>
+      <p:nvGrpSpPr>
+        <p:cNvPr id="1" name=""/>
+        <p:cNvGrpSpPr/>
+        <p:nvPr/>
+      </p:nvGrpSpPr>
+      <p:grpSpPr>
+        <a:xfrm>
+          <a:off x="0" y="0"/>
+          <a:ext cx="0" cy="0"/>
+          <a:chOff x="0" y="0"/>
+          <a:chExt cx="0" cy="0"/>
+        </a:xfrm>
+      </p:grpSpPr>
+      <p:sp>
+        <p:nvSpPr>
+          <p:cNvPr id="2" name="Titre 1">
+            <a:extLst>
+              <a:ext uri="{FF2B5EF4-FFF2-40B4-BE49-F238E27FC236}">
+                <a16:creationId xmlns:a16="http://schemas.microsoft.com/office/drawing/2014/main" id="{465F4E1D-C2D1-48A3-87E1-EAA86D29F741}"/>
+              </a:ext>
+            </a:extLst>
+          </p:cNvPr>
+          <p:cNvSpPr>
+            <a:spLocks noGrp="1"/>
+          </p:cNvSpPr>
+          <p:nvPr>
+            <p:ph type="ctrTitle"/>
+          </p:nvPr>
+        </p:nvSpPr>
+        <p:spPr>
+          <a:xfrm>
+            <a:off x="1391920" y="396240"/>
+            <a:ext cx="9408160" cy="1046481"/>
+          </a:xfrm>
+        </p:spPr>
+        <p:txBody>
+          <a:bodyPr>
+            <a:normAutofit/>
+          </a:bodyPr>
+          <a:lstStyle/>
+          <a:p>
+            <a:r>
+              <a:rPr lang="fr-FR" dirty="0"/>
+              <a:t>Matrice de confusion</a:t>
+            </a:r>
+          </a:p>
+        </p:txBody>
+      </p:sp>
+      <p:pic>
+        <p:nvPicPr>
+          <p:cNvPr id="4" name="Image 3">
+            <a:extLst>
+              <a:ext uri="{FF2B5EF4-FFF2-40B4-BE49-F238E27FC236}">
+                <a16:creationId xmlns:a16="http://schemas.microsoft.com/office/drawing/2014/main" id="{6D19BF79-1D71-48C5-80A2-A1D39A8C2714}"/>
+              </a:ext>
+            </a:extLst>
+          </p:cNvPr>
+          <p:cNvPicPr>
+            <a:picLocks noChangeAspect="1"/>
+          </p:cNvPicPr>
+          <p:nvPr/>
+        </p:nvPicPr>
+        <p:blipFill>
+          <a:blip r:embed="rId3">
+            <a:extLst>
+              <a:ext uri="{28A0092B-C50C-407E-A947-70E740481C1C}">
+                <a14:useLocalDpi xmlns:a14="http://schemas.microsoft.com/office/drawing/2010/main" val="0"/>
+              </a:ext>
+            </a:extLst>
+          </a:blip>
+          <a:stretch>
+            <a:fillRect/>
+          </a:stretch>
+        </p:blipFill>
+        <p:spPr>
+          <a:xfrm>
+            <a:off x="10769600" y="5435600"/>
+            <a:ext cx="1422400" cy="1422400"/>
+          </a:xfrm>
+          <a:prstGeom prst="rect">
+            <a:avLst/>
+          </a:prstGeom>
+        </p:spPr>
+      </p:pic>
+      <p:sp>
+        <p:nvSpPr>
+          <p:cNvPr id="7" name="ZoneTexte 6">
+            <a:extLst>
+              <a:ext uri="{FF2B5EF4-FFF2-40B4-BE49-F238E27FC236}">
+                <a16:creationId xmlns:a16="http://schemas.microsoft.com/office/drawing/2014/main" id="{3CACB3D4-FFFC-4B81-9438-E3FBA4E0BDDD}"/>
+              </a:ext>
+            </a:extLst>
+          </p:cNvPr>
+          <p:cNvSpPr txBox="1"/>
+          <p:nvPr/>
+        </p:nvSpPr>
+        <p:spPr>
+          <a:xfrm>
+            <a:off x="4666761" y="6092428"/>
+            <a:ext cx="2858475" cy="369332"/>
+          </a:xfrm>
+          <a:prstGeom prst="rect">
+            <a:avLst/>
+          </a:prstGeom>
+          <a:noFill/>
+        </p:spPr>
+        <p:txBody>
+          <a:bodyPr wrap="none" rtlCol="0">
+            <a:spAutoFit/>
+          </a:bodyPr>
+          <a:lstStyle/>
+          <a:p>
+            <a:r>
+              <a:rPr lang="fr-FR" altLang="fr-FR" dirty="0">
+                <a:latin typeface="Arial Unicode MS"/>
+              </a:rPr>
+              <a:t>L'</a:t>
+            </a:r>
+            <a:r>
+              <a:rPr lang="fr-FR" altLang="fr-FR" dirty="0" err="1">
+                <a:latin typeface="Arial Unicode MS"/>
+              </a:rPr>
+              <a:t>accuracy</a:t>
+            </a:r>
+            <a:r>
+              <a:rPr lang="fr-FR" altLang="fr-FR" dirty="0">
+                <a:latin typeface="Arial Unicode MS"/>
+              </a:rPr>
+              <a:t> est de : 95.0</a:t>
+            </a:r>
+            <a:r>
+              <a:rPr kumimoji="0" lang="fr-FR" altLang="fr-FR" sz="1400" b="0" i="0" u="none" strike="noStrike" cap="none" normalizeH="0" baseline="0" dirty="0">
+                <a:ln>
+                  <a:noFill/>
+                </a:ln>
+                <a:solidFill>
+                  <a:schemeClr val="tx1"/>
+                </a:solidFill>
+                <a:effectLst/>
+              </a:rPr>
+              <a:t> </a:t>
+            </a:r>
+            <a:r>
+              <a:rPr lang="fr-FR" altLang="fr-FR" dirty="0">
+                <a:latin typeface="Arial Unicode MS"/>
+              </a:rPr>
+              <a:t>%</a:t>
+            </a:r>
+          </a:p>
+        </p:txBody>
+      </p:sp>
+      <p:pic>
+        <p:nvPicPr>
+          <p:cNvPr id="6" name="Image 5">
+            <a:extLst>
+              <a:ext uri="{FF2B5EF4-FFF2-40B4-BE49-F238E27FC236}">
+                <a16:creationId xmlns:a16="http://schemas.microsoft.com/office/drawing/2014/main" id="{FF7A83EE-0F44-4876-9C2C-7D8EFA3B9C5A}"/>
+              </a:ext>
+            </a:extLst>
+          </p:cNvPr>
+          <p:cNvPicPr>
+            <a:picLocks noChangeAspect="1"/>
+          </p:cNvPicPr>
+          <p:nvPr/>
+        </p:nvPicPr>
+        <p:blipFill rotWithShape="1">
+          <a:blip r:embed="rId4">
+            <a:extLst>
+              <a:ext uri="{28A0092B-C50C-407E-A947-70E740481C1C}">
+                <a14:useLocalDpi xmlns:a14="http://schemas.microsoft.com/office/drawing/2010/main" val="0"/>
+              </a:ext>
+            </a:extLst>
+          </a:blip>
+          <a:srcRect l="3666" r="11711"/>
+          <a:stretch/>
+        </p:blipFill>
+        <p:spPr>
+          <a:xfrm>
+            <a:off x="3290453" y="1557358"/>
+            <a:ext cx="5611090" cy="4420433"/>
+          </a:xfrm>
+          <a:prstGeom prst="rect">
+            <a:avLst/>
+          </a:prstGeom>
+        </p:spPr>
+      </p:pic>
+    </p:spTree>
+    <p:extLst>
+      <p:ext uri="{BB962C8B-B14F-4D97-AF65-F5344CB8AC3E}">
+        <p14:creationId xmlns:p14="http://schemas.microsoft.com/office/powerpoint/2010/main" val="3098862034"/>
+      </p:ext>
+    </p:extLst>
+  </p:cSld>
+  <p:clrMapOvr>
+    <a:masterClrMapping/>
+  </p:clrMapOvr>
+  <p:timing>
+    <p:tnLst>
+      <p:par>
+        <p:cTn id="1" dur="indefinite" restart="never" nodeType="tmRoot">
+          <p:childTnLst>
+            <p:seq concurrent="1" nextAc="seek">
+              <p:cTn id="2" dur="indefinite" nodeType="mainSeq">
+                <p:childTnLst>
+                  <p:par>
+                    <p:cTn id="3" fill="hold">
+                      <p:stCondLst>
+                        <p:cond delay="indefinite"/>
+                      </p:stCondLst>
+                      <p:childTnLst>
+                        <p:par>
+                          <p:cTn id="4" fill="hold">
+                            <p:stCondLst>
+                              <p:cond delay="0"/>
+                            </p:stCondLst>
+                            <p:childTnLst>
+                              <p:par>
+                                <p:cTn id="5" presetID="1" presetClass="entr" presetSubtype="0" fill="hold" grpId="0" nodeType="clickEffect">
+                                  <p:stCondLst>
+                                    <p:cond delay="0"/>
+                                  </p:stCondLst>
+                                  <p:childTnLst>
+                                    <p:set>
+                                      <p:cBhvr>
+                                        <p:cTn id="6" dur="1" fill="hold">
+                                          <p:stCondLst>
+                                            <p:cond delay="0"/>
+                                          </p:stCondLst>
+                                        </p:cTn>
+                                        <p:tgtEl>
+                                          <p:spTgt spid="7"/>
+                                        </p:tgtEl>
+                                        <p:attrNameLst>
+                                          <p:attrName>style.visibility</p:attrName>
+                                        </p:attrNameLst>
+                                      </p:cBhvr>
+                                      <p:to>
+                                        <p:strVal val="visible"/>
+                                      </p:to>
+                                    </p:set>
+                                  </p:childTnLst>
+                                </p:cTn>
+                              </p:par>
+                            </p:childTnLst>
+                          </p:cTn>
+                        </p:par>
+                      </p:childTnLst>
+                    </p:cTn>
+                  </p:par>
+                </p:childTnLst>
+              </p:cTn>
+              <p:prevCondLst>
+                <p:cond evt="onPrev" delay="0">
+                  <p:tgtEl>
+                    <p:sldTgt/>
+                  </p:tgtEl>
+                </p:cond>
+              </p:prevCondLst>
+              <p:nextCondLst>
+                <p:cond evt="onNext" delay="0">
+                  <p:tgtEl>
+                    <p:sldTgt/>
+                  </p:tgtEl>
+                </p:cond>
+              </p:nextCondLst>
+            </p:seq>
+          </p:childTnLst>
+        </p:cTn>
+      </p:par>
+    </p:tnLst>
+    <p:bldLst>
+      <p:bldP spid="7" grpId="0"/>
+    </p:bldLst>
+  </p:timing>
+</p:sld>
+</file>
+
+<file path=ppt/slides/slide21.xml><?xml version="1.0" encoding="utf-8"?>
+<p:sld xmlns:a="http://schemas.openxmlformats.org/drawingml/2006/main" xmlns:r="http://schemas.openxmlformats.org/officeDocument/2006/relationships" xmlns:p="http://schemas.openxmlformats.org/presentationml/2006/main">
+  <p:cSld>
     <p:bg>
       <p:bgPr>
         <a:solidFill>
@@ -11232,7 +11870,7 @@
 </p:sld>
 </file>
 
-<file path=ppt/slides/slide21.xml><?xml version="1.0" encoding="utf-8"?>
+<file path=ppt/slides/slide22.xml><?xml version="1.0" encoding="utf-8"?>
 <p:sld xmlns:a="http://schemas.openxmlformats.org/drawingml/2006/main" xmlns:r="http://schemas.openxmlformats.org/officeDocument/2006/relationships" xmlns:p="http://schemas.openxmlformats.org/presentationml/2006/main">
   <p:cSld>
     <p:spTree>
@@ -11363,7 +12001,7 @@
 </p:sld>
 </file>
 
-<file path=ppt/slides/slide22.xml><?xml version="1.0" encoding="utf-8"?>
+<file path=ppt/slides/slide23.xml><?xml version="1.0" encoding="utf-8"?>
 <p:sld xmlns:a="http://schemas.openxmlformats.org/drawingml/2006/main" xmlns:r="http://schemas.openxmlformats.org/officeDocument/2006/relationships" xmlns:p="http://schemas.openxmlformats.org/presentationml/2006/main">
   <p:cSld>
     <p:spTree>
@@ -11820,7 +12458,7 @@
 </p:sld>
 </file>
 
-<file path=ppt/slides/slide23.xml><?xml version="1.0" encoding="utf-8"?>
+<file path=ppt/slides/slide24.xml><?xml version="1.0" encoding="utf-8"?>
 <p:sld xmlns:a="http://schemas.openxmlformats.org/drawingml/2006/main" xmlns:r="http://schemas.openxmlformats.org/officeDocument/2006/relationships" xmlns:p="http://schemas.openxmlformats.org/presentationml/2006/main">
   <p:cSld>
     <p:spTree>
@@ -12277,7 +12915,7 @@
 </p:sld>
 </file>
 
-<file path=ppt/slides/slide24.xml><?xml version="1.0" encoding="utf-8"?>
+<file path=ppt/slides/slide25.xml><?xml version="1.0" encoding="utf-8"?>
 <p:sld xmlns:a="http://schemas.openxmlformats.org/drawingml/2006/main" xmlns:r="http://schemas.openxmlformats.org/officeDocument/2006/relationships" xmlns:p="http://schemas.openxmlformats.org/presentationml/2006/main">
   <p:cSld>
     <p:spTree>
@@ -12832,7 +13470,7 @@
 </p:sld>
 </file>
 
-<file path=ppt/slides/slide25.xml><?xml version="1.0" encoding="utf-8"?>
+<file path=ppt/slides/slide26.xml><?xml version="1.0" encoding="utf-8"?>
 <p:sld xmlns:a="http://schemas.openxmlformats.org/drawingml/2006/main" xmlns:r="http://schemas.openxmlformats.org/officeDocument/2006/relationships" xmlns:p="http://schemas.openxmlformats.org/presentationml/2006/main">
   <p:cSld>
     <p:spTree>
@@ -12887,41 +13525,6 @@
           </a:p>
         </p:txBody>
       </p:sp>
-      <p:pic>
-        <p:nvPicPr>
-          <p:cNvPr id="5" name="Image 4">
-            <a:extLst>
-              <a:ext uri="{FF2B5EF4-FFF2-40B4-BE49-F238E27FC236}">
-                <a16:creationId xmlns:a16="http://schemas.microsoft.com/office/drawing/2014/main" id="{999CA5C9-FCC6-4C67-AE5E-476BB716ADDC}"/>
-              </a:ext>
-            </a:extLst>
-          </p:cNvPr>
-          <p:cNvPicPr>
-            <a:picLocks noChangeAspect="1"/>
-          </p:cNvPicPr>
-          <p:nvPr/>
-        </p:nvPicPr>
-        <p:blipFill rotWithShape="1">
-          <a:blip r:embed="rId3">
-            <a:extLst>
-              <a:ext uri="{28A0092B-C50C-407E-A947-70E740481C1C}">
-                <a14:useLocalDpi xmlns:a14="http://schemas.microsoft.com/office/drawing/2010/main" val="0"/>
-              </a:ext>
-            </a:extLst>
-          </a:blip>
-          <a:srcRect l="3861" r="13203"/>
-          <a:stretch/>
-        </p:blipFill>
-        <p:spPr>
-          <a:xfrm>
-            <a:off x="3243695" y="1381574"/>
-            <a:ext cx="5704609" cy="4585570"/>
-          </a:xfrm>
-          <a:prstGeom prst="rect">
-            <a:avLst/>
-          </a:prstGeom>
-        </p:spPr>
-      </p:pic>
       <p:sp>
         <p:nvSpPr>
           <p:cNvPr id="6" name="ZoneTexte 5">
@@ -12989,6 +13592,41 @@
           </a:p>
         </p:txBody>
       </p:sp>
+      <p:pic>
+        <p:nvPicPr>
+          <p:cNvPr id="4" name="Image 3">
+            <a:extLst>
+              <a:ext uri="{FF2B5EF4-FFF2-40B4-BE49-F238E27FC236}">
+                <a16:creationId xmlns:a16="http://schemas.microsoft.com/office/drawing/2014/main" id="{BC896E7F-AC37-4D3D-BF27-DF2B038AC33E}"/>
+              </a:ext>
+            </a:extLst>
+          </p:cNvPr>
+          <p:cNvPicPr>
+            <a:picLocks noChangeAspect="1"/>
+          </p:cNvPicPr>
+          <p:nvPr/>
+        </p:nvPicPr>
+        <p:blipFill rotWithShape="1">
+          <a:blip r:embed="rId3">
+            <a:extLst>
+              <a:ext uri="{28A0092B-C50C-407E-A947-70E740481C1C}">
+                <a14:useLocalDpi xmlns:a14="http://schemas.microsoft.com/office/drawing/2010/main" val="0"/>
+              </a:ext>
+            </a:extLst>
+          </a:blip>
+          <a:srcRect l="3402" r="12851"/>
+          <a:stretch/>
+        </p:blipFill>
+        <p:spPr>
+          <a:xfrm>
+            <a:off x="3340925" y="1481029"/>
+            <a:ext cx="5510150" cy="4386338"/>
+          </a:xfrm>
+          <a:prstGeom prst="rect">
+            <a:avLst/>
+          </a:prstGeom>
+        </p:spPr>
+      </p:pic>
     </p:spTree>
     <p:extLst>
       <p:ext uri="{BB962C8B-B14F-4D97-AF65-F5344CB8AC3E}">
@@ -13080,7 +13718,7 @@
 </p:sld>
 </file>
 
-<file path=ppt/slides/slide26.xml><?xml version="1.0" encoding="utf-8"?>
+<file path=ppt/slides/slide27.xml><?xml version="1.0" encoding="utf-8"?>
 <p:sld xmlns:a="http://schemas.openxmlformats.org/drawingml/2006/main" xmlns:r="http://schemas.openxmlformats.org/officeDocument/2006/relationships" xmlns:p="http://schemas.openxmlformats.org/presentationml/2006/main">
   <p:cSld>
     <p:bg>
@@ -13326,6 +13964,350 @@
           <p:nvPr/>
         </p:nvPicPr>
         <p:blipFill rotWithShape="1">
+          <a:blip r:embed="rId3"/>
+          <a:srcRect l="10851" r="1308"/>
+          <a:stretch/>
+        </p:blipFill>
+        <p:spPr>
+          <a:xfrm>
+            <a:off x="20" y="10"/>
+            <a:ext cx="6024134" cy="6857990"/>
+          </a:xfrm>
+          <a:custGeom>
+            <a:avLst/>
+            <a:gdLst>
+              <a:gd name="connsiteX0" fmla="*/ 0 w 6024154"/>
+              <a:gd name="connsiteY0" fmla="*/ 0 h 6858000"/>
+              <a:gd name="connsiteX1" fmla="*/ 5953780 w 6024154"/>
+              <a:gd name="connsiteY1" fmla="*/ 0 h 6858000"/>
+              <a:gd name="connsiteX2" fmla="*/ 5989880 w 6024154"/>
+              <a:gd name="connsiteY2" fmla="*/ 284091 h 6858000"/>
+              <a:gd name="connsiteX3" fmla="*/ 6024154 w 6024154"/>
+              <a:gd name="connsiteY3" fmla="*/ 962844 h 6858000"/>
+              <a:gd name="connsiteX4" fmla="*/ 2549934 w 6024154"/>
+              <a:gd name="connsiteY4" fmla="*/ 6800152 h 6858000"/>
+              <a:gd name="connsiteX5" fmla="*/ 2436987 w 6024154"/>
+              <a:gd name="connsiteY5" fmla="*/ 6858000 h 6858000"/>
+              <a:gd name="connsiteX6" fmla="*/ 0 w 6024154"/>
+              <a:gd name="connsiteY6" fmla="*/ 6858000 h 6858000"/>
+            </a:gdLst>
+            <a:ahLst/>
+            <a:cxnLst>
+              <a:cxn ang="0">
+                <a:pos x="connsiteX0" y="connsiteY0"/>
+              </a:cxn>
+              <a:cxn ang="0">
+                <a:pos x="connsiteX1" y="connsiteY1"/>
+              </a:cxn>
+              <a:cxn ang="0">
+                <a:pos x="connsiteX2" y="connsiteY2"/>
+              </a:cxn>
+              <a:cxn ang="0">
+                <a:pos x="connsiteX3" y="connsiteY3"/>
+              </a:cxn>
+              <a:cxn ang="0">
+                <a:pos x="connsiteX4" y="connsiteY4"/>
+              </a:cxn>
+              <a:cxn ang="0">
+                <a:pos x="connsiteX5" y="connsiteY5"/>
+              </a:cxn>
+              <a:cxn ang="0">
+                <a:pos x="connsiteX6" y="connsiteY6"/>
+              </a:cxn>
+            </a:cxnLst>
+            <a:rect l="l" t="t" r="r" b="b"/>
+            <a:pathLst>
+              <a:path w="6024154" h="6858000">
+                <a:moveTo>
+                  <a:pt x="0" y="0"/>
+                </a:moveTo>
+                <a:lnTo>
+                  <a:pt x="5953780" y="0"/>
+                </a:lnTo>
+                <a:lnTo>
+                  <a:pt x="5989880" y="284091"/>
+                </a:lnTo>
+                <a:cubicBezTo>
+                  <a:pt x="6012544" y="507260"/>
+                  <a:pt x="6024154" y="733696"/>
+                  <a:pt x="6024154" y="962844"/>
+                </a:cubicBezTo>
+                <a:cubicBezTo>
+                  <a:pt x="6024154" y="3483472"/>
+                  <a:pt x="4619336" y="5675986"/>
+                  <a:pt x="2549934" y="6800152"/>
+                </a:cubicBezTo>
+                <a:lnTo>
+                  <a:pt x="2436987" y="6858000"/>
+                </a:lnTo>
+                <a:lnTo>
+                  <a:pt x="0" y="6858000"/>
+                </a:lnTo>
+                <a:close/>
+              </a:path>
+            </a:pathLst>
+          </a:custGeom>
+        </p:spPr>
+      </p:pic>
+    </p:spTree>
+    <p:extLst>
+      <p:ext uri="{BB962C8B-B14F-4D97-AF65-F5344CB8AC3E}">
+        <p14:creationId xmlns:p14="http://schemas.microsoft.com/office/powerpoint/2010/main" val="3053510439"/>
+      </p:ext>
+    </p:extLst>
+  </p:cSld>
+  <p:clrMapOvr>
+    <a:overrideClrMapping bg1="dk1" tx1="lt1" bg2="dk2" tx2="lt2" accent1="accent1" accent2="accent2" accent3="accent3" accent4="accent4" accent5="accent5" accent6="accent6" hlink="hlink" folHlink="folHlink"/>
+  </p:clrMapOvr>
+</p:sld>
+</file>
+
+<file path=ppt/slides/slide28.xml><?xml version="1.0" encoding="utf-8"?>
+<p:sld xmlns:a="http://schemas.openxmlformats.org/drawingml/2006/main" xmlns:r="http://schemas.openxmlformats.org/officeDocument/2006/relationships" xmlns:p="http://schemas.openxmlformats.org/presentationml/2006/main">
+  <p:cSld>
+    <p:bg>
+      <p:bgPr>
+        <a:solidFill>
+          <a:schemeClr val="bg1">
+            <a:tint val="95000"/>
+            <a:satMod val="170000"/>
+          </a:schemeClr>
+        </a:solidFill>
+        <a:effectLst/>
+      </p:bgPr>
+    </p:bg>
+    <p:spTree>
+      <p:nvGrpSpPr>
+        <p:cNvPr id="1" name=""/>
+        <p:cNvGrpSpPr/>
+        <p:nvPr/>
+      </p:nvGrpSpPr>
+      <p:grpSpPr>
+        <a:xfrm>
+          <a:off x="0" y="0"/>
+          <a:ext cx="0" cy="0"/>
+          <a:chOff x="0" y="0"/>
+          <a:chExt cx="0" cy="0"/>
+        </a:xfrm>
+      </p:grpSpPr>
+      <p:sp>
+        <p:nvSpPr>
+          <p:cNvPr id="2" name="Titre 1">
+            <a:extLst>
+              <a:ext uri="{FF2B5EF4-FFF2-40B4-BE49-F238E27FC236}">
+                <a16:creationId xmlns:a16="http://schemas.microsoft.com/office/drawing/2014/main" id="{E9F2B4AB-E26F-40B4-ABDA-F40B8F031371}"/>
+              </a:ext>
+            </a:extLst>
+          </p:cNvPr>
+          <p:cNvSpPr>
+            <a:spLocks noGrp="1"/>
+          </p:cNvSpPr>
+          <p:nvPr>
+            <p:ph type="ctrTitle"/>
+          </p:nvPr>
+        </p:nvSpPr>
+        <p:spPr>
+          <a:xfrm>
+            <a:off x="6746628" y="1783959"/>
+            <a:ext cx="4645250" cy="2889114"/>
+          </a:xfrm>
+        </p:spPr>
+        <p:txBody>
+          <a:bodyPr anchor="b">
+            <a:normAutofit/>
+          </a:bodyPr>
+          <a:lstStyle/>
+          <a:p>
+            <a:pPr algn="l"/>
+            <a:r>
+              <a:rPr lang="fr-FR" dirty="0"/>
+              <a:t>Annexes</a:t>
+            </a:r>
+          </a:p>
+        </p:txBody>
+      </p:sp>
+      <p:sp>
+        <p:nvSpPr>
+          <p:cNvPr id="10" name="Freeform: Shape 9">
+            <a:extLst>
+              <a:ext uri="{FF2B5EF4-FFF2-40B4-BE49-F238E27FC236}">
+                <a16:creationId xmlns:a16="http://schemas.microsoft.com/office/drawing/2014/main" id="{1DB7C82F-AB7E-4F0C-B829-FA1B9C415180}"/>
+              </a:ext>
+              <a:ext uri="{C183D7F6-B498-43B3-948B-1728B52AA6E4}">
+                <adec:decorative xmlns:adec="http://schemas.microsoft.com/office/drawing/2017/decorative" val="1"/>
+              </a:ext>
+            </a:extLst>
+          </p:cNvPr>
+          <p:cNvSpPr>
+            <a:spLocks noGrp="1" noRot="1" noChangeAspect="1" noMove="1" noResize="1" noEditPoints="1" noAdjustHandles="1" noChangeArrowheads="1" noChangeShapeType="1" noTextEdit="1"/>
+          </p:cNvSpPr>
+          <p:nvPr>
+            <p:extLst>
+              <p:ext uri="{386F3935-93C4-4BCD-93E2-E3B085C9AB24}">
+                <p16:designElem xmlns:p16="http://schemas.microsoft.com/office/powerpoint/2015/main" val="1"/>
+              </p:ext>
+            </p:extLst>
+          </p:nvPr>
+        </p:nvSpPr>
+        <p:spPr>
+          <a:xfrm flipH="1">
+            <a:off x="0" y="0"/>
+            <a:ext cx="6172782" cy="6858000"/>
+          </a:xfrm>
+          <a:custGeom>
+            <a:avLst/>
+            <a:gdLst>
+              <a:gd name="connsiteX0" fmla="*/ 6172782 w 6172782"/>
+              <a:gd name="connsiteY0" fmla="*/ 0 h 6858000"/>
+              <a:gd name="connsiteX1" fmla="*/ 69075 w 6172782"/>
+              <a:gd name="connsiteY1" fmla="*/ 0 h 6858000"/>
+              <a:gd name="connsiteX2" fmla="*/ 35131 w 6172782"/>
+              <a:gd name="connsiteY2" fmla="*/ 267128 h 6858000"/>
+              <a:gd name="connsiteX3" fmla="*/ 0 w 6172782"/>
+              <a:gd name="connsiteY3" fmla="*/ 962845 h 6858000"/>
+              <a:gd name="connsiteX4" fmla="*/ 3276103 w 6172782"/>
+              <a:gd name="connsiteY4" fmla="*/ 6782205 h 6858000"/>
+              <a:gd name="connsiteX5" fmla="*/ 3407923 w 6172782"/>
+              <a:gd name="connsiteY5" fmla="*/ 6858000 h 6858000"/>
+              <a:gd name="connsiteX6" fmla="*/ 6172782 w 6172782"/>
+              <a:gd name="connsiteY6" fmla="*/ 6858000 h 6858000"/>
+            </a:gdLst>
+            <a:ahLst/>
+            <a:cxnLst>
+              <a:cxn ang="0">
+                <a:pos x="connsiteX0" y="connsiteY0"/>
+              </a:cxn>
+              <a:cxn ang="0">
+                <a:pos x="connsiteX1" y="connsiteY1"/>
+              </a:cxn>
+              <a:cxn ang="0">
+                <a:pos x="connsiteX2" y="connsiteY2"/>
+              </a:cxn>
+              <a:cxn ang="0">
+                <a:pos x="connsiteX3" y="connsiteY3"/>
+              </a:cxn>
+              <a:cxn ang="0">
+                <a:pos x="connsiteX4" y="connsiteY4"/>
+              </a:cxn>
+              <a:cxn ang="0">
+                <a:pos x="connsiteX5" y="connsiteY5"/>
+              </a:cxn>
+              <a:cxn ang="0">
+                <a:pos x="connsiteX6" y="connsiteY6"/>
+              </a:cxn>
+            </a:cxnLst>
+            <a:rect l="l" t="t" r="r" b="b"/>
+            <a:pathLst>
+              <a:path w="6172782" h="6858000">
+                <a:moveTo>
+                  <a:pt x="6172782" y="0"/>
+                </a:moveTo>
+                <a:lnTo>
+                  <a:pt x="69075" y="0"/>
+                </a:lnTo>
+                <a:lnTo>
+                  <a:pt x="35131" y="267128"/>
+                </a:lnTo>
+                <a:cubicBezTo>
+                  <a:pt x="11901" y="495874"/>
+                  <a:pt x="0" y="727970"/>
+                  <a:pt x="0" y="962845"/>
+                </a:cubicBezTo>
+                <a:cubicBezTo>
+                  <a:pt x="0" y="3429034"/>
+                  <a:pt x="1312002" y="5588789"/>
+                  <a:pt x="3276103" y="6782205"/>
+                </a:cubicBezTo>
+                <a:lnTo>
+                  <a:pt x="3407923" y="6858000"/>
+                </a:lnTo>
+                <a:lnTo>
+                  <a:pt x="6172782" y="6858000"/>
+                </a:lnTo>
+                <a:close/>
+              </a:path>
+            </a:pathLst>
+          </a:custGeom>
+          <a:solidFill>
+            <a:srgbClr val="FFFFFF">
+              <a:alpha val="80000"/>
+            </a:srgbClr>
+          </a:solidFill>
+          <a:ln>
+            <a:noFill/>
+          </a:ln>
+        </p:spPr>
+        <p:style>
+          <a:lnRef idx="2">
+            <a:schemeClr val="accent1">
+              <a:shade val="50000"/>
+            </a:schemeClr>
+          </a:lnRef>
+          <a:fillRef idx="1">
+            <a:schemeClr val="accent1"/>
+          </a:fillRef>
+          <a:effectRef idx="0">
+            <a:schemeClr val="accent1"/>
+          </a:effectRef>
+          <a:fontRef idx="minor">
+            <a:schemeClr val="lt1"/>
+          </a:fontRef>
+        </p:style>
+        <p:txBody>
+          <a:bodyPr wrap="square" rtlCol="0" anchor="ctr">
+            <a:noAutofit/>
+          </a:bodyPr>
+          <a:lstStyle/>
+          <a:p>
+            <a:pPr marL="0" marR="0" lvl="0" indent="0" algn="ctr" defTabSz="914400" rtl="0" eaLnBrk="1" fontAlgn="auto" latinLnBrk="0" hangingPunct="1">
+              <a:lnSpc>
+                <a:spcPct val="100000"/>
+              </a:lnSpc>
+              <a:spcBef>
+                <a:spcPts val="0"/>
+              </a:spcBef>
+              <a:spcAft>
+                <a:spcPts val="0"/>
+              </a:spcAft>
+              <a:buClrTx/>
+              <a:buSzTx/>
+              <a:buFontTx/>
+              <a:buNone/>
+              <a:tabLst/>
+              <a:defRPr/>
+            </a:pPr>
+            <a:endParaRPr kumimoji="0" lang="en-US" sz="1800" b="0" i="0" u="none" strike="noStrike" kern="1200" cap="none" spc="0" normalizeH="0" baseline="0" noProof="0">
+              <a:ln>
+                <a:noFill/>
+              </a:ln>
+              <a:solidFill>
+                <a:prstClr val="white"/>
+              </a:solidFill>
+              <a:effectLst/>
+              <a:uLnTx/>
+              <a:uFillTx/>
+              <a:latin typeface="Calibri" panose="020F0502020204030204"/>
+              <a:ea typeface="+mn-ea"/>
+              <a:cs typeface="+mn-cs"/>
+            </a:endParaRPr>
+          </a:p>
+        </p:txBody>
+      </p:sp>
+      <p:pic>
+        <p:nvPicPr>
+          <p:cNvPr id="5" name="Image 4">
+            <a:extLst>
+              <a:ext uri="{FF2B5EF4-FFF2-40B4-BE49-F238E27FC236}">
+                <a16:creationId xmlns:a16="http://schemas.microsoft.com/office/drawing/2014/main" id="{4D56C3E0-D643-48B5-A94E-F66D2D0352A9}"/>
+              </a:ext>
+            </a:extLst>
+          </p:cNvPr>
+          <p:cNvPicPr>
+            <a:picLocks noChangeAspect="1"/>
+          </p:cNvPicPr>
+          <p:nvPr/>
+        </p:nvPicPr>
+        <p:blipFill rotWithShape="1">
           <a:blip r:embed="rId2"/>
           <a:srcRect l="10851" r="1308"/>
           <a:stretch/>
@@ -13414,7 +14396,7 @@
     </p:spTree>
     <p:extLst>
       <p:ext uri="{BB962C8B-B14F-4D97-AF65-F5344CB8AC3E}">
-        <p14:creationId xmlns:p14="http://schemas.microsoft.com/office/powerpoint/2010/main" val="3053510439"/>
+        <p14:creationId xmlns:p14="http://schemas.microsoft.com/office/powerpoint/2010/main" val="253044084"/>
       </p:ext>
     </p:extLst>
   </p:cSld>
